--- a/templates/swiss.pptx
+++ b/templates/swiss.pptx
@@ -365,104 +365,239 @@
             <a:noAutofit/>
           </a:bodyPr>
           <a:lstStyle>
-            <a:lvl1pPr indent="-298450" lvl="0" marL="457200">
-              <a:spcBef>
-                <a:spcPts val="0"/>
-              </a:spcBef>
-              <a:spcAft>
-                <a:spcPts val="0"/>
-              </a:spcAft>
+            <a:lvl1pPr indent="-298450" lvl="0" marL="457200" marR="0" rtl="0" algn="l">
+              <a:lnSpc>
+                <a:spcPct val="100000"/>
+              </a:lnSpc>
+              <a:spcBef>
+                <a:spcPts val="0"/>
+              </a:spcBef>
+              <a:spcAft>
+                <a:spcPts val="0"/>
+              </a:spcAft>
+              <a:buClr>
+                <a:srgbClr val="000000"/>
+              </a:buClr>
               <a:buSzPts val="1100"/>
+              <a:buFont typeface="Arial"/>
               <a:buChar char="●"/>
-              <a:defRPr sz="1100"/>
+              <a:defRPr b="0" i="0" sz="1100" u="none" cap="none" strike="noStrike">
+                <a:solidFill>
+                  <a:srgbClr val="000000"/>
+                </a:solidFill>
+                <a:latin typeface="Arial"/>
+                <a:ea typeface="Arial"/>
+                <a:cs typeface="Arial"/>
+                <a:sym typeface="Arial"/>
+              </a:defRPr>
             </a:lvl1pPr>
-            <a:lvl2pPr indent="-298450" lvl="1" marL="914400">
-              <a:spcBef>
-                <a:spcPts val="0"/>
-              </a:spcBef>
-              <a:spcAft>
-                <a:spcPts val="0"/>
-              </a:spcAft>
+            <a:lvl2pPr indent="-298450" lvl="1" marL="914400" marR="0" rtl="0" algn="l">
+              <a:lnSpc>
+                <a:spcPct val="100000"/>
+              </a:lnSpc>
+              <a:spcBef>
+                <a:spcPts val="0"/>
+              </a:spcBef>
+              <a:spcAft>
+                <a:spcPts val="0"/>
+              </a:spcAft>
+              <a:buClr>
+                <a:srgbClr val="000000"/>
+              </a:buClr>
               <a:buSzPts val="1100"/>
+              <a:buFont typeface="Arial"/>
               <a:buChar char="○"/>
-              <a:defRPr sz="1100"/>
+              <a:defRPr b="0" i="0" sz="1100" u="none" cap="none" strike="noStrike">
+                <a:solidFill>
+                  <a:srgbClr val="000000"/>
+                </a:solidFill>
+                <a:latin typeface="Arial"/>
+                <a:ea typeface="Arial"/>
+                <a:cs typeface="Arial"/>
+                <a:sym typeface="Arial"/>
+              </a:defRPr>
             </a:lvl2pPr>
-            <a:lvl3pPr indent="-298450" lvl="2" marL="1371600">
-              <a:spcBef>
-                <a:spcPts val="0"/>
-              </a:spcBef>
-              <a:spcAft>
-                <a:spcPts val="0"/>
-              </a:spcAft>
+            <a:lvl3pPr indent="-298450" lvl="2" marL="1371600" marR="0" rtl="0" algn="l">
+              <a:lnSpc>
+                <a:spcPct val="100000"/>
+              </a:lnSpc>
+              <a:spcBef>
+                <a:spcPts val="0"/>
+              </a:spcBef>
+              <a:spcAft>
+                <a:spcPts val="0"/>
+              </a:spcAft>
+              <a:buClr>
+                <a:srgbClr val="000000"/>
+              </a:buClr>
               <a:buSzPts val="1100"/>
+              <a:buFont typeface="Arial"/>
               <a:buChar char="■"/>
-              <a:defRPr sz="1100"/>
+              <a:defRPr b="0" i="0" sz="1100" u="none" cap="none" strike="noStrike">
+                <a:solidFill>
+                  <a:srgbClr val="000000"/>
+                </a:solidFill>
+                <a:latin typeface="Arial"/>
+                <a:ea typeface="Arial"/>
+                <a:cs typeface="Arial"/>
+                <a:sym typeface="Arial"/>
+              </a:defRPr>
             </a:lvl3pPr>
-            <a:lvl4pPr indent="-298450" lvl="3" marL="1828800">
-              <a:spcBef>
-                <a:spcPts val="0"/>
-              </a:spcBef>
-              <a:spcAft>
-                <a:spcPts val="0"/>
-              </a:spcAft>
+            <a:lvl4pPr indent="-298450" lvl="3" marL="1828800" marR="0" rtl="0" algn="l">
+              <a:lnSpc>
+                <a:spcPct val="100000"/>
+              </a:lnSpc>
+              <a:spcBef>
+                <a:spcPts val="0"/>
+              </a:spcBef>
+              <a:spcAft>
+                <a:spcPts val="0"/>
+              </a:spcAft>
+              <a:buClr>
+                <a:srgbClr val="000000"/>
+              </a:buClr>
               <a:buSzPts val="1100"/>
+              <a:buFont typeface="Arial"/>
               <a:buChar char="●"/>
-              <a:defRPr sz="1100"/>
+              <a:defRPr b="0" i="0" sz="1100" u="none" cap="none" strike="noStrike">
+                <a:solidFill>
+                  <a:srgbClr val="000000"/>
+                </a:solidFill>
+                <a:latin typeface="Arial"/>
+                <a:ea typeface="Arial"/>
+                <a:cs typeface="Arial"/>
+                <a:sym typeface="Arial"/>
+              </a:defRPr>
             </a:lvl4pPr>
-            <a:lvl5pPr indent="-298450" lvl="4" marL="2286000">
-              <a:spcBef>
-                <a:spcPts val="0"/>
-              </a:spcBef>
-              <a:spcAft>
-                <a:spcPts val="0"/>
-              </a:spcAft>
+            <a:lvl5pPr indent="-298450" lvl="4" marL="2286000" marR="0" rtl="0" algn="l">
+              <a:lnSpc>
+                <a:spcPct val="100000"/>
+              </a:lnSpc>
+              <a:spcBef>
+                <a:spcPts val="0"/>
+              </a:spcBef>
+              <a:spcAft>
+                <a:spcPts val="0"/>
+              </a:spcAft>
+              <a:buClr>
+                <a:srgbClr val="000000"/>
+              </a:buClr>
               <a:buSzPts val="1100"/>
+              <a:buFont typeface="Arial"/>
               <a:buChar char="○"/>
-              <a:defRPr sz="1100"/>
+              <a:defRPr b="0" i="0" sz="1100" u="none" cap="none" strike="noStrike">
+                <a:solidFill>
+                  <a:srgbClr val="000000"/>
+                </a:solidFill>
+                <a:latin typeface="Arial"/>
+                <a:ea typeface="Arial"/>
+                <a:cs typeface="Arial"/>
+                <a:sym typeface="Arial"/>
+              </a:defRPr>
             </a:lvl5pPr>
-            <a:lvl6pPr indent="-298450" lvl="5" marL="2743200">
-              <a:spcBef>
-                <a:spcPts val="0"/>
-              </a:spcBef>
-              <a:spcAft>
-                <a:spcPts val="0"/>
-              </a:spcAft>
+            <a:lvl6pPr indent="-298450" lvl="5" marL="2743200" marR="0" rtl="0" algn="l">
+              <a:lnSpc>
+                <a:spcPct val="100000"/>
+              </a:lnSpc>
+              <a:spcBef>
+                <a:spcPts val="0"/>
+              </a:spcBef>
+              <a:spcAft>
+                <a:spcPts val="0"/>
+              </a:spcAft>
+              <a:buClr>
+                <a:srgbClr val="000000"/>
+              </a:buClr>
               <a:buSzPts val="1100"/>
+              <a:buFont typeface="Arial"/>
               <a:buChar char="■"/>
-              <a:defRPr sz="1100"/>
+              <a:defRPr b="0" i="0" sz="1100" u="none" cap="none" strike="noStrike">
+                <a:solidFill>
+                  <a:srgbClr val="000000"/>
+                </a:solidFill>
+                <a:latin typeface="Arial"/>
+                <a:ea typeface="Arial"/>
+                <a:cs typeface="Arial"/>
+                <a:sym typeface="Arial"/>
+              </a:defRPr>
             </a:lvl6pPr>
-            <a:lvl7pPr indent="-298450" lvl="6" marL="3200400">
-              <a:spcBef>
-                <a:spcPts val="0"/>
-              </a:spcBef>
-              <a:spcAft>
-                <a:spcPts val="0"/>
-              </a:spcAft>
+            <a:lvl7pPr indent="-298450" lvl="6" marL="3200400" marR="0" rtl="0" algn="l">
+              <a:lnSpc>
+                <a:spcPct val="100000"/>
+              </a:lnSpc>
+              <a:spcBef>
+                <a:spcPts val="0"/>
+              </a:spcBef>
+              <a:spcAft>
+                <a:spcPts val="0"/>
+              </a:spcAft>
+              <a:buClr>
+                <a:srgbClr val="000000"/>
+              </a:buClr>
               <a:buSzPts val="1100"/>
+              <a:buFont typeface="Arial"/>
               <a:buChar char="●"/>
-              <a:defRPr sz="1100"/>
+              <a:defRPr b="0" i="0" sz="1100" u="none" cap="none" strike="noStrike">
+                <a:solidFill>
+                  <a:srgbClr val="000000"/>
+                </a:solidFill>
+                <a:latin typeface="Arial"/>
+                <a:ea typeface="Arial"/>
+                <a:cs typeface="Arial"/>
+                <a:sym typeface="Arial"/>
+              </a:defRPr>
             </a:lvl7pPr>
-            <a:lvl8pPr indent="-298450" lvl="7" marL="3657600">
-              <a:spcBef>
-                <a:spcPts val="0"/>
-              </a:spcBef>
-              <a:spcAft>
-                <a:spcPts val="0"/>
-              </a:spcAft>
+            <a:lvl8pPr indent="-298450" lvl="7" marL="3657600" marR="0" rtl="0" algn="l">
+              <a:lnSpc>
+                <a:spcPct val="100000"/>
+              </a:lnSpc>
+              <a:spcBef>
+                <a:spcPts val="0"/>
+              </a:spcBef>
+              <a:spcAft>
+                <a:spcPts val="0"/>
+              </a:spcAft>
+              <a:buClr>
+                <a:srgbClr val="000000"/>
+              </a:buClr>
               <a:buSzPts val="1100"/>
+              <a:buFont typeface="Arial"/>
               <a:buChar char="○"/>
-              <a:defRPr sz="1100"/>
+              <a:defRPr b="0" i="0" sz="1100" u="none" cap="none" strike="noStrike">
+                <a:solidFill>
+                  <a:srgbClr val="000000"/>
+                </a:solidFill>
+                <a:latin typeface="Arial"/>
+                <a:ea typeface="Arial"/>
+                <a:cs typeface="Arial"/>
+                <a:sym typeface="Arial"/>
+              </a:defRPr>
             </a:lvl8pPr>
-            <a:lvl9pPr indent="-298450" lvl="8" marL="4114800">
-              <a:spcBef>
-                <a:spcPts val="0"/>
-              </a:spcBef>
-              <a:spcAft>
-                <a:spcPts val="0"/>
-              </a:spcAft>
+            <a:lvl9pPr indent="-298450" lvl="8" marL="4114800" marR="0" rtl="0" algn="l">
+              <a:lnSpc>
+                <a:spcPct val="100000"/>
+              </a:lnSpc>
+              <a:spcBef>
+                <a:spcPts val="0"/>
+              </a:spcBef>
+              <a:spcAft>
+                <a:spcPts val="0"/>
+              </a:spcAft>
+              <a:buClr>
+                <a:srgbClr val="000000"/>
+              </a:buClr>
               <a:buSzPts val="1100"/>
+              <a:buFont typeface="Arial"/>
               <a:buChar char="■"/>
-              <a:defRPr sz="1100"/>
+              <a:defRPr b="0" i="0" sz="1100" u="none" cap="none" strike="noStrike">
+                <a:solidFill>
+                  <a:srgbClr val="000000"/>
+                </a:solidFill>
+                <a:latin typeface="Arial"/>
+                <a:ea typeface="Arial"/>
+                <a:cs typeface="Arial"/>
+                <a:sym typeface="Arial"/>
+              </a:defRPr>
             </a:lvl9pPr>
           </a:lstStyle>
           <a:p/>
@@ -722,7 +857,7 @@
       </p:grpSpPr>
       <p:sp>
         <p:nvSpPr>
-          <p:cNvPr id="69" name="Google Shape;69;p:notes"/>
+          <p:cNvPr id="69" name="Google Shape;69;p1:notes"/>
           <p:cNvSpPr/>
           <p:nvPr>
             <p:ph idx="2" type="sldImg"/>
@@ -753,11 +888,21 @@
               </a:path>
             </a:pathLst>
           </a:custGeom>
+          <a:noFill/>
+          <a:ln cap="flat" cmpd="sng" w="9525">
+            <a:solidFill>
+              <a:srgbClr val="000000"/>
+            </a:solidFill>
+            <a:prstDash val="solid"/>
+            <a:round/>
+            <a:headEnd len="sm" w="sm" type="none"/>
+            <a:tailEnd len="sm" w="sm" type="none"/>
+          </a:ln>
         </p:spPr>
       </p:sp>
       <p:sp>
         <p:nvSpPr>
-          <p:cNvPr id="70" name="Google Shape;70;p:notes"/>
+          <p:cNvPr id="70" name="Google Shape;70;p1:notes"/>
           <p:cNvSpPr txBox="1"/>
           <p:nvPr>
             <p:ph idx="1" type="body"/>
@@ -771,6 +916,10 @@
           <a:prstGeom prst="rect">
             <a:avLst/>
           </a:prstGeom>
+          <a:noFill/>
+          <a:ln>
+            <a:noFill/>
+          </a:ln>
         </p:spPr>
         <p:txBody>
           <a:bodyPr anchorCtr="0" anchor="t" bIns="91425" lIns="91425" spcFirstLastPara="1" rIns="91425" wrap="square" tIns="91425">
@@ -779,12 +928,16 @@
           <a:lstStyle/>
           <a:p>
             <a:pPr indent="0" lvl="0" marL="0" rtl="0" algn="l">
-              <a:spcBef>
-                <a:spcPts val="0"/>
-              </a:spcBef>
-              <a:spcAft>
-                <a:spcPts val="0"/>
-              </a:spcAft>
+              <a:lnSpc>
+                <a:spcPct val="100000"/>
+              </a:lnSpc>
+              <a:spcBef>
+                <a:spcPts val="0"/>
+              </a:spcBef>
+              <a:spcAft>
+                <a:spcPts val="0"/>
+              </a:spcAft>
+              <a:buSzPts val="1100"/>
               <a:buNone/>
             </a:pPr>
             <a:r>
@@ -807,7 +960,7 @@
   <p:cSld>
     <p:spTree>
       <p:nvGrpSpPr>
-        <p:cNvPr id="75" name="Shape 75"/>
+        <p:cNvPr id="74" name="Shape 74"/>
         <p:cNvGrpSpPr/>
         <p:nvPr/>
       </p:nvGrpSpPr>
@@ -821,7 +974,7 @@
       </p:grpSpPr>
       <p:sp>
         <p:nvSpPr>
-          <p:cNvPr id="76" name="Google Shape;76;g3b28055e79b_0_77:notes"/>
+          <p:cNvPr id="75" name="Google Shape;75;p2:notes"/>
           <p:cNvSpPr/>
           <p:nvPr>
             <p:ph idx="2" type="sldImg"/>
@@ -852,11 +1005,21 @@
               </a:path>
             </a:pathLst>
           </a:custGeom>
+          <a:noFill/>
+          <a:ln cap="flat" cmpd="sng" w="9525">
+            <a:solidFill>
+              <a:srgbClr val="000000"/>
+            </a:solidFill>
+            <a:prstDash val="solid"/>
+            <a:round/>
+            <a:headEnd len="sm" w="sm" type="none"/>
+            <a:tailEnd len="sm" w="sm" type="none"/>
+          </a:ln>
         </p:spPr>
       </p:sp>
       <p:sp>
         <p:nvSpPr>
-          <p:cNvPr id="77" name="Google Shape;77;g3b28055e79b_0_77:notes"/>
+          <p:cNvPr id="76" name="Google Shape;76;p2:notes"/>
           <p:cNvSpPr txBox="1"/>
           <p:nvPr>
             <p:ph idx="1" type="body"/>
@@ -870,6 +1033,10 @@
           <a:prstGeom prst="rect">
             <a:avLst/>
           </a:prstGeom>
+          <a:noFill/>
+          <a:ln>
+            <a:noFill/>
+          </a:ln>
         </p:spPr>
         <p:txBody>
           <a:bodyPr anchorCtr="0" anchor="t" bIns="91425" lIns="91425" spcFirstLastPara="1" rIns="91425" wrap="square" tIns="91425">
@@ -878,12 +1045,16 @@
           <a:lstStyle/>
           <a:p>
             <a:pPr indent="0" lvl="0" marL="0" rtl="0" algn="l">
-              <a:spcBef>
-                <a:spcPts val="0"/>
-              </a:spcBef>
-              <a:spcAft>
-                <a:spcPts val="0"/>
-              </a:spcAft>
+              <a:lnSpc>
+                <a:spcPct val="100000"/>
+              </a:lnSpc>
+              <a:spcBef>
+                <a:spcPts val="0"/>
+              </a:spcBef>
+              <a:spcAft>
+                <a:spcPts val="0"/>
+              </a:spcAft>
+              <a:buSzPts val="1100"/>
               <a:buNone/>
             </a:pPr>
             <a:r>
@@ -1019,13 +1190,20 @@
           <a:prstGeom prst="rect">
             <a:avLst/>
           </a:prstGeom>
+          <a:noFill/>
+          <a:ln>
+            <a:noFill/>
+          </a:ln>
         </p:spPr>
         <p:txBody>
           <a:bodyPr anchorCtr="0" anchor="t" bIns="91425" lIns="91425" spcFirstLastPara="1" rIns="91425" wrap="square" tIns="91425">
             <a:normAutofit/>
           </a:bodyPr>
           <a:lstStyle>
-            <a:lvl1pPr lvl="0">
+            <a:lvl1pPr lvl="0" algn="l">
+              <a:lnSpc>
+                <a:spcPct val="100000"/>
+              </a:lnSpc>
               <a:spcBef>
                 <a:spcPts val="0"/>
               </a:spcBef>
@@ -1043,7 +1221,10 @@
                 </a:solidFill>
               </a:defRPr>
             </a:lvl1pPr>
-            <a:lvl2pPr lvl="1">
+            <a:lvl2pPr lvl="1" algn="l">
+              <a:lnSpc>
+                <a:spcPct val="100000"/>
+              </a:lnSpc>
               <a:spcBef>
                 <a:spcPts val="0"/>
               </a:spcBef>
@@ -1061,7 +1242,10 @@
                 </a:solidFill>
               </a:defRPr>
             </a:lvl2pPr>
-            <a:lvl3pPr lvl="2">
+            <a:lvl3pPr lvl="2" algn="l">
+              <a:lnSpc>
+                <a:spcPct val="100000"/>
+              </a:lnSpc>
               <a:spcBef>
                 <a:spcPts val="0"/>
               </a:spcBef>
@@ -1079,7 +1263,10 @@
                 </a:solidFill>
               </a:defRPr>
             </a:lvl3pPr>
-            <a:lvl4pPr lvl="3">
+            <a:lvl4pPr lvl="3" algn="l">
+              <a:lnSpc>
+                <a:spcPct val="100000"/>
+              </a:lnSpc>
               <a:spcBef>
                 <a:spcPts val="0"/>
               </a:spcBef>
@@ -1097,7 +1284,10 @@
                 </a:solidFill>
               </a:defRPr>
             </a:lvl4pPr>
-            <a:lvl5pPr lvl="4">
+            <a:lvl5pPr lvl="4" algn="l">
+              <a:lnSpc>
+                <a:spcPct val="100000"/>
+              </a:lnSpc>
               <a:spcBef>
                 <a:spcPts val="0"/>
               </a:spcBef>
@@ -1115,7 +1305,10 @@
                 </a:solidFill>
               </a:defRPr>
             </a:lvl5pPr>
-            <a:lvl6pPr lvl="5">
+            <a:lvl6pPr lvl="5" algn="l">
+              <a:lnSpc>
+                <a:spcPct val="100000"/>
+              </a:lnSpc>
               <a:spcBef>
                 <a:spcPts val="0"/>
               </a:spcBef>
@@ -1133,7 +1326,10 @@
                 </a:solidFill>
               </a:defRPr>
             </a:lvl6pPr>
-            <a:lvl7pPr lvl="6">
+            <a:lvl7pPr lvl="6" algn="l">
+              <a:lnSpc>
+                <a:spcPct val="100000"/>
+              </a:lnSpc>
               <a:spcBef>
                 <a:spcPts val="0"/>
               </a:spcBef>
@@ -1151,7 +1347,10 @@
                 </a:solidFill>
               </a:defRPr>
             </a:lvl7pPr>
-            <a:lvl8pPr lvl="7">
+            <a:lvl8pPr lvl="7" algn="l">
+              <a:lnSpc>
+                <a:spcPct val="100000"/>
+              </a:lnSpc>
               <a:spcBef>
                 <a:spcPts val="0"/>
               </a:spcBef>
@@ -1169,7 +1368,10 @@
                 </a:solidFill>
               </a:defRPr>
             </a:lvl8pPr>
-            <a:lvl9pPr lvl="8">
+            <a:lvl9pPr lvl="8" algn="l">
+              <a:lnSpc>
+                <a:spcPct val="100000"/>
+              </a:lnSpc>
               <a:spcBef>
                 <a:spcPts val="0"/>
               </a:spcBef>
@@ -1207,13 +1409,17 @@
           <a:prstGeom prst="rect">
             <a:avLst/>
           </a:prstGeom>
+          <a:noFill/>
+          <a:ln>
+            <a:noFill/>
+          </a:ln>
         </p:spPr>
         <p:txBody>
           <a:bodyPr anchorCtr="0" anchor="b" bIns="91425" lIns="91425" spcFirstLastPara="1" rIns="91425" wrap="square" tIns="91425">
             <a:normAutofit/>
           </a:bodyPr>
           <a:lstStyle>
-            <a:lvl1pPr lvl="0">
+            <a:lvl1pPr lvl="0" algn="l">
               <a:lnSpc>
                 <a:spcPct val="100000"/>
               </a:lnSpc>
@@ -1234,7 +1440,7 @@
                 </a:solidFill>
               </a:defRPr>
             </a:lvl1pPr>
-            <a:lvl2pPr lvl="1">
+            <a:lvl2pPr lvl="1" algn="l">
               <a:lnSpc>
                 <a:spcPct val="100000"/>
               </a:lnSpc>
@@ -1255,7 +1461,7 @@
                 </a:solidFill>
               </a:defRPr>
             </a:lvl2pPr>
-            <a:lvl3pPr lvl="2">
+            <a:lvl3pPr lvl="2" algn="l">
               <a:lnSpc>
                 <a:spcPct val="100000"/>
               </a:lnSpc>
@@ -1276,7 +1482,7 @@
                 </a:solidFill>
               </a:defRPr>
             </a:lvl3pPr>
-            <a:lvl4pPr lvl="3">
+            <a:lvl4pPr lvl="3" algn="l">
               <a:lnSpc>
                 <a:spcPct val="100000"/>
               </a:lnSpc>
@@ -1297,7 +1503,7 @@
                 </a:solidFill>
               </a:defRPr>
             </a:lvl4pPr>
-            <a:lvl5pPr lvl="4">
+            <a:lvl5pPr lvl="4" algn="l">
               <a:lnSpc>
                 <a:spcPct val="100000"/>
               </a:lnSpc>
@@ -1318,7 +1524,7 @@
                 </a:solidFill>
               </a:defRPr>
             </a:lvl5pPr>
-            <a:lvl6pPr lvl="5">
+            <a:lvl6pPr lvl="5" algn="l">
               <a:lnSpc>
                 <a:spcPct val="100000"/>
               </a:lnSpc>
@@ -1339,7 +1545,7 @@
                 </a:solidFill>
               </a:defRPr>
             </a:lvl6pPr>
-            <a:lvl7pPr lvl="6">
+            <a:lvl7pPr lvl="6" algn="l">
               <a:lnSpc>
                 <a:spcPct val="100000"/>
               </a:lnSpc>
@@ -1360,7 +1566,7 @@
                 </a:solidFill>
               </a:defRPr>
             </a:lvl7pPr>
-            <a:lvl8pPr lvl="7">
+            <a:lvl8pPr lvl="7" algn="l">
               <a:lnSpc>
                 <a:spcPct val="100000"/>
               </a:lnSpc>
@@ -1381,7 +1587,7 @@
                 </a:solidFill>
               </a:defRPr>
             </a:lvl8pPr>
-            <a:lvl9pPr lvl="8">
+            <a:lvl9pPr lvl="8" algn="l">
               <a:lnSpc>
                 <a:spcPct val="100000"/>
               </a:lnSpc>
@@ -1422,82 +1628,248 @@
           <a:prstGeom prst="rect">
             <a:avLst/>
           </a:prstGeom>
+          <a:noFill/>
+          <a:ln>
+            <a:noFill/>
+          </a:ln>
         </p:spPr>
         <p:txBody>
           <a:bodyPr anchorCtr="0" anchor="ctr" bIns="91425" lIns="91425" spcFirstLastPara="1" rIns="91425" wrap="square" tIns="91425">
             <a:normAutofit/>
           </a:bodyPr>
           <a:lstStyle>
-            <a:lvl1pPr lvl="0">
-              <a:buNone/>
-              <a:defRPr>
+            <a:lvl1pPr indent="0" lvl="0" marL="0" marR="0" algn="r">
+              <a:lnSpc>
+                <a:spcPct val="100000"/>
+              </a:lnSpc>
+              <a:spcBef>
+                <a:spcPts val="0"/>
+              </a:spcBef>
+              <a:spcAft>
+                <a:spcPts val="0"/>
+              </a:spcAft>
+              <a:buClr>
+                <a:srgbClr val="000000"/>
+              </a:buClr>
+              <a:buSzPts val="1000"/>
+              <a:buFont typeface="Arial"/>
+              <a:buNone/>
+              <a:defRPr b="0" i="0" sz="1000" u="none" cap="none" strike="noStrike">
                 <a:solidFill>
                   <a:schemeClr val="lt1"/>
                 </a:solidFill>
+                <a:latin typeface="Lato"/>
+                <a:ea typeface="Lato"/>
+                <a:cs typeface="Lato"/>
+                <a:sym typeface="Lato"/>
               </a:defRPr>
             </a:lvl1pPr>
-            <a:lvl2pPr lvl="1">
-              <a:buNone/>
-              <a:defRPr>
+            <a:lvl2pPr indent="0" lvl="1" marL="0" marR="0" algn="r">
+              <a:lnSpc>
+                <a:spcPct val="100000"/>
+              </a:lnSpc>
+              <a:spcBef>
+                <a:spcPts val="0"/>
+              </a:spcBef>
+              <a:spcAft>
+                <a:spcPts val="0"/>
+              </a:spcAft>
+              <a:buClr>
+                <a:srgbClr val="000000"/>
+              </a:buClr>
+              <a:buSzPts val="1000"/>
+              <a:buFont typeface="Arial"/>
+              <a:buNone/>
+              <a:defRPr b="0" i="0" sz="1000" u="none" cap="none" strike="noStrike">
                 <a:solidFill>
                   <a:schemeClr val="lt1"/>
                 </a:solidFill>
+                <a:latin typeface="Lato"/>
+                <a:ea typeface="Lato"/>
+                <a:cs typeface="Lato"/>
+                <a:sym typeface="Lato"/>
               </a:defRPr>
             </a:lvl2pPr>
-            <a:lvl3pPr lvl="2">
-              <a:buNone/>
-              <a:defRPr>
+            <a:lvl3pPr indent="0" lvl="2" marL="0" marR="0" algn="r">
+              <a:lnSpc>
+                <a:spcPct val="100000"/>
+              </a:lnSpc>
+              <a:spcBef>
+                <a:spcPts val="0"/>
+              </a:spcBef>
+              <a:spcAft>
+                <a:spcPts val="0"/>
+              </a:spcAft>
+              <a:buClr>
+                <a:srgbClr val="000000"/>
+              </a:buClr>
+              <a:buSzPts val="1000"/>
+              <a:buFont typeface="Arial"/>
+              <a:buNone/>
+              <a:defRPr b="0" i="0" sz="1000" u="none" cap="none" strike="noStrike">
                 <a:solidFill>
                   <a:schemeClr val="lt1"/>
                 </a:solidFill>
+                <a:latin typeface="Lato"/>
+                <a:ea typeface="Lato"/>
+                <a:cs typeface="Lato"/>
+                <a:sym typeface="Lato"/>
               </a:defRPr>
             </a:lvl3pPr>
-            <a:lvl4pPr lvl="3">
-              <a:buNone/>
-              <a:defRPr>
+            <a:lvl4pPr indent="0" lvl="3" marL="0" marR="0" algn="r">
+              <a:lnSpc>
+                <a:spcPct val="100000"/>
+              </a:lnSpc>
+              <a:spcBef>
+                <a:spcPts val="0"/>
+              </a:spcBef>
+              <a:spcAft>
+                <a:spcPts val="0"/>
+              </a:spcAft>
+              <a:buClr>
+                <a:srgbClr val="000000"/>
+              </a:buClr>
+              <a:buSzPts val="1000"/>
+              <a:buFont typeface="Arial"/>
+              <a:buNone/>
+              <a:defRPr b="0" i="0" sz="1000" u="none" cap="none" strike="noStrike">
                 <a:solidFill>
                   <a:schemeClr val="lt1"/>
                 </a:solidFill>
+                <a:latin typeface="Lato"/>
+                <a:ea typeface="Lato"/>
+                <a:cs typeface="Lato"/>
+                <a:sym typeface="Lato"/>
               </a:defRPr>
             </a:lvl4pPr>
-            <a:lvl5pPr lvl="4">
-              <a:buNone/>
-              <a:defRPr>
+            <a:lvl5pPr indent="0" lvl="4" marL="0" marR="0" algn="r">
+              <a:lnSpc>
+                <a:spcPct val="100000"/>
+              </a:lnSpc>
+              <a:spcBef>
+                <a:spcPts val="0"/>
+              </a:spcBef>
+              <a:spcAft>
+                <a:spcPts val="0"/>
+              </a:spcAft>
+              <a:buClr>
+                <a:srgbClr val="000000"/>
+              </a:buClr>
+              <a:buSzPts val="1000"/>
+              <a:buFont typeface="Arial"/>
+              <a:buNone/>
+              <a:defRPr b="0" i="0" sz="1000" u="none" cap="none" strike="noStrike">
                 <a:solidFill>
                   <a:schemeClr val="lt1"/>
                 </a:solidFill>
+                <a:latin typeface="Lato"/>
+                <a:ea typeface="Lato"/>
+                <a:cs typeface="Lato"/>
+                <a:sym typeface="Lato"/>
               </a:defRPr>
             </a:lvl5pPr>
-            <a:lvl6pPr lvl="5">
-              <a:buNone/>
-              <a:defRPr>
+            <a:lvl6pPr indent="0" lvl="5" marL="0" marR="0" algn="r">
+              <a:lnSpc>
+                <a:spcPct val="100000"/>
+              </a:lnSpc>
+              <a:spcBef>
+                <a:spcPts val="0"/>
+              </a:spcBef>
+              <a:spcAft>
+                <a:spcPts val="0"/>
+              </a:spcAft>
+              <a:buClr>
+                <a:srgbClr val="000000"/>
+              </a:buClr>
+              <a:buSzPts val="1000"/>
+              <a:buFont typeface="Arial"/>
+              <a:buNone/>
+              <a:defRPr b="0" i="0" sz="1000" u="none" cap="none" strike="noStrike">
                 <a:solidFill>
                   <a:schemeClr val="lt1"/>
                 </a:solidFill>
+                <a:latin typeface="Lato"/>
+                <a:ea typeface="Lato"/>
+                <a:cs typeface="Lato"/>
+                <a:sym typeface="Lato"/>
               </a:defRPr>
             </a:lvl6pPr>
-            <a:lvl7pPr lvl="6">
-              <a:buNone/>
-              <a:defRPr>
+            <a:lvl7pPr indent="0" lvl="6" marL="0" marR="0" algn="r">
+              <a:lnSpc>
+                <a:spcPct val="100000"/>
+              </a:lnSpc>
+              <a:spcBef>
+                <a:spcPts val="0"/>
+              </a:spcBef>
+              <a:spcAft>
+                <a:spcPts val="0"/>
+              </a:spcAft>
+              <a:buClr>
+                <a:srgbClr val="000000"/>
+              </a:buClr>
+              <a:buSzPts val="1000"/>
+              <a:buFont typeface="Arial"/>
+              <a:buNone/>
+              <a:defRPr b="0" i="0" sz="1000" u="none" cap="none" strike="noStrike">
                 <a:solidFill>
                   <a:schemeClr val="lt1"/>
                 </a:solidFill>
+                <a:latin typeface="Lato"/>
+                <a:ea typeface="Lato"/>
+                <a:cs typeface="Lato"/>
+                <a:sym typeface="Lato"/>
               </a:defRPr>
             </a:lvl7pPr>
-            <a:lvl8pPr lvl="7">
-              <a:buNone/>
-              <a:defRPr>
+            <a:lvl8pPr indent="0" lvl="7" marL="0" marR="0" algn="r">
+              <a:lnSpc>
+                <a:spcPct val="100000"/>
+              </a:lnSpc>
+              <a:spcBef>
+                <a:spcPts val="0"/>
+              </a:spcBef>
+              <a:spcAft>
+                <a:spcPts val="0"/>
+              </a:spcAft>
+              <a:buClr>
+                <a:srgbClr val="000000"/>
+              </a:buClr>
+              <a:buSzPts val="1000"/>
+              <a:buFont typeface="Arial"/>
+              <a:buNone/>
+              <a:defRPr b="0" i="0" sz="1000" u="none" cap="none" strike="noStrike">
                 <a:solidFill>
                   <a:schemeClr val="lt1"/>
                 </a:solidFill>
+                <a:latin typeface="Lato"/>
+                <a:ea typeface="Lato"/>
+                <a:cs typeface="Lato"/>
+                <a:sym typeface="Lato"/>
               </a:defRPr>
             </a:lvl8pPr>
-            <a:lvl9pPr lvl="8">
-              <a:buNone/>
-              <a:defRPr>
+            <a:lvl9pPr indent="0" lvl="8" marL="0" marR="0" algn="r">
+              <a:lnSpc>
+                <a:spcPct val="100000"/>
+              </a:lnSpc>
+              <a:spcBef>
+                <a:spcPts val="0"/>
+              </a:spcBef>
+              <a:spcAft>
+                <a:spcPts val="0"/>
+              </a:spcAft>
+              <a:buClr>
+                <a:srgbClr val="000000"/>
+              </a:buClr>
+              <a:buSzPts val="1000"/>
+              <a:buFont typeface="Arial"/>
+              <a:buNone/>
+              <a:defRPr b="0" i="0" sz="1000" u="none" cap="none" strike="noStrike">
                 <a:solidFill>
                   <a:schemeClr val="lt1"/>
                 </a:solidFill>
+                <a:latin typeface="Lato"/>
+                <a:ea typeface="Lato"/>
+                <a:cs typeface="Lato"/>
+                <a:sym typeface="Lato"/>
               </a:defRPr>
             </a:lvl9pPr>
           </a:lstStyle>
@@ -1612,6 +1984,10 @@
           <a:prstGeom prst="rect">
             <a:avLst/>
           </a:prstGeom>
+          <a:noFill/>
+          <a:ln>
+            <a:noFill/>
+          </a:ln>
         </p:spPr>
         <p:txBody>
           <a:bodyPr anchorCtr="0" anchor="ctr" bIns="91425" lIns="91425" spcFirstLastPara="1" rIns="91425" wrap="square" tIns="91425">
@@ -1619,6 +1995,9 @@
           </a:bodyPr>
           <a:lstStyle>
             <a:lvl1pPr lvl="0" algn="ctr">
+              <a:lnSpc>
+                <a:spcPct val="100000"/>
+              </a:lnSpc>
               <a:spcBef>
                 <a:spcPts val="0"/>
               </a:spcBef>
@@ -1642,6 +2021,9 @@
               </a:defRPr>
             </a:lvl1pPr>
             <a:lvl2pPr lvl="1" algn="ctr">
+              <a:lnSpc>
+                <a:spcPct val="100000"/>
+              </a:lnSpc>
               <a:spcBef>
                 <a:spcPts val="0"/>
               </a:spcBef>
@@ -1665,6 +2047,9 @@
               </a:defRPr>
             </a:lvl2pPr>
             <a:lvl3pPr lvl="2" algn="ctr">
+              <a:lnSpc>
+                <a:spcPct val="100000"/>
+              </a:lnSpc>
               <a:spcBef>
                 <a:spcPts val="0"/>
               </a:spcBef>
@@ -1688,6 +2073,9 @@
               </a:defRPr>
             </a:lvl3pPr>
             <a:lvl4pPr lvl="3" algn="ctr">
+              <a:lnSpc>
+                <a:spcPct val="100000"/>
+              </a:lnSpc>
               <a:spcBef>
                 <a:spcPts val="0"/>
               </a:spcBef>
@@ -1711,6 +2099,9 @@
               </a:defRPr>
             </a:lvl4pPr>
             <a:lvl5pPr lvl="4" algn="ctr">
+              <a:lnSpc>
+                <a:spcPct val="100000"/>
+              </a:lnSpc>
               <a:spcBef>
                 <a:spcPts val="0"/>
               </a:spcBef>
@@ -1734,6 +2125,9 @@
               </a:defRPr>
             </a:lvl5pPr>
             <a:lvl6pPr lvl="5" algn="ctr">
+              <a:lnSpc>
+                <a:spcPct val="100000"/>
+              </a:lnSpc>
               <a:spcBef>
                 <a:spcPts val="0"/>
               </a:spcBef>
@@ -1757,6 +2151,9 @@
               </a:defRPr>
             </a:lvl6pPr>
             <a:lvl7pPr lvl="6" algn="ctr">
+              <a:lnSpc>
+                <a:spcPct val="100000"/>
+              </a:lnSpc>
               <a:spcBef>
                 <a:spcPts val="0"/>
               </a:spcBef>
@@ -1780,6 +2177,9 @@
               </a:defRPr>
             </a:lvl7pPr>
             <a:lvl8pPr lvl="7" algn="ctr">
+              <a:lnSpc>
+                <a:spcPct val="100000"/>
+              </a:lnSpc>
               <a:spcBef>
                 <a:spcPts val="0"/>
               </a:spcBef>
@@ -1803,6 +2203,9 @@
               </a:defRPr>
             </a:lvl8pPr>
             <a:lvl9pPr lvl="8" algn="ctr">
+              <a:lnSpc>
+                <a:spcPct val="100000"/>
+              </a:lnSpc>
               <a:spcBef>
                 <a:spcPts val="0"/>
               </a:spcBef>
@@ -1849,6 +2252,10 @@
           <a:prstGeom prst="rect">
             <a:avLst/>
           </a:prstGeom>
+          <a:noFill/>
+          <a:ln>
+            <a:noFill/>
+          </a:ln>
         </p:spPr>
         <p:txBody>
           <a:bodyPr anchorCtr="0" anchor="t" bIns="91425" lIns="91425" spcFirstLastPara="1" rIns="91425" wrap="square" tIns="91425">
@@ -1856,6 +2263,9 @@
           </a:bodyPr>
           <a:lstStyle>
             <a:lvl1pPr indent="-342900" lvl="0" marL="457200" algn="ctr">
+              <a:lnSpc>
+                <a:spcPct val="115000"/>
+              </a:lnSpc>
               <a:spcBef>
                 <a:spcPts val="0"/>
               </a:spcBef>
@@ -1867,6 +2277,9 @@
               <a:defRPr/>
             </a:lvl1pPr>
             <a:lvl2pPr indent="-317500" lvl="1" marL="914400" algn="ctr">
+              <a:lnSpc>
+                <a:spcPct val="115000"/>
+              </a:lnSpc>
               <a:spcBef>
                 <a:spcPts val="0"/>
               </a:spcBef>
@@ -1878,6 +2291,9 @@
               <a:defRPr/>
             </a:lvl2pPr>
             <a:lvl3pPr indent="-317500" lvl="2" marL="1371600" algn="ctr">
+              <a:lnSpc>
+                <a:spcPct val="115000"/>
+              </a:lnSpc>
               <a:spcBef>
                 <a:spcPts val="0"/>
               </a:spcBef>
@@ -1889,6 +2305,9 @@
               <a:defRPr/>
             </a:lvl3pPr>
             <a:lvl4pPr indent="-317500" lvl="3" marL="1828800" algn="ctr">
+              <a:lnSpc>
+                <a:spcPct val="115000"/>
+              </a:lnSpc>
               <a:spcBef>
                 <a:spcPts val="0"/>
               </a:spcBef>
@@ -1900,6 +2319,9 @@
               <a:defRPr/>
             </a:lvl4pPr>
             <a:lvl5pPr indent="-317500" lvl="4" marL="2286000" algn="ctr">
+              <a:lnSpc>
+                <a:spcPct val="115000"/>
+              </a:lnSpc>
               <a:spcBef>
                 <a:spcPts val="0"/>
               </a:spcBef>
@@ -1911,6 +2333,9 @@
               <a:defRPr/>
             </a:lvl5pPr>
             <a:lvl6pPr indent="-317500" lvl="5" marL="2743200" algn="ctr">
+              <a:lnSpc>
+                <a:spcPct val="115000"/>
+              </a:lnSpc>
               <a:spcBef>
                 <a:spcPts val="0"/>
               </a:spcBef>
@@ -1922,6 +2347,9 @@
               <a:defRPr/>
             </a:lvl6pPr>
             <a:lvl7pPr indent="-317500" lvl="6" marL="3200400" algn="ctr">
+              <a:lnSpc>
+                <a:spcPct val="115000"/>
+              </a:lnSpc>
               <a:spcBef>
                 <a:spcPts val="0"/>
               </a:spcBef>
@@ -1933,6 +2361,9 @@
               <a:defRPr/>
             </a:lvl7pPr>
             <a:lvl8pPr indent="-317500" lvl="7" marL="3657600" algn="ctr">
+              <a:lnSpc>
+                <a:spcPct val="115000"/>
+              </a:lnSpc>
               <a:spcBef>
                 <a:spcPts val="0"/>
               </a:spcBef>
@@ -1944,6 +2375,9 @@
               <a:defRPr/>
             </a:lvl8pPr>
             <a:lvl9pPr indent="-317500" lvl="8" marL="4114800" algn="ctr">
+              <a:lnSpc>
+                <a:spcPct val="115000"/>
+              </a:lnSpc>
               <a:spcBef>
                 <a:spcPts val="0"/>
               </a:spcBef>
@@ -1974,47 +2408,249 @@
           <a:prstGeom prst="rect">
             <a:avLst/>
           </a:prstGeom>
+          <a:noFill/>
+          <a:ln>
+            <a:noFill/>
+          </a:ln>
         </p:spPr>
         <p:txBody>
           <a:bodyPr anchorCtr="0" anchor="ctr" bIns="91425" lIns="91425" spcFirstLastPara="1" rIns="91425" wrap="square" tIns="91425">
             <a:normAutofit/>
           </a:bodyPr>
           <a:lstStyle>
-            <a:lvl1pPr lvl="0">
-              <a:buNone/>
-              <a:defRPr/>
+            <a:lvl1pPr indent="0" lvl="0" marL="0" marR="0" algn="r">
+              <a:lnSpc>
+                <a:spcPct val="100000"/>
+              </a:lnSpc>
+              <a:spcBef>
+                <a:spcPts val="0"/>
+              </a:spcBef>
+              <a:spcAft>
+                <a:spcPts val="0"/>
+              </a:spcAft>
+              <a:buClr>
+                <a:srgbClr val="000000"/>
+              </a:buClr>
+              <a:buSzPts val="1000"/>
+              <a:buFont typeface="Arial"/>
+              <a:buNone/>
+              <a:defRPr b="0" i="0" sz="1000" u="none" cap="none" strike="noStrike">
+                <a:solidFill>
+                  <a:schemeClr val="dk2"/>
+                </a:solidFill>
+                <a:latin typeface="Lato"/>
+                <a:ea typeface="Lato"/>
+                <a:cs typeface="Lato"/>
+                <a:sym typeface="Lato"/>
+              </a:defRPr>
             </a:lvl1pPr>
-            <a:lvl2pPr lvl="1">
-              <a:buNone/>
-              <a:defRPr/>
+            <a:lvl2pPr indent="0" lvl="1" marL="0" marR="0" algn="r">
+              <a:lnSpc>
+                <a:spcPct val="100000"/>
+              </a:lnSpc>
+              <a:spcBef>
+                <a:spcPts val="0"/>
+              </a:spcBef>
+              <a:spcAft>
+                <a:spcPts val="0"/>
+              </a:spcAft>
+              <a:buClr>
+                <a:srgbClr val="000000"/>
+              </a:buClr>
+              <a:buSzPts val="1000"/>
+              <a:buFont typeface="Arial"/>
+              <a:buNone/>
+              <a:defRPr b="0" i="0" sz="1000" u="none" cap="none" strike="noStrike">
+                <a:solidFill>
+                  <a:schemeClr val="dk2"/>
+                </a:solidFill>
+                <a:latin typeface="Lato"/>
+                <a:ea typeface="Lato"/>
+                <a:cs typeface="Lato"/>
+                <a:sym typeface="Lato"/>
+              </a:defRPr>
             </a:lvl2pPr>
-            <a:lvl3pPr lvl="2">
-              <a:buNone/>
-              <a:defRPr/>
+            <a:lvl3pPr indent="0" lvl="2" marL="0" marR="0" algn="r">
+              <a:lnSpc>
+                <a:spcPct val="100000"/>
+              </a:lnSpc>
+              <a:spcBef>
+                <a:spcPts val="0"/>
+              </a:spcBef>
+              <a:spcAft>
+                <a:spcPts val="0"/>
+              </a:spcAft>
+              <a:buClr>
+                <a:srgbClr val="000000"/>
+              </a:buClr>
+              <a:buSzPts val="1000"/>
+              <a:buFont typeface="Arial"/>
+              <a:buNone/>
+              <a:defRPr b="0" i="0" sz="1000" u="none" cap="none" strike="noStrike">
+                <a:solidFill>
+                  <a:schemeClr val="dk2"/>
+                </a:solidFill>
+                <a:latin typeface="Lato"/>
+                <a:ea typeface="Lato"/>
+                <a:cs typeface="Lato"/>
+                <a:sym typeface="Lato"/>
+              </a:defRPr>
             </a:lvl3pPr>
-            <a:lvl4pPr lvl="3">
-              <a:buNone/>
-              <a:defRPr/>
+            <a:lvl4pPr indent="0" lvl="3" marL="0" marR="0" algn="r">
+              <a:lnSpc>
+                <a:spcPct val="100000"/>
+              </a:lnSpc>
+              <a:spcBef>
+                <a:spcPts val="0"/>
+              </a:spcBef>
+              <a:spcAft>
+                <a:spcPts val="0"/>
+              </a:spcAft>
+              <a:buClr>
+                <a:srgbClr val="000000"/>
+              </a:buClr>
+              <a:buSzPts val="1000"/>
+              <a:buFont typeface="Arial"/>
+              <a:buNone/>
+              <a:defRPr b="0" i="0" sz="1000" u="none" cap="none" strike="noStrike">
+                <a:solidFill>
+                  <a:schemeClr val="dk2"/>
+                </a:solidFill>
+                <a:latin typeface="Lato"/>
+                <a:ea typeface="Lato"/>
+                <a:cs typeface="Lato"/>
+                <a:sym typeface="Lato"/>
+              </a:defRPr>
             </a:lvl4pPr>
-            <a:lvl5pPr lvl="4">
-              <a:buNone/>
-              <a:defRPr/>
+            <a:lvl5pPr indent="0" lvl="4" marL="0" marR="0" algn="r">
+              <a:lnSpc>
+                <a:spcPct val="100000"/>
+              </a:lnSpc>
+              <a:spcBef>
+                <a:spcPts val="0"/>
+              </a:spcBef>
+              <a:spcAft>
+                <a:spcPts val="0"/>
+              </a:spcAft>
+              <a:buClr>
+                <a:srgbClr val="000000"/>
+              </a:buClr>
+              <a:buSzPts val="1000"/>
+              <a:buFont typeface="Arial"/>
+              <a:buNone/>
+              <a:defRPr b="0" i="0" sz="1000" u="none" cap="none" strike="noStrike">
+                <a:solidFill>
+                  <a:schemeClr val="dk2"/>
+                </a:solidFill>
+                <a:latin typeface="Lato"/>
+                <a:ea typeface="Lato"/>
+                <a:cs typeface="Lato"/>
+                <a:sym typeface="Lato"/>
+              </a:defRPr>
             </a:lvl5pPr>
-            <a:lvl6pPr lvl="5">
-              <a:buNone/>
-              <a:defRPr/>
+            <a:lvl6pPr indent="0" lvl="5" marL="0" marR="0" algn="r">
+              <a:lnSpc>
+                <a:spcPct val="100000"/>
+              </a:lnSpc>
+              <a:spcBef>
+                <a:spcPts val="0"/>
+              </a:spcBef>
+              <a:spcAft>
+                <a:spcPts val="0"/>
+              </a:spcAft>
+              <a:buClr>
+                <a:srgbClr val="000000"/>
+              </a:buClr>
+              <a:buSzPts val="1000"/>
+              <a:buFont typeface="Arial"/>
+              <a:buNone/>
+              <a:defRPr b="0" i="0" sz="1000" u="none" cap="none" strike="noStrike">
+                <a:solidFill>
+                  <a:schemeClr val="dk2"/>
+                </a:solidFill>
+                <a:latin typeface="Lato"/>
+                <a:ea typeface="Lato"/>
+                <a:cs typeface="Lato"/>
+                <a:sym typeface="Lato"/>
+              </a:defRPr>
             </a:lvl6pPr>
-            <a:lvl7pPr lvl="6">
-              <a:buNone/>
-              <a:defRPr/>
+            <a:lvl7pPr indent="0" lvl="6" marL="0" marR="0" algn="r">
+              <a:lnSpc>
+                <a:spcPct val="100000"/>
+              </a:lnSpc>
+              <a:spcBef>
+                <a:spcPts val="0"/>
+              </a:spcBef>
+              <a:spcAft>
+                <a:spcPts val="0"/>
+              </a:spcAft>
+              <a:buClr>
+                <a:srgbClr val="000000"/>
+              </a:buClr>
+              <a:buSzPts val="1000"/>
+              <a:buFont typeface="Arial"/>
+              <a:buNone/>
+              <a:defRPr b="0" i="0" sz="1000" u="none" cap="none" strike="noStrike">
+                <a:solidFill>
+                  <a:schemeClr val="dk2"/>
+                </a:solidFill>
+                <a:latin typeface="Lato"/>
+                <a:ea typeface="Lato"/>
+                <a:cs typeface="Lato"/>
+                <a:sym typeface="Lato"/>
+              </a:defRPr>
             </a:lvl7pPr>
-            <a:lvl8pPr lvl="7">
-              <a:buNone/>
-              <a:defRPr/>
+            <a:lvl8pPr indent="0" lvl="7" marL="0" marR="0" algn="r">
+              <a:lnSpc>
+                <a:spcPct val="100000"/>
+              </a:lnSpc>
+              <a:spcBef>
+                <a:spcPts val="0"/>
+              </a:spcBef>
+              <a:spcAft>
+                <a:spcPts val="0"/>
+              </a:spcAft>
+              <a:buClr>
+                <a:srgbClr val="000000"/>
+              </a:buClr>
+              <a:buSzPts val="1000"/>
+              <a:buFont typeface="Arial"/>
+              <a:buNone/>
+              <a:defRPr b="0" i="0" sz="1000" u="none" cap="none" strike="noStrike">
+                <a:solidFill>
+                  <a:schemeClr val="dk2"/>
+                </a:solidFill>
+                <a:latin typeface="Lato"/>
+                <a:ea typeface="Lato"/>
+                <a:cs typeface="Lato"/>
+                <a:sym typeface="Lato"/>
+              </a:defRPr>
             </a:lvl8pPr>
-            <a:lvl9pPr lvl="8">
-              <a:buNone/>
-              <a:defRPr/>
+            <a:lvl9pPr indent="0" lvl="8" marL="0" marR="0" algn="r">
+              <a:lnSpc>
+                <a:spcPct val="100000"/>
+              </a:lnSpc>
+              <a:spcBef>
+                <a:spcPts val="0"/>
+              </a:spcBef>
+              <a:spcAft>
+                <a:spcPts val="0"/>
+              </a:spcAft>
+              <a:buClr>
+                <a:srgbClr val="000000"/>
+              </a:buClr>
+              <a:buSzPts val="1000"/>
+              <a:buFont typeface="Arial"/>
+              <a:buNone/>
+              <a:defRPr b="0" i="0" sz="1000" u="none" cap="none" strike="noStrike">
+                <a:solidFill>
+                  <a:schemeClr val="dk2"/>
+                </a:solidFill>
+                <a:latin typeface="Lato"/>
+                <a:ea typeface="Lato"/>
+                <a:cs typeface="Lato"/>
+                <a:sym typeface="Lato"/>
+              </a:defRPr>
             </a:lvl9pPr>
           </a:lstStyle>
           <a:p>
@@ -2076,47 +2712,249 @@
           <a:prstGeom prst="rect">
             <a:avLst/>
           </a:prstGeom>
+          <a:noFill/>
+          <a:ln>
+            <a:noFill/>
+          </a:ln>
         </p:spPr>
         <p:txBody>
           <a:bodyPr anchorCtr="0" anchor="ctr" bIns="91425" lIns="91425" spcFirstLastPara="1" rIns="91425" wrap="square" tIns="91425">
             <a:normAutofit/>
           </a:bodyPr>
           <a:lstStyle>
-            <a:lvl1pPr lvl="0">
-              <a:buNone/>
-              <a:defRPr/>
+            <a:lvl1pPr indent="0" lvl="0" marL="0" marR="0" algn="r">
+              <a:lnSpc>
+                <a:spcPct val="100000"/>
+              </a:lnSpc>
+              <a:spcBef>
+                <a:spcPts val="0"/>
+              </a:spcBef>
+              <a:spcAft>
+                <a:spcPts val="0"/>
+              </a:spcAft>
+              <a:buClr>
+                <a:srgbClr val="000000"/>
+              </a:buClr>
+              <a:buSzPts val="1000"/>
+              <a:buFont typeface="Arial"/>
+              <a:buNone/>
+              <a:defRPr b="0" i="0" sz="1000" u="none" cap="none" strike="noStrike">
+                <a:solidFill>
+                  <a:schemeClr val="dk2"/>
+                </a:solidFill>
+                <a:latin typeface="Lato"/>
+                <a:ea typeface="Lato"/>
+                <a:cs typeface="Lato"/>
+                <a:sym typeface="Lato"/>
+              </a:defRPr>
             </a:lvl1pPr>
-            <a:lvl2pPr lvl="1">
-              <a:buNone/>
-              <a:defRPr/>
+            <a:lvl2pPr indent="0" lvl="1" marL="0" marR="0" algn="r">
+              <a:lnSpc>
+                <a:spcPct val="100000"/>
+              </a:lnSpc>
+              <a:spcBef>
+                <a:spcPts val="0"/>
+              </a:spcBef>
+              <a:spcAft>
+                <a:spcPts val="0"/>
+              </a:spcAft>
+              <a:buClr>
+                <a:srgbClr val="000000"/>
+              </a:buClr>
+              <a:buSzPts val="1000"/>
+              <a:buFont typeface="Arial"/>
+              <a:buNone/>
+              <a:defRPr b="0" i="0" sz="1000" u="none" cap="none" strike="noStrike">
+                <a:solidFill>
+                  <a:schemeClr val="dk2"/>
+                </a:solidFill>
+                <a:latin typeface="Lato"/>
+                <a:ea typeface="Lato"/>
+                <a:cs typeface="Lato"/>
+                <a:sym typeface="Lato"/>
+              </a:defRPr>
             </a:lvl2pPr>
-            <a:lvl3pPr lvl="2">
-              <a:buNone/>
-              <a:defRPr/>
+            <a:lvl3pPr indent="0" lvl="2" marL="0" marR="0" algn="r">
+              <a:lnSpc>
+                <a:spcPct val="100000"/>
+              </a:lnSpc>
+              <a:spcBef>
+                <a:spcPts val="0"/>
+              </a:spcBef>
+              <a:spcAft>
+                <a:spcPts val="0"/>
+              </a:spcAft>
+              <a:buClr>
+                <a:srgbClr val="000000"/>
+              </a:buClr>
+              <a:buSzPts val="1000"/>
+              <a:buFont typeface="Arial"/>
+              <a:buNone/>
+              <a:defRPr b="0" i="0" sz="1000" u="none" cap="none" strike="noStrike">
+                <a:solidFill>
+                  <a:schemeClr val="dk2"/>
+                </a:solidFill>
+                <a:latin typeface="Lato"/>
+                <a:ea typeface="Lato"/>
+                <a:cs typeface="Lato"/>
+                <a:sym typeface="Lato"/>
+              </a:defRPr>
             </a:lvl3pPr>
-            <a:lvl4pPr lvl="3">
-              <a:buNone/>
-              <a:defRPr/>
+            <a:lvl4pPr indent="0" lvl="3" marL="0" marR="0" algn="r">
+              <a:lnSpc>
+                <a:spcPct val="100000"/>
+              </a:lnSpc>
+              <a:spcBef>
+                <a:spcPts val="0"/>
+              </a:spcBef>
+              <a:spcAft>
+                <a:spcPts val="0"/>
+              </a:spcAft>
+              <a:buClr>
+                <a:srgbClr val="000000"/>
+              </a:buClr>
+              <a:buSzPts val="1000"/>
+              <a:buFont typeface="Arial"/>
+              <a:buNone/>
+              <a:defRPr b="0" i="0" sz="1000" u="none" cap="none" strike="noStrike">
+                <a:solidFill>
+                  <a:schemeClr val="dk2"/>
+                </a:solidFill>
+                <a:latin typeface="Lato"/>
+                <a:ea typeface="Lato"/>
+                <a:cs typeface="Lato"/>
+                <a:sym typeface="Lato"/>
+              </a:defRPr>
             </a:lvl4pPr>
-            <a:lvl5pPr lvl="4">
-              <a:buNone/>
-              <a:defRPr/>
+            <a:lvl5pPr indent="0" lvl="4" marL="0" marR="0" algn="r">
+              <a:lnSpc>
+                <a:spcPct val="100000"/>
+              </a:lnSpc>
+              <a:spcBef>
+                <a:spcPts val="0"/>
+              </a:spcBef>
+              <a:spcAft>
+                <a:spcPts val="0"/>
+              </a:spcAft>
+              <a:buClr>
+                <a:srgbClr val="000000"/>
+              </a:buClr>
+              <a:buSzPts val="1000"/>
+              <a:buFont typeface="Arial"/>
+              <a:buNone/>
+              <a:defRPr b="0" i="0" sz="1000" u="none" cap="none" strike="noStrike">
+                <a:solidFill>
+                  <a:schemeClr val="dk2"/>
+                </a:solidFill>
+                <a:latin typeface="Lato"/>
+                <a:ea typeface="Lato"/>
+                <a:cs typeface="Lato"/>
+                <a:sym typeface="Lato"/>
+              </a:defRPr>
             </a:lvl5pPr>
-            <a:lvl6pPr lvl="5">
-              <a:buNone/>
-              <a:defRPr/>
+            <a:lvl6pPr indent="0" lvl="5" marL="0" marR="0" algn="r">
+              <a:lnSpc>
+                <a:spcPct val="100000"/>
+              </a:lnSpc>
+              <a:spcBef>
+                <a:spcPts val="0"/>
+              </a:spcBef>
+              <a:spcAft>
+                <a:spcPts val="0"/>
+              </a:spcAft>
+              <a:buClr>
+                <a:srgbClr val="000000"/>
+              </a:buClr>
+              <a:buSzPts val="1000"/>
+              <a:buFont typeface="Arial"/>
+              <a:buNone/>
+              <a:defRPr b="0" i="0" sz="1000" u="none" cap="none" strike="noStrike">
+                <a:solidFill>
+                  <a:schemeClr val="dk2"/>
+                </a:solidFill>
+                <a:latin typeface="Lato"/>
+                <a:ea typeface="Lato"/>
+                <a:cs typeface="Lato"/>
+                <a:sym typeface="Lato"/>
+              </a:defRPr>
             </a:lvl6pPr>
-            <a:lvl7pPr lvl="6">
-              <a:buNone/>
-              <a:defRPr/>
+            <a:lvl7pPr indent="0" lvl="6" marL="0" marR="0" algn="r">
+              <a:lnSpc>
+                <a:spcPct val="100000"/>
+              </a:lnSpc>
+              <a:spcBef>
+                <a:spcPts val="0"/>
+              </a:spcBef>
+              <a:spcAft>
+                <a:spcPts val="0"/>
+              </a:spcAft>
+              <a:buClr>
+                <a:srgbClr val="000000"/>
+              </a:buClr>
+              <a:buSzPts val="1000"/>
+              <a:buFont typeface="Arial"/>
+              <a:buNone/>
+              <a:defRPr b="0" i="0" sz="1000" u="none" cap="none" strike="noStrike">
+                <a:solidFill>
+                  <a:schemeClr val="dk2"/>
+                </a:solidFill>
+                <a:latin typeface="Lato"/>
+                <a:ea typeface="Lato"/>
+                <a:cs typeface="Lato"/>
+                <a:sym typeface="Lato"/>
+              </a:defRPr>
             </a:lvl7pPr>
-            <a:lvl8pPr lvl="7">
-              <a:buNone/>
-              <a:defRPr/>
+            <a:lvl8pPr indent="0" lvl="7" marL="0" marR="0" algn="r">
+              <a:lnSpc>
+                <a:spcPct val="100000"/>
+              </a:lnSpc>
+              <a:spcBef>
+                <a:spcPts val="0"/>
+              </a:spcBef>
+              <a:spcAft>
+                <a:spcPts val="0"/>
+              </a:spcAft>
+              <a:buClr>
+                <a:srgbClr val="000000"/>
+              </a:buClr>
+              <a:buSzPts val="1000"/>
+              <a:buFont typeface="Arial"/>
+              <a:buNone/>
+              <a:defRPr b="0" i="0" sz="1000" u="none" cap="none" strike="noStrike">
+                <a:solidFill>
+                  <a:schemeClr val="dk2"/>
+                </a:solidFill>
+                <a:latin typeface="Lato"/>
+                <a:ea typeface="Lato"/>
+                <a:cs typeface="Lato"/>
+                <a:sym typeface="Lato"/>
+              </a:defRPr>
             </a:lvl8pPr>
-            <a:lvl9pPr lvl="8">
-              <a:buNone/>
-              <a:defRPr/>
+            <a:lvl9pPr indent="0" lvl="8" marL="0" marR="0" algn="r">
+              <a:lnSpc>
+                <a:spcPct val="100000"/>
+              </a:lnSpc>
+              <a:spcBef>
+                <a:spcPts val="0"/>
+              </a:spcBef>
+              <a:spcAft>
+                <a:spcPts val="0"/>
+              </a:spcAft>
+              <a:buClr>
+                <a:srgbClr val="000000"/>
+              </a:buClr>
+              <a:buSzPts val="1000"/>
+              <a:buFont typeface="Arial"/>
+              <a:buNone/>
+              <a:defRPr b="0" i="0" sz="1000" u="none" cap="none" strike="noStrike">
+                <a:solidFill>
+                  <a:schemeClr val="dk2"/>
+                </a:solidFill>
+                <a:latin typeface="Lato"/>
+                <a:ea typeface="Lato"/>
+                <a:cs typeface="Lato"/>
+                <a:sym typeface="Lato"/>
+              </a:defRPr>
             </a:lvl9pPr>
           </a:lstStyle>
           <a:p>
@@ -2146,15 +2984,8 @@
 </file>
 
 <file path=ppt/slideLayouts/slideLayout2.xml><?xml version="1.0" encoding="utf-8"?>
-<p:sldLayout xmlns:a="http://schemas.openxmlformats.org/drawingml/2006/main" xmlns:r="http://schemas.openxmlformats.org/officeDocument/2006/relationships" xmlns:mc="http://schemas.openxmlformats.org/markup-compatibility/2006" xmlns:mv="urn:schemas-microsoft-com:mac:vml" xmlns:p="http://schemas.openxmlformats.org/presentationml/2006/main" xmlns:c="http://schemas.openxmlformats.org/drawingml/2006/chart" xmlns:dgm="http://schemas.openxmlformats.org/drawingml/2006/diagram" xmlns:o="urn:schemas-microsoft-com:office:office" xmlns:v="urn:schemas-microsoft-com:vml" xmlns:pvml="urn:schemas-microsoft-com:office:powerpoint" xmlns:com="http://schemas.openxmlformats.org/drawingml/2006/compatibility" xmlns:p14="http://schemas.microsoft.com/office/powerpoint/2010/main" xmlns:p15="http://schemas.microsoft.com/office/powerpoint/2012/main" xmlns:ahyp="http://schemas.microsoft.com/office/drawing/2018/hyperlinkcolor" matchingName="Section header" type="secHead">
-  <p:cSld name="SECTION_HEADER">
-    <p:bg>
-      <p:bgPr>
-        <a:solidFill>
-          <a:schemeClr val="dk1"/>
-        </a:solidFill>
-      </p:bgPr>
-    </p:bg>
+<p:sldLayout xmlns:a="http://schemas.openxmlformats.org/drawingml/2006/main" xmlns:r="http://schemas.openxmlformats.org/officeDocument/2006/relationships" xmlns:mc="http://schemas.openxmlformats.org/markup-compatibility/2006" xmlns:mv="urn:schemas-microsoft-com:mac:vml" xmlns:p="http://schemas.openxmlformats.org/presentationml/2006/main" xmlns:c="http://schemas.openxmlformats.org/drawingml/2006/chart" xmlns:dgm="http://schemas.openxmlformats.org/drawingml/2006/diagram" xmlns:o="urn:schemas-microsoft-com:office:office" xmlns:v="urn:schemas-microsoft-com:vml" xmlns:pvml="urn:schemas-microsoft-com:office:powerpoint" xmlns:com="http://schemas.openxmlformats.org/drawingml/2006/compatibility" xmlns:p14="http://schemas.microsoft.com/office/powerpoint/2010/main" xmlns:p15="http://schemas.microsoft.com/office/powerpoint/2012/main" xmlns:ahyp="http://schemas.microsoft.com/office/drawing/2018/hyperlinkcolor" matchingName="Title and body" type="tx">
+  <p:cSld name="TITLE_AND_BODY">
     <p:spTree>
       <p:nvGrpSpPr>
         <p:cNvPr id="16" name="Shape 16"/>
@@ -2172,6 +3003,707 @@
       <p:cxnSp>
         <p:nvCxnSpPr>
           <p:cNvPr id="17" name="Google Shape;17;p3"/>
+          <p:cNvCxnSpPr/>
+          <p:nvPr/>
+        </p:nvCxnSpPr>
+        <p:spPr>
+          <a:xfrm>
+            <a:off x="2477724" y="415650"/>
+            <a:ext cx="6244200" cy="0"/>
+          </a:xfrm>
+          <a:prstGeom prst="straightConnector1">
+            <a:avLst/>
+          </a:prstGeom>
+          <a:noFill/>
+          <a:ln cap="flat" cmpd="sng" w="38100">
+            <a:solidFill>
+              <a:schemeClr val="dk2"/>
+            </a:solidFill>
+            <a:prstDash val="solid"/>
+            <a:round/>
+            <a:headEnd len="sm" w="sm" type="none"/>
+            <a:tailEnd len="sm" w="sm" type="none"/>
+          </a:ln>
+        </p:spPr>
+      </p:cxnSp>
+      <p:cxnSp>
+        <p:nvCxnSpPr>
+          <p:cNvPr id="18" name="Google Shape;18;p3"/>
+          <p:cNvCxnSpPr/>
+          <p:nvPr/>
+        </p:nvCxnSpPr>
+        <p:spPr>
+          <a:xfrm>
+            <a:off x="2477724" y="4740000"/>
+            <a:ext cx="6244200" cy="0"/>
+          </a:xfrm>
+          <a:prstGeom prst="straightConnector1">
+            <a:avLst/>
+          </a:prstGeom>
+          <a:noFill/>
+          <a:ln cap="flat" cmpd="sng" w="19050">
+            <a:solidFill>
+              <a:schemeClr val="dk2"/>
+            </a:solidFill>
+            <a:prstDash val="solid"/>
+            <a:round/>
+            <a:headEnd len="sm" w="sm" type="none"/>
+            <a:tailEnd len="sm" w="sm" type="none"/>
+          </a:ln>
+        </p:spPr>
+      </p:cxnSp>
+      <p:cxnSp>
+        <p:nvCxnSpPr>
+          <p:cNvPr id="19" name="Google Shape;19;p3"/>
+          <p:cNvCxnSpPr/>
+          <p:nvPr/>
+        </p:nvCxnSpPr>
+        <p:spPr>
+          <a:xfrm>
+            <a:off x="425198" y="415650"/>
+            <a:ext cx="183300" cy="0"/>
+          </a:xfrm>
+          <a:prstGeom prst="straightConnector1">
+            <a:avLst/>
+          </a:prstGeom>
+          <a:noFill/>
+          <a:ln cap="flat" cmpd="sng" w="19050">
+            <a:solidFill>
+              <a:schemeClr val="dk2"/>
+            </a:solidFill>
+            <a:prstDash val="solid"/>
+            <a:round/>
+            <a:headEnd len="sm" w="sm" type="none"/>
+            <a:tailEnd len="sm" w="sm" type="none"/>
+          </a:ln>
+        </p:spPr>
+      </p:cxnSp>
+      <p:sp>
+        <p:nvSpPr>
+          <p:cNvPr id="20" name="Google Shape;20;p3"/>
+          <p:cNvSpPr txBox="1"/>
+          <p:nvPr>
+            <p:ph type="title"/>
+          </p:nvPr>
+        </p:nvSpPr>
+        <p:spPr>
+          <a:xfrm>
+            <a:off x="2400250" y="575950"/>
+            <a:ext cx="6321600" cy="635400"/>
+          </a:xfrm>
+          <a:prstGeom prst="rect">
+            <a:avLst/>
+          </a:prstGeom>
+          <a:noFill/>
+          <a:ln>
+            <a:noFill/>
+          </a:ln>
+        </p:spPr>
+        <p:txBody>
+          <a:bodyPr anchorCtr="0" anchor="t" bIns="91425" lIns="91425" spcFirstLastPara="1" rIns="91425" wrap="square" tIns="91425">
+            <a:normAutofit/>
+          </a:bodyPr>
+          <a:lstStyle>
+            <a:lvl1pPr lvl="0" algn="l">
+              <a:lnSpc>
+                <a:spcPct val="100000"/>
+              </a:lnSpc>
+              <a:spcBef>
+                <a:spcPts val="0"/>
+              </a:spcBef>
+              <a:spcAft>
+                <a:spcPts val="0"/>
+              </a:spcAft>
+              <a:buSzPts val="3000"/>
+              <a:buNone/>
+              <a:defRPr/>
+            </a:lvl1pPr>
+            <a:lvl2pPr lvl="1" algn="l">
+              <a:lnSpc>
+                <a:spcPct val="100000"/>
+              </a:lnSpc>
+              <a:spcBef>
+                <a:spcPts val="0"/>
+              </a:spcBef>
+              <a:spcAft>
+                <a:spcPts val="0"/>
+              </a:spcAft>
+              <a:buSzPts val="3000"/>
+              <a:buNone/>
+              <a:defRPr/>
+            </a:lvl2pPr>
+            <a:lvl3pPr lvl="2" algn="l">
+              <a:lnSpc>
+                <a:spcPct val="100000"/>
+              </a:lnSpc>
+              <a:spcBef>
+                <a:spcPts val="0"/>
+              </a:spcBef>
+              <a:spcAft>
+                <a:spcPts val="0"/>
+              </a:spcAft>
+              <a:buSzPts val="3000"/>
+              <a:buNone/>
+              <a:defRPr/>
+            </a:lvl3pPr>
+            <a:lvl4pPr lvl="3" algn="l">
+              <a:lnSpc>
+                <a:spcPct val="100000"/>
+              </a:lnSpc>
+              <a:spcBef>
+                <a:spcPts val="0"/>
+              </a:spcBef>
+              <a:spcAft>
+                <a:spcPts val="0"/>
+              </a:spcAft>
+              <a:buSzPts val="3000"/>
+              <a:buNone/>
+              <a:defRPr/>
+            </a:lvl4pPr>
+            <a:lvl5pPr lvl="4" algn="l">
+              <a:lnSpc>
+                <a:spcPct val="100000"/>
+              </a:lnSpc>
+              <a:spcBef>
+                <a:spcPts val="0"/>
+              </a:spcBef>
+              <a:spcAft>
+                <a:spcPts val="0"/>
+              </a:spcAft>
+              <a:buSzPts val="3000"/>
+              <a:buNone/>
+              <a:defRPr/>
+            </a:lvl5pPr>
+            <a:lvl6pPr lvl="5" algn="l">
+              <a:lnSpc>
+                <a:spcPct val="100000"/>
+              </a:lnSpc>
+              <a:spcBef>
+                <a:spcPts val="0"/>
+              </a:spcBef>
+              <a:spcAft>
+                <a:spcPts val="0"/>
+              </a:spcAft>
+              <a:buSzPts val="3000"/>
+              <a:buNone/>
+              <a:defRPr/>
+            </a:lvl6pPr>
+            <a:lvl7pPr lvl="6" algn="l">
+              <a:lnSpc>
+                <a:spcPct val="100000"/>
+              </a:lnSpc>
+              <a:spcBef>
+                <a:spcPts val="0"/>
+              </a:spcBef>
+              <a:spcAft>
+                <a:spcPts val="0"/>
+              </a:spcAft>
+              <a:buSzPts val="3000"/>
+              <a:buNone/>
+              <a:defRPr/>
+            </a:lvl7pPr>
+            <a:lvl8pPr lvl="7" algn="l">
+              <a:lnSpc>
+                <a:spcPct val="100000"/>
+              </a:lnSpc>
+              <a:spcBef>
+                <a:spcPts val="0"/>
+              </a:spcBef>
+              <a:spcAft>
+                <a:spcPts val="0"/>
+              </a:spcAft>
+              <a:buSzPts val="3000"/>
+              <a:buNone/>
+              <a:defRPr/>
+            </a:lvl8pPr>
+            <a:lvl9pPr lvl="8" algn="l">
+              <a:lnSpc>
+                <a:spcPct val="100000"/>
+              </a:lnSpc>
+              <a:spcBef>
+                <a:spcPts val="0"/>
+              </a:spcBef>
+              <a:spcAft>
+                <a:spcPts val="0"/>
+              </a:spcAft>
+              <a:buSzPts val="3000"/>
+              <a:buNone/>
+              <a:defRPr/>
+            </a:lvl9pPr>
+          </a:lstStyle>
+          <a:p/>
+        </p:txBody>
+      </p:sp>
+      <p:sp>
+        <p:nvSpPr>
+          <p:cNvPr id="21" name="Google Shape;21;p3"/>
+          <p:cNvSpPr txBox="1"/>
+          <p:nvPr>
+            <p:ph idx="1" type="body"/>
+          </p:nvPr>
+        </p:nvSpPr>
+        <p:spPr>
+          <a:xfrm>
+            <a:off x="2410112" y="1595776"/>
+            <a:ext cx="6321600" cy="3002400"/>
+          </a:xfrm>
+          <a:prstGeom prst="rect">
+            <a:avLst/>
+          </a:prstGeom>
+          <a:noFill/>
+          <a:ln>
+            <a:noFill/>
+          </a:ln>
+        </p:spPr>
+        <p:txBody>
+          <a:bodyPr anchorCtr="0" anchor="t" bIns="91425" lIns="91425" spcFirstLastPara="1" rIns="91425" wrap="square" tIns="91425">
+            <a:normAutofit/>
+          </a:bodyPr>
+          <a:lstStyle>
+            <a:lvl1pPr indent="-342900" lvl="0" marL="457200" algn="l">
+              <a:lnSpc>
+                <a:spcPct val="115000"/>
+              </a:lnSpc>
+              <a:spcBef>
+                <a:spcPts val="0"/>
+              </a:spcBef>
+              <a:spcAft>
+                <a:spcPts val="0"/>
+              </a:spcAft>
+              <a:buSzPts val="1800"/>
+              <a:buChar char="●"/>
+              <a:defRPr/>
+            </a:lvl1pPr>
+            <a:lvl2pPr indent="-317500" lvl="1" marL="914400" algn="l">
+              <a:lnSpc>
+                <a:spcPct val="115000"/>
+              </a:lnSpc>
+              <a:spcBef>
+                <a:spcPts val="0"/>
+              </a:spcBef>
+              <a:spcAft>
+                <a:spcPts val="0"/>
+              </a:spcAft>
+              <a:buSzPts val="1400"/>
+              <a:buChar char="○"/>
+              <a:defRPr/>
+            </a:lvl2pPr>
+            <a:lvl3pPr indent="-317500" lvl="2" marL="1371600" algn="l">
+              <a:lnSpc>
+                <a:spcPct val="115000"/>
+              </a:lnSpc>
+              <a:spcBef>
+                <a:spcPts val="0"/>
+              </a:spcBef>
+              <a:spcAft>
+                <a:spcPts val="0"/>
+              </a:spcAft>
+              <a:buSzPts val="1400"/>
+              <a:buChar char="■"/>
+              <a:defRPr/>
+            </a:lvl3pPr>
+            <a:lvl4pPr indent="-317500" lvl="3" marL="1828800" algn="l">
+              <a:lnSpc>
+                <a:spcPct val="115000"/>
+              </a:lnSpc>
+              <a:spcBef>
+                <a:spcPts val="0"/>
+              </a:spcBef>
+              <a:spcAft>
+                <a:spcPts val="0"/>
+              </a:spcAft>
+              <a:buSzPts val="1400"/>
+              <a:buChar char="●"/>
+              <a:defRPr/>
+            </a:lvl4pPr>
+            <a:lvl5pPr indent="-317500" lvl="4" marL="2286000" algn="l">
+              <a:lnSpc>
+                <a:spcPct val="115000"/>
+              </a:lnSpc>
+              <a:spcBef>
+                <a:spcPts val="0"/>
+              </a:spcBef>
+              <a:spcAft>
+                <a:spcPts val="0"/>
+              </a:spcAft>
+              <a:buSzPts val="1400"/>
+              <a:buChar char="○"/>
+              <a:defRPr/>
+            </a:lvl5pPr>
+            <a:lvl6pPr indent="-317500" lvl="5" marL="2743200" algn="l">
+              <a:lnSpc>
+                <a:spcPct val="115000"/>
+              </a:lnSpc>
+              <a:spcBef>
+                <a:spcPts val="0"/>
+              </a:spcBef>
+              <a:spcAft>
+                <a:spcPts val="0"/>
+              </a:spcAft>
+              <a:buSzPts val="1400"/>
+              <a:buChar char="■"/>
+              <a:defRPr/>
+            </a:lvl6pPr>
+            <a:lvl7pPr indent="-317500" lvl="6" marL="3200400" algn="l">
+              <a:lnSpc>
+                <a:spcPct val="115000"/>
+              </a:lnSpc>
+              <a:spcBef>
+                <a:spcPts val="0"/>
+              </a:spcBef>
+              <a:spcAft>
+                <a:spcPts val="0"/>
+              </a:spcAft>
+              <a:buSzPts val="1400"/>
+              <a:buChar char="●"/>
+              <a:defRPr/>
+            </a:lvl7pPr>
+            <a:lvl8pPr indent="-317500" lvl="7" marL="3657600" algn="l">
+              <a:lnSpc>
+                <a:spcPct val="115000"/>
+              </a:lnSpc>
+              <a:spcBef>
+                <a:spcPts val="0"/>
+              </a:spcBef>
+              <a:spcAft>
+                <a:spcPts val="0"/>
+              </a:spcAft>
+              <a:buSzPts val="1400"/>
+              <a:buChar char="○"/>
+              <a:defRPr/>
+            </a:lvl8pPr>
+            <a:lvl9pPr indent="-317500" lvl="8" marL="4114800" algn="l">
+              <a:lnSpc>
+                <a:spcPct val="115000"/>
+              </a:lnSpc>
+              <a:spcBef>
+                <a:spcPts val="0"/>
+              </a:spcBef>
+              <a:spcAft>
+                <a:spcPts val="0"/>
+              </a:spcAft>
+              <a:buSzPts val="1400"/>
+              <a:buChar char="■"/>
+              <a:defRPr/>
+            </a:lvl9pPr>
+          </a:lstStyle>
+          <a:p/>
+        </p:txBody>
+      </p:sp>
+      <p:sp>
+        <p:nvSpPr>
+          <p:cNvPr id="22" name="Google Shape;22;p3"/>
+          <p:cNvSpPr txBox="1"/>
+          <p:nvPr>
+            <p:ph idx="12" type="sldNum"/>
+          </p:nvPr>
+        </p:nvSpPr>
+        <p:spPr>
+          <a:xfrm>
+            <a:off x="8497999" y="4688759"/>
+            <a:ext cx="548700" cy="393600"/>
+          </a:xfrm>
+          <a:prstGeom prst="rect">
+            <a:avLst/>
+          </a:prstGeom>
+          <a:noFill/>
+          <a:ln>
+            <a:noFill/>
+          </a:ln>
+        </p:spPr>
+        <p:txBody>
+          <a:bodyPr anchorCtr="0" anchor="ctr" bIns="91425" lIns="91425" spcFirstLastPara="1" rIns="91425" wrap="square" tIns="91425">
+            <a:normAutofit/>
+          </a:bodyPr>
+          <a:lstStyle>
+            <a:lvl1pPr indent="0" lvl="0" marL="0" marR="0" algn="r">
+              <a:lnSpc>
+                <a:spcPct val="100000"/>
+              </a:lnSpc>
+              <a:spcBef>
+                <a:spcPts val="0"/>
+              </a:spcBef>
+              <a:spcAft>
+                <a:spcPts val="0"/>
+              </a:spcAft>
+              <a:buClr>
+                <a:srgbClr val="000000"/>
+              </a:buClr>
+              <a:buSzPts val="1000"/>
+              <a:buFont typeface="Arial"/>
+              <a:buNone/>
+              <a:defRPr b="0" i="0" sz="1000" u="none" cap="none" strike="noStrike">
+                <a:solidFill>
+                  <a:schemeClr val="dk2"/>
+                </a:solidFill>
+                <a:latin typeface="Lato"/>
+                <a:ea typeface="Lato"/>
+                <a:cs typeface="Lato"/>
+                <a:sym typeface="Lato"/>
+              </a:defRPr>
+            </a:lvl1pPr>
+            <a:lvl2pPr indent="0" lvl="1" marL="0" marR="0" algn="r">
+              <a:lnSpc>
+                <a:spcPct val="100000"/>
+              </a:lnSpc>
+              <a:spcBef>
+                <a:spcPts val="0"/>
+              </a:spcBef>
+              <a:spcAft>
+                <a:spcPts val="0"/>
+              </a:spcAft>
+              <a:buClr>
+                <a:srgbClr val="000000"/>
+              </a:buClr>
+              <a:buSzPts val="1000"/>
+              <a:buFont typeface="Arial"/>
+              <a:buNone/>
+              <a:defRPr b="0" i="0" sz="1000" u="none" cap="none" strike="noStrike">
+                <a:solidFill>
+                  <a:schemeClr val="dk2"/>
+                </a:solidFill>
+                <a:latin typeface="Lato"/>
+                <a:ea typeface="Lato"/>
+                <a:cs typeface="Lato"/>
+                <a:sym typeface="Lato"/>
+              </a:defRPr>
+            </a:lvl2pPr>
+            <a:lvl3pPr indent="0" lvl="2" marL="0" marR="0" algn="r">
+              <a:lnSpc>
+                <a:spcPct val="100000"/>
+              </a:lnSpc>
+              <a:spcBef>
+                <a:spcPts val="0"/>
+              </a:spcBef>
+              <a:spcAft>
+                <a:spcPts val="0"/>
+              </a:spcAft>
+              <a:buClr>
+                <a:srgbClr val="000000"/>
+              </a:buClr>
+              <a:buSzPts val="1000"/>
+              <a:buFont typeface="Arial"/>
+              <a:buNone/>
+              <a:defRPr b="0" i="0" sz="1000" u="none" cap="none" strike="noStrike">
+                <a:solidFill>
+                  <a:schemeClr val="dk2"/>
+                </a:solidFill>
+                <a:latin typeface="Lato"/>
+                <a:ea typeface="Lato"/>
+                <a:cs typeface="Lato"/>
+                <a:sym typeface="Lato"/>
+              </a:defRPr>
+            </a:lvl3pPr>
+            <a:lvl4pPr indent="0" lvl="3" marL="0" marR="0" algn="r">
+              <a:lnSpc>
+                <a:spcPct val="100000"/>
+              </a:lnSpc>
+              <a:spcBef>
+                <a:spcPts val="0"/>
+              </a:spcBef>
+              <a:spcAft>
+                <a:spcPts val="0"/>
+              </a:spcAft>
+              <a:buClr>
+                <a:srgbClr val="000000"/>
+              </a:buClr>
+              <a:buSzPts val="1000"/>
+              <a:buFont typeface="Arial"/>
+              <a:buNone/>
+              <a:defRPr b="0" i="0" sz="1000" u="none" cap="none" strike="noStrike">
+                <a:solidFill>
+                  <a:schemeClr val="dk2"/>
+                </a:solidFill>
+                <a:latin typeface="Lato"/>
+                <a:ea typeface="Lato"/>
+                <a:cs typeface="Lato"/>
+                <a:sym typeface="Lato"/>
+              </a:defRPr>
+            </a:lvl4pPr>
+            <a:lvl5pPr indent="0" lvl="4" marL="0" marR="0" algn="r">
+              <a:lnSpc>
+                <a:spcPct val="100000"/>
+              </a:lnSpc>
+              <a:spcBef>
+                <a:spcPts val="0"/>
+              </a:spcBef>
+              <a:spcAft>
+                <a:spcPts val="0"/>
+              </a:spcAft>
+              <a:buClr>
+                <a:srgbClr val="000000"/>
+              </a:buClr>
+              <a:buSzPts val="1000"/>
+              <a:buFont typeface="Arial"/>
+              <a:buNone/>
+              <a:defRPr b="0" i="0" sz="1000" u="none" cap="none" strike="noStrike">
+                <a:solidFill>
+                  <a:schemeClr val="dk2"/>
+                </a:solidFill>
+                <a:latin typeface="Lato"/>
+                <a:ea typeface="Lato"/>
+                <a:cs typeface="Lato"/>
+                <a:sym typeface="Lato"/>
+              </a:defRPr>
+            </a:lvl5pPr>
+            <a:lvl6pPr indent="0" lvl="5" marL="0" marR="0" algn="r">
+              <a:lnSpc>
+                <a:spcPct val="100000"/>
+              </a:lnSpc>
+              <a:spcBef>
+                <a:spcPts val="0"/>
+              </a:spcBef>
+              <a:spcAft>
+                <a:spcPts val="0"/>
+              </a:spcAft>
+              <a:buClr>
+                <a:srgbClr val="000000"/>
+              </a:buClr>
+              <a:buSzPts val="1000"/>
+              <a:buFont typeface="Arial"/>
+              <a:buNone/>
+              <a:defRPr b="0" i="0" sz="1000" u="none" cap="none" strike="noStrike">
+                <a:solidFill>
+                  <a:schemeClr val="dk2"/>
+                </a:solidFill>
+                <a:latin typeface="Lato"/>
+                <a:ea typeface="Lato"/>
+                <a:cs typeface="Lato"/>
+                <a:sym typeface="Lato"/>
+              </a:defRPr>
+            </a:lvl6pPr>
+            <a:lvl7pPr indent="0" lvl="6" marL="0" marR="0" algn="r">
+              <a:lnSpc>
+                <a:spcPct val="100000"/>
+              </a:lnSpc>
+              <a:spcBef>
+                <a:spcPts val="0"/>
+              </a:spcBef>
+              <a:spcAft>
+                <a:spcPts val="0"/>
+              </a:spcAft>
+              <a:buClr>
+                <a:srgbClr val="000000"/>
+              </a:buClr>
+              <a:buSzPts val="1000"/>
+              <a:buFont typeface="Arial"/>
+              <a:buNone/>
+              <a:defRPr b="0" i="0" sz="1000" u="none" cap="none" strike="noStrike">
+                <a:solidFill>
+                  <a:schemeClr val="dk2"/>
+                </a:solidFill>
+                <a:latin typeface="Lato"/>
+                <a:ea typeface="Lato"/>
+                <a:cs typeface="Lato"/>
+                <a:sym typeface="Lato"/>
+              </a:defRPr>
+            </a:lvl7pPr>
+            <a:lvl8pPr indent="0" lvl="7" marL="0" marR="0" algn="r">
+              <a:lnSpc>
+                <a:spcPct val="100000"/>
+              </a:lnSpc>
+              <a:spcBef>
+                <a:spcPts val="0"/>
+              </a:spcBef>
+              <a:spcAft>
+                <a:spcPts val="0"/>
+              </a:spcAft>
+              <a:buClr>
+                <a:srgbClr val="000000"/>
+              </a:buClr>
+              <a:buSzPts val="1000"/>
+              <a:buFont typeface="Arial"/>
+              <a:buNone/>
+              <a:defRPr b="0" i="0" sz="1000" u="none" cap="none" strike="noStrike">
+                <a:solidFill>
+                  <a:schemeClr val="dk2"/>
+                </a:solidFill>
+                <a:latin typeface="Lato"/>
+                <a:ea typeface="Lato"/>
+                <a:cs typeface="Lato"/>
+                <a:sym typeface="Lato"/>
+              </a:defRPr>
+            </a:lvl8pPr>
+            <a:lvl9pPr indent="0" lvl="8" marL="0" marR="0" algn="r">
+              <a:lnSpc>
+                <a:spcPct val="100000"/>
+              </a:lnSpc>
+              <a:spcBef>
+                <a:spcPts val="0"/>
+              </a:spcBef>
+              <a:spcAft>
+                <a:spcPts val="0"/>
+              </a:spcAft>
+              <a:buClr>
+                <a:srgbClr val="000000"/>
+              </a:buClr>
+              <a:buSzPts val="1000"/>
+              <a:buFont typeface="Arial"/>
+              <a:buNone/>
+              <a:defRPr b="0" i="0" sz="1000" u="none" cap="none" strike="noStrike">
+                <a:solidFill>
+                  <a:schemeClr val="dk2"/>
+                </a:solidFill>
+                <a:latin typeface="Lato"/>
+                <a:ea typeface="Lato"/>
+                <a:cs typeface="Lato"/>
+                <a:sym typeface="Lato"/>
+              </a:defRPr>
+            </a:lvl9pPr>
+          </a:lstStyle>
+          <a:p>
+            <a:pPr indent="0" lvl="0" marL="0" rtl="0" algn="r">
+              <a:spcBef>
+                <a:spcPts val="0"/>
+              </a:spcBef>
+              <a:spcAft>
+                <a:spcPts val="0"/>
+              </a:spcAft>
+              <a:buNone/>
+            </a:pPr>
+            <a:fld id="{00000000-1234-1234-1234-123412341234}" type="slidenum">
+              <a:rPr lang="en-GB"/>
+              <a:t>‹#›</a:t>
+            </a:fld>
+            <a:endParaRPr/>
+          </a:p>
+        </p:txBody>
+      </p:sp>
+    </p:spTree>
+  </p:cSld>
+  <p:clrMapOvr>
+    <a:masterClrMapping/>
+  </p:clrMapOvr>
+</p:sldLayout>
+</file>
+
+<file path=ppt/slideLayouts/slideLayout3.xml><?xml version="1.0" encoding="utf-8"?>
+<p:sldLayout xmlns:a="http://schemas.openxmlformats.org/drawingml/2006/main" xmlns:r="http://schemas.openxmlformats.org/officeDocument/2006/relationships" xmlns:mc="http://schemas.openxmlformats.org/markup-compatibility/2006" xmlns:mv="urn:schemas-microsoft-com:mac:vml" xmlns:p="http://schemas.openxmlformats.org/presentationml/2006/main" xmlns:c="http://schemas.openxmlformats.org/drawingml/2006/chart" xmlns:dgm="http://schemas.openxmlformats.org/drawingml/2006/diagram" xmlns:o="urn:schemas-microsoft-com:office:office" xmlns:v="urn:schemas-microsoft-com:vml" xmlns:pvml="urn:schemas-microsoft-com:office:powerpoint" xmlns:com="http://schemas.openxmlformats.org/drawingml/2006/compatibility" xmlns:p14="http://schemas.microsoft.com/office/powerpoint/2010/main" xmlns:p15="http://schemas.microsoft.com/office/powerpoint/2012/main" xmlns:ahyp="http://schemas.microsoft.com/office/drawing/2018/hyperlinkcolor" matchingName="Section header" type="secHead">
+  <p:cSld name="SECTION_HEADER">
+    <p:bg>
+      <p:bgPr>
+        <a:solidFill>
+          <a:schemeClr val="dk1"/>
+        </a:solidFill>
+      </p:bgPr>
+    </p:bg>
+    <p:spTree>
+      <p:nvGrpSpPr>
+        <p:cNvPr id="23" name="Shape 23"/>
+        <p:cNvGrpSpPr/>
+        <p:nvPr/>
+      </p:nvGrpSpPr>
+      <p:grpSpPr>
+        <a:xfrm>
+          <a:off x="0" y="0"/>
+          <a:ext cx="0" cy="0"/>
+          <a:chOff x="0" y="0"/>
+          <a:chExt cx="0" cy="0"/>
+        </a:xfrm>
+      </p:grpSpPr>
+      <p:cxnSp>
+        <p:nvCxnSpPr>
+          <p:cNvPr id="24" name="Google Shape;24;p4"/>
           <p:cNvCxnSpPr/>
           <p:nvPr/>
         </p:nvCxnSpPr>
@@ -2197,7 +3729,7 @@
       </p:cxnSp>
       <p:cxnSp>
         <p:nvCxnSpPr>
-          <p:cNvPr id="18" name="Google Shape;18;p3"/>
+          <p:cNvPr id="25" name="Google Shape;25;p4"/>
           <p:cNvCxnSpPr/>
           <p:nvPr/>
         </p:nvCxnSpPr>
@@ -2223,7 +3755,7 @@
       </p:cxnSp>
       <p:sp>
         <p:nvSpPr>
-          <p:cNvPr id="19" name="Google Shape;19;p3"/>
+          <p:cNvPr id="26" name="Google Shape;26;p4"/>
           <p:cNvSpPr txBox="1"/>
           <p:nvPr>
             <p:ph type="title"/>
@@ -2237,6 +3769,10 @@
           <a:prstGeom prst="rect">
             <a:avLst/>
           </a:prstGeom>
+          <a:noFill/>
+          <a:ln>
+            <a:noFill/>
+          </a:ln>
         </p:spPr>
         <p:txBody>
           <a:bodyPr anchorCtr="0" anchor="ctr" bIns="91425" lIns="91425" spcFirstLastPara="1" rIns="91425" wrap="square" tIns="91425">
@@ -2244,6 +3780,9 @@
           </a:bodyPr>
           <a:lstStyle>
             <a:lvl1pPr lvl="0" algn="ctr">
+              <a:lnSpc>
+                <a:spcPct val="100000"/>
+              </a:lnSpc>
               <a:spcBef>
                 <a:spcPts val="0"/>
               </a:spcBef>
@@ -2262,6 +3801,9 @@
               </a:defRPr>
             </a:lvl1pPr>
             <a:lvl2pPr lvl="1" algn="ctr">
+              <a:lnSpc>
+                <a:spcPct val="100000"/>
+              </a:lnSpc>
               <a:spcBef>
                 <a:spcPts val="0"/>
               </a:spcBef>
@@ -2280,6 +3822,9 @@
               </a:defRPr>
             </a:lvl2pPr>
             <a:lvl3pPr lvl="2" algn="ctr">
+              <a:lnSpc>
+                <a:spcPct val="100000"/>
+              </a:lnSpc>
               <a:spcBef>
                 <a:spcPts val="0"/>
               </a:spcBef>
@@ -2298,6 +3843,9 @@
               </a:defRPr>
             </a:lvl3pPr>
             <a:lvl4pPr lvl="3" algn="ctr">
+              <a:lnSpc>
+                <a:spcPct val="100000"/>
+              </a:lnSpc>
               <a:spcBef>
                 <a:spcPts val="0"/>
               </a:spcBef>
@@ -2316,6 +3864,9 @@
               </a:defRPr>
             </a:lvl4pPr>
             <a:lvl5pPr lvl="4" algn="ctr">
+              <a:lnSpc>
+                <a:spcPct val="100000"/>
+              </a:lnSpc>
               <a:spcBef>
                 <a:spcPts val="0"/>
               </a:spcBef>
@@ -2334,6 +3885,9 @@
               </a:defRPr>
             </a:lvl5pPr>
             <a:lvl6pPr lvl="5" algn="ctr">
+              <a:lnSpc>
+                <a:spcPct val="100000"/>
+              </a:lnSpc>
               <a:spcBef>
                 <a:spcPts val="0"/>
               </a:spcBef>
@@ -2352,6 +3906,9 @@
               </a:defRPr>
             </a:lvl6pPr>
             <a:lvl7pPr lvl="6" algn="ctr">
+              <a:lnSpc>
+                <a:spcPct val="100000"/>
+              </a:lnSpc>
               <a:spcBef>
                 <a:spcPts val="0"/>
               </a:spcBef>
@@ -2370,6 +3927,9 @@
               </a:defRPr>
             </a:lvl7pPr>
             <a:lvl8pPr lvl="7" algn="ctr">
+              <a:lnSpc>
+                <a:spcPct val="100000"/>
+              </a:lnSpc>
               <a:spcBef>
                 <a:spcPts val="0"/>
               </a:spcBef>
@@ -2388,6 +3948,9 @@
               </a:defRPr>
             </a:lvl8pPr>
             <a:lvl9pPr lvl="8" algn="ctr">
+              <a:lnSpc>
+                <a:spcPct val="100000"/>
+              </a:lnSpc>
               <a:spcBef>
                 <a:spcPts val="0"/>
               </a:spcBef>
@@ -2404,472 +3967,6 @@
                   <a:schemeClr val="lt1"/>
                 </a:solidFill>
               </a:defRPr>
-            </a:lvl9pPr>
-          </a:lstStyle>
-          <a:p/>
-        </p:txBody>
-      </p:sp>
-      <p:sp>
-        <p:nvSpPr>
-          <p:cNvPr id="20" name="Google Shape;20;p3"/>
-          <p:cNvSpPr txBox="1"/>
-          <p:nvPr>
-            <p:ph idx="12" type="sldNum"/>
-          </p:nvPr>
-        </p:nvSpPr>
-        <p:spPr>
-          <a:xfrm>
-            <a:off x="8497999" y="4688759"/>
-            <a:ext cx="548700" cy="393600"/>
-          </a:xfrm>
-          <a:prstGeom prst="rect">
-            <a:avLst/>
-          </a:prstGeom>
-        </p:spPr>
-        <p:txBody>
-          <a:bodyPr anchorCtr="0" anchor="ctr" bIns="91425" lIns="91425" spcFirstLastPara="1" rIns="91425" wrap="square" tIns="91425">
-            <a:normAutofit/>
-          </a:bodyPr>
-          <a:lstStyle>
-            <a:lvl1pPr lvl="0">
-              <a:buNone/>
-              <a:defRPr>
-                <a:solidFill>
-                  <a:schemeClr val="lt1"/>
-                </a:solidFill>
-              </a:defRPr>
-            </a:lvl1pPr>
-            <a:lvl2pPr lvl="1">
-              <a:buNone/>
-              <a:defRPr>
-                <a:solidFill>
-                  <a:schemeClr val="lt1"/>
-                </a:solidFill>
-              </a:defRPr>
-            </a:lvl2pPr>
-            <a:lvl3pPr lvl="2">
-              <a:buNone/>
-              <a:defRPr>
-                <a:solidFill>
-                  <a:schemeClr val="lt1"/>
-                </a:solidFill>
-              </a:defRPr>
-            </a:lvl3pPr>
-            <a:lvl4pPr lvl="3">
-              <a:buNone/>
-              <a:defRPr>
-                <a:solidFill>
-                  <a:schemeClr val="lt1"/>
-                </a:solidFill>
-              </a:defRPr>
-            </a:lvl4pPr>
-            <a:lvl5pPr lvl="4">
-              <a:buNone/>
-              <a:defRPr>
-                <a:solidFill>
-                  <a:schemeClr val="lt1"/>
-                </a:solidFill>
-              </a:defRPr>
-            </a:lvl5pPr>
-            <a:lvl6pPr lvl="5">
-              <a:buNone/>
-              <a:defRPr>
-                <a:solidFill>
-                  <a:schemeClr val="lt1"/>
-                </a:solidFill>
-              </a:defRPr>
-            </a:lvl6pPr>
-            <a:lvl7pPr lvl="6">
-              <a:buNone/>
-              <a:defRPr>
-                <a:solidFill>
-                  <a:schemeClr val="lt1"/>
-                </a:solidFill>
-              </a:defRPr>
-            </a:lvl7pPr>
-            <a:lvl8pPr lvl="7">
-              <a:buNone/>
-              <a:defRPr>
-                <a:solidFill>
-                  <a:schemeClr val="lt1"/>
-                </a:solidFill>
-              </a:defRPr>
-            </a:lvl8pPr>
-            <a:lvl9pPr lvl="8">
-              <a:buNone/>
-              <a:defRPr>
-                <a:solidFill>
-                  <a:schemeClr val="lt1"/>
-                </a:solidFill>
-              </a:defRPr>
-            </a:lvl9pPr>
-          </a:lstStyle>
-          <a:p>
-            <a:pPr indent="0" lvl="0" marL="0" rtl="0" algn="r">
-              <a:spcBef>
-                <a:spcPts val="0"/>
-              </a:spcBef>
-              <a:spcAft>
-                <a:spcPts val="0"/>
-              </a:spcAft>
-              <a:buNone/>
-            </a:pPr>
-            <a:fld id="{00000000-1234-1234-1234-123412341234}" type="slidenum">
-              <a:rPr lang="en-GB"/>
-              <a:t>‹#›</a:t>
-            </a:fld>
-            <a:endParaRPr/>
-          </a:p>
-        </p:txBody>
-      </p:sp>
-    </p:spTree>
-  </p:cSld>
-  <p:clrMapOvr>
-    <a:masterClrMapping/>
-  </p:clrMapOvr>
-</p:sldLayout>
-</file>
-
-<file path=ppt/slideLayouts/slideLayout3.xml><?xml version="1.0" encoding="utf-8"?>
-<p:sldLayout xmlns:a="http://schemas.openxmlformats.org/drawingml/2006/main" xmlns:r="http://schemas.openxmlformats.org/officeDocument/2006/relationships" xmlns:mc="http://schemas.openxmlformats.org/markup-compatibility/2006" xmlns:mv="urn:schemas-microsoft-com:mac:vml" xmlns:p="http://schemas.openxmlformats.org/presentationml/2006/main" xmlns:c="http://schemas.openxmlformats.org/drawingml/2006/chart" xmlns:dgm="http://schemas.openxmlformats.org/drawingml/2006/diagram" xmlns:o="urn:schemas-microsoft-com:office:office" xmlns:v="urn:schemas-microsoft-com:vml" xmlns:pvml="urn:schemas-microsoft-com:office:powerpoint" xmlns:com="http://schemas.openxmlformats.org/drawingml/2006/compatibility" xmlns:p14="http://schemas.microsoft.com/office/powerpoint/2010/main" xmlns:p15="http://schemas.microsoft.com/office/powerpoint/2012/main" xmlns:ahyp="http://schemas.microsoft.com/office/drawing/2018/hyperlinkcolor" matchingName="Title and body" type="tx">
-  <p:cSld name="TITLE_AND_BODY">
-    <p:spTree>
-      <p:nvGrpSpPr>
-        <p:cNvPr id="21" name="Shape 21"/>
-        <p:cNvGrpSpPr/>
-        <p:nvPr/>
-      </p:nvGrpSpPr>
-      <p:grpSpPr>
-        <a:xfrm>
-          <a:off x="0" y="0"/>
-          <a:ext cx="0" cy="0"/>
-          <a:chOff x="0" y="0"/>
-          <a:chExt cx="0" cy="0"/>
-        </a:xfrm>
-      </p:grpSpPr>
-      <p:cxnSp>
-        <p:nvCxnSpPr>
-          <p:cNvPr id="22" name="Google Shape;22;p4"/>
-          <p:cNvCxnSpPr/>
-          <p:nvPr/>
-        </p:nvCxnSpPr>
-        <p:spPr>
-          <a:xfrm>
-            <a:off x="2477724" y="415650"/>
-            <a:ext cx="6244200" cy="0"/>
-          </a:xfrm>
-          <a:prstGeom prst="straightConnector1">
-            <a:avLst/>
-          </a:prstGeom>
-          <a:noFill/>
-          <a:ln cap="flat" cmpd="sng" w="38100">
-            <a:solidFill>
-              <a:schemeClr val="dk2"/>
-            </a:solidFill>
-            <a:prstDash val="solid"/>
-            <a:round/>
-            <a:headEnd len="sm" w="sm" type="none"/>
-            <a:tailEnd len="sm" w="sm" type="none"/>
-          </a:ln>
-        </p:spPr>
-      </p:cxnSp>
-      <p:cxnSp>
-        <p:nvCxnSpPr>
-          <p:cNvPr id="23" name="Google Shape;23;p4"/>
-          <p:cNvCxnSpPr/>
-          <p:nvPr/>
-        </p:nvCxnSpPr>
-        <p:spPr>
-          <a:xfrm>
-            <a:off x="2477724" y="4740000"/>
-            <a:ext cx="6244200" cy="0"/>
-          </a:xfrm>
-          <a:prstGeom prst="straightConnector1">
-            <a:avLst/>
-          </a:prstGeom>
-          <a:noFill/>
-          <a:ln cap="flat" cmpd="sng" w="19050">
-            <a:solidFill>
-              <a:schemeClr val="dk2"/>
-            </a:solidFill>
-            <a:prstDash val="solid"/>
-            <a:round/>
-            <a:headEnd len="sm" w="sm" type="none"/>
-            <a:tailEnd len="sm" w="sm" type="none"/>
-          </a:ln>
-        </p:spPr>
-      </p:cxnSp>
-      <p:cxnSp>
-        <p:nvCxnSpPr>
-          <p:cNvPr id="24" name="Google Shape;24;p4"/>
-          <p:cNvCxnSpPr/>
-          <p:nvPr/>
-        </p:nvCxnSpPr>
-        <p:spPr>
-          <a:xfrm>
-            <a:off x="425198" y="415650"/>
-            <a:ext cx="183300" cy="0"/>
-          </a:xfrm>
-          <a:prstGeom prst="straightConnector1">
-            <a:avLst/>
-          </a:prstGeom>
-          <a:noFill/>
-          <a:ln cap="flat" cmpd="sng" w="19050">
-            <a:solidFill>
-              <a:schemeClr val="dk2"/>
-            </a:solidFill>
-            <a:prstDash val="solid"/>
-            <a:round/>
-            <a:headEnd len="sm" w="sm" type="none"/>
-            <a:tailEnd len="sm" w="sm" type="none"/>
-          </a:ln>
-        </p:spPr>
-      </p:cxnSp>
-      <p:sp>
-        <p:nvSpPr>
-          <p:cNvPr id="25" name="Google Shape;25;p4"/>
-          <p:cNvSpPr txBox="1"/>
-          <p:nvPr>
-            <p:ph type="title"/>
-          </p:nvPr>
-        </p:nvSpPr>
-        <p:spPr>
-          <a:xfrm>
-            <a:off x="2400250" y="575950"/>
-            <a:ext cx="6321600" cy="635400"/>
-          </a:xfrm>
-          <a:prstGeom prst="rect">
-            <a:avLst/>
-          </a:prstGeom>
-        </p:spPr>
-        <p:txBody>
-          <a:bodyPr anchorCtr="0" anchor="t" bIns="91425" lIns="91425" spcFirstLastPara="1" rIns="91425" wrap="square" tIns="91425">
-            <a:normAutofit/>
-          </a:bodyPr>
-          <a:lstStyle>
-            <a:lvl1pPr lvl="0">
-              <a:spcBef>
-                <a:spcPts val="0"/>
-              </a:spcBef>
-              <a:spcAft>
-                <a:spcPts val="0"/>
-              </a:spcAft>
-              <a:buSzPts val="3000"/>
-              <a:buNone/>
-              <a:defRPr/>
-            </a:lvl1pPr>
-            <a:lvl2pPr lvl="1">
-              <a:spcBef>
-                <a:spcPts val="0"/>
-              </a:spcBef>
-              <a:spcAft>
-                <a:spcPts val="0"/>
-              </a:spcAft>
-              <a:buSzPts val="3000"/>
-              <a:buNone/>
-              <a:defRPr/>
-            </a:lvl2pPr>
-            <a:lvl3pPr lvl="2">
-              <a:spcBef>
-                <a:spcPts val="0"/>
-              </a:spcBef>
-              <a:spcAft>
-                <a:spcPts val="0"/>
-              </a:spcAft>
-              <a:buSzPts val="3000"/>
-              <a:buNone/>
-              <a:defRPr/>
-            </a:lvl3pPr>
-            <a:lvl4pPr lvl="3">
-              <a:spcBef>
-                <a:spcPts val="0"/>
-              </a:spcBef>
-              <a:spcAft>
-                <a:spcPts val="0"/>
-              </a:spcAft>
-              <a:buSzPts val="3000"/>
-              <a:buNone/>
-              <a:defRPr/>
-            </a:lvl4pPr>
-            <a:lvl5pPr lvl="4">
-              <a:spcBef>
-                <a:spcPts val="0"/>
-              </a:spcBef>
-              <a:spcAft>
-                <a:spcPts val="0"/>
-              </a:spcAft>
-              <a:buSzPts val="3000"/>
-              <a:buNone/>
-              <a:defRPr/>
-            </a:lvl5pPr>
-            <a:lvl6pPr lvl="5">
-              <a:spcBef>
-                <a:spcPts val="0"/>
-              </a:spcBef>
-              <a:spcAft>
-                <a:spcPts val="0"/>
-              </a:spcAft>
-              <a:buSzPts val="3000"/>
-              <a:buNone/>
-              <a:defRPr/>
-            </a:lvl6pPr>
-            <a:lvl7pPr lvl="6">
-              <a:spcBef>
-                <a:spcPts val="0"/>
-              </a:spcBef>
-              <a:spcAft>
-                <a:spcPts val="0"/>
-              </a:spcAft>
-              <a:buSzPts val="3000"/>
-              <a:buNone/>
-              <a:defRPr/>
-            </a:lvl7pPr>
-            <a:lvl8pPr lvl="7">
-              <a:spcBef>
-                <a:spcPts val="0"/>
-              </a:spcBef>
-              <a:spcAft>
-                <a:spcPts val="0"/>
-              </a:spcAft>
-              <a:buSzPts val="3000"/>
-              <a:buNone/>
-              <a:defRPr/>
-            </a:lvl8pPr>
-            <a:lvl9pPr lvl="8">
-              <a:spcBef>
-                <a:spcPts val="0"/>
-              </a:spcBef>
-              <a:spcAft>
-                <a:spcPts val="0"/>
-              </a:spcAft>
-              <a:buSzPts val="3000"/>
-              <a:buNone/>
-              <a:defRPr/>
-            </a:lvl9pPr>
-          </a:lstStyle>
-          <a:p/>
-        </p:txBody>
-      </p:sp>
-      <p:sp>
-        <p:nvSpPr>
-          <p:cNvPr id="26" name="Google Shape;26;p4"/>
-          <p:cNvSpPr txBox="1"/>
-          <p:nvPr>
-            <p:ph idx="1" type="body"/>
-          </p:nvPr>
-        </p:nvSpPr>
-        <p:spPr>
-          <a:xfrm>
-            <a:off x="2410112" y="1595776"/>
-            <a:ext cx="6321600" cy="3002400"/>
-          </a:xfrm>
-          <a:prstGeom prst="rect">
-            <a:avLst/>
-          </a:prstGeom>
-        </p:spPr>
-        <p:txBody>
-          <a:bodyPr anchorCtr="0" anchor="t" bIns="91425" lIns="91425" spcFirstLastPara="1" rIns="91425" wrap="square" tIns="91425">
-            <a:normAutofit/>
-          </a:bodyPr>
-          <a:lstStyle>
-            <a:lvl1pPr indent="-342900" lvl="0" marL="457200">
-              <a:spcBef>
-                <a:spcPts val="0"/>
-              </a:spcBef>
-              <a:spcAft>
-                <a:spcPts val="0"/>
-              </a:spcAft>
-              <a:buSzPts val="1800"/>
-              <a:buChar char="●"/>
-              <a:defRPr/>
-            </a:lvl1pPr>
-            <a:lvl2pPr indent="-317500" lvl="1" marL="914400">
-              <a:spcBef>
-                <a:spcPts val="0"/>
-              </a:spcBef>
-              <a:spcAft>
-                <a:spcPts val="0"/>
-              </a:spcAft>
-              <a:buSzPts val="1400"/>
-              <a:buChar char="○"/>
-              <a:defRPr/>
-            </a:lvl2pPr>
-            <a:lvl3pPr indent="-317500" lvl="2" marL="1371600">
-              <a:spcBef>
-                <a:spcPts val="0"/>
-              </a:spcBef>
-              <a:spcAft>
-                <a:spcPts val="0"/>
-              </a:spcAft>
-              <a:buSzPts val="1400"/>
-              <a:buChar char="■"/>
-              <a:defRPr/>
-            </a:lvl3pPr>
-            <a:lvl4pPr indent="-317500" lvl="3" marL="1828800">
-              <a:spcBef>
-                <a:spcPts val="0"/>
-              </a:spcBef>
-              <a:spcAft>
-                <a:spcPts val="0"/>
-              </a:spcAft>
-              <a:buSzPts val="1400"/>
-              <a:buChar char="●"/>
-              <a:defRPr/>
-            </a:lvl4pPr>
-            <a:lvl5pPr indent="-317500" lvl="4" marL="2286000">
-              <a:spcBef>
-                <a:spcPts val="0"/>
-              </a:spcBef>
-              <a:spcAft>
-                <a:spcPts val="0"/>
-              </a:spcAft>
-              <a:buSzPts val="1400"/>
-              <a:buChar char="○"/>
-              <a:defRPr/>
-            </a:lvl5pPr>
-            <a:lvl6pPr indent="-317500" lvl="5" marL="2743200">
-              <a:spcBef>
-                <a:spcPts val="0"/>
-              </a:spcBef>
-              <a:spcAft>
-                <a:spcPts val="0"/>
-              </a:spcAft>
-              <a:buSzPts val="1400"/>
-              <a:buChar char="■"/>
-              <a:defRPr/>
-            </a:lvl6pPr>
-            <a:lvl7pPr indent="-317500" lvl="6" marL="3200400">
-              <a:spcBef>
-                <a:spcPts val="0"/>
-              </a:spcBef>
-              <a:spcAft>
-                <a:spcPts val="0"/>
-              </a:spcAft>
-              <a:buSzPts val="1400"/>
-              <a:buChar char="●"/>
-              <a:defRPr/>
-            </a:lvl7pPr>
-            <a:lvl8pPr indent="-317500" lvl="7" marL="3657600">
-              <a:spcBef>
-                <a:spcPts val="0"/>
-              </a:spcBef>
-              <a:spcAft>
-                <a:spcPts val="0"/>
-              </a:spcAft>
-              <a:buSzPts val="1400"/>
-              <a:buChar char="○"/>
-              <a:defRPr/>
-            </a:lvl8pPr>
-            <a:lvl9pPr indent="-317500" lvl="8" marL="4114800">
-              <a:spcBef>
-                <a:spcPts val="0"/>
-              </a:spcBef>
-              <a:spcAft>
-                <a:spcPts val="0"/>
-              </a:spcAft>
-              <a:buSzPts val="1400"/>
-              <a:buChar char="■"/>
-              <a:defRPr/>
             </a:lvl9pPr>
           </a:lstStyle>
           <a:p/>
@@ -2891,47 +3988,249 @@
           <a:prstGeom prst="rect">
             <a:avLst/>
           </a:prstGeom>
+          <a:noFill/>
+          <a:ln>
+            <a:noFill/>
+          </a:ln>
         </p:spPr>
         <p:txBody>
           <a:bodyPr anchorCtr="0" anchor="ctr" bIns="91425" lIns="91425" spcFirstLastPara="1" rIns="91425" wrap="square" tIns="91425">
             <a:normAutofit/>
           </a:bodyPr>
           <a:lstStyle>
-            <a:lvl1pPr lvl="0">
-              <a:buNone/>
-              <a:defRPr/>
+            <a:lvl1pPr indent="0" lvl="0" marL="0" marR="0" algn="r">
+              <a:lnSpc>
+                <a:spcPct val="100000"/>
+              </a:lnSpc>
+              <a:spcBef>
+                <a:spcPts val="0"/>
+              </a:spcBef>
+              <a:spcAft>
+                <a:spcPts val="0"/>
+              </a:spcAft>
+              <a:buClr>
+                <a:srgbClr val="000000"/>
+              </a:buClr>
+              <a:buSzPts val="1000"/>
+              <a:buFont typeface="Arial"/>
+              <a:buNone/>
+              <a:defRPr b="0" i="0" sz="1000" u="none" cap="none" strike="noStrike">
+                <a:solidFill>
+                  <a:schemeClr val="lt1"/>
+                </a:solidFill>
+                <a:latin typeface="Lato"/>
+                <a:ea typeface="Lato"/>
+                <a:cs typeface="Lato"/>
+                <a:sym typeface="Lato"/>
+              </a:defRPr>
             </a:lvl1pPr>
-            <a:lvl2pPr lvl="1">
-              <a:buNone/>
-              <a:defRPr/>
+            <a:lvl2pPr indent="0" lvl="1" marL="0" marR="0" algn="r">
+              <a:lnSpc>
+                <a:spcPct val="100000"/>
+              </a:lnSpc>
+              <a:spcBef>
+                <a:spcPts val="0"/>
+              </a:spcBef>
+              <a:spcAft>
+                <a:spcPts val="0"/>
+              </a:spcAft>
+              <a:buClr>
+                <a:srgbClr val="000000"/>
+              </a:buClr>
+              <a:buSzPts val="1000"/>
+              <a:buFont typeface="Arial"/>
+              <a:buNone/>
+              <a:defRPr b="0" i="0" sz="1000" u="none" cap="none" strike="noStrike">
+                <a:solidFill>
+                  <a:schemeClr val="lt1"/>
+                </a:solidFill>
+                <a:latin typeface="Lato"/>
+                <a:ea typeface="Lato"/>
+                <a:cs typeface="Lato"/>
+                <a:sym typeface="Lato"/>
+              </a:defRPr>
             </a:lvl2pPr>
-            <a:lvl3pPr lvl="2">
-              <a:buNone/>
-              <a:defRPr/>
+            <a:lvl3pPr indent="0" lvl="2" marL="0" marR="0" algn="r">
+              <a:lnSpc>
+                <a:spcPct val="100000"/>
+              </a:lnSpc>
+              <a:spcBef>
+                <a:spcPts val="0"/>
+              </a:spcBef>
+              <a:spcAft>
+                <a:spcPts val="0"/>
+              </a:spcAft>
+              <a:buClr>
+                <a:srgbClr val="000000"/>
+              </a:buClr>
+              <a:buSzPts val="1000"/>
+              <a:buFont typeface="Arial"/>
+              <a:buNone/>
+              <a:defRPr b="0" i="0" sz="1000" u="none" cap="none" strike="noStrike">
+                <a:solidFill>
+                  <a:schemeClr val="lt1"/>
+                </a:solidFill>
+                <a:latin typeface="Lato"/>
+                <a:ea typeface="Lato"/>
+                <a:cs typeface="Lato"/>
+                <a:sym typeface="Lato"/>
+              </a:defRPr>
             </a:lvl3pPr>
-            <a:lvl4pPr lvl="3">
-              <a:buNone/>
-              <a:defRPr/>
+            <a:lvl4pPr indent="0" lvl="3" marL="0" marR="0" algn="r">
+              <a:lnSpc>
+                <a:spcPct val="100000"/>
+              </a:lnSpc>
+              <a:spcBef>
+                <a:spcPts val="0"/>
+              </a:spcBef>
+              <a:spcAft>
+                <a:spcPts val="0"/>
+              </a:spcAft>
+              <a:buClr>
+                <a:srgbClr val="000000"/>
+              </a:buClr>
+              <a:buSzPts val="1000"/>
+              <a:buFont typeface="Arial"/>
+              <a:buNone/>
+              <a:defRPr b="0" i="0" sz="1000" u="none" cap="none" strike="noStrike">
+                <a:solidFill>
+                  <a:schemeClr val="lt1"/>
+                </a:solidFill>
+                <a:latin typeface="Lato"/>
+                <a:ea typeface="Lato"/>
+                <a:cs typeface="Lato"/>
+                <a:sym typeface="Lato"/>
+              </a:defRPr>
             </a:lvl4pPr>
-            <a:lvl5pPr lvl="4">
-              <a:buNone/>
-              <a:defRPr/>
+            <a:lvl5pPr indent="0" lvl="4" marL="0" marR="0" algn="r">
+              <a:lnSpc>
+                <a:spcPct val="100000"/>
+              </a:lnSpc>
+              <a:spcBef>
+                <a:spcPts val="0"/>
+              </a:spcBef>
+              <a:spcAft>
+                <a:spcPts val="0"/>
+              </a:spcAft>
+              <a:buClr>
+                <a:srgbClr val="000000"/>
+              </a:buClr>
+              <a:buSzPts val="1000"/>
+              <a:buFont typeface="Arial"/>
+              <a:buNone/>
+              <a:defRPr b="0" i="0" sz="1000" u="none" cap="none" strike="noStrike">
+                <a:solidFill>
+                  <a:schemeClr val="lt1"/>
+                </a:solidFill>
+                <a:latin typeface="Lato"/>
+                <a:ea typeface="Lato"/>
+                <a:cs typeface="Lato"/>
+                <a:sym typeface="Lato"/>
+              </a:defRPr>
             </a:lvl5pPr>
-            <a:lvl6pPr lvl="5">
-              <a:buNone/>
-              <a:defRPr/>
+            <a:lvl6pPr indent="0" lvl="5" marL="0" marR="0" algn="r">
+              <a:lnSpc>
+                <a:spcPct val="100000"/>
+              </a:lnSpc>
+              <a:spcBef>
+                <a:spcPts val="0"/>
+              </a:spcBef>
+              <a:spcAft>
+                <a:spcPts val="0"/>
+              </a:spcAft>
+              <a:buClr>
+                <a:srgbClr val="000000"/>
+              </a:buClr>
+              <a:buSzPts val="1000"/>
+              <a:buFont typeface="Arial"/>
+              <a:buNone/>
+              <a:defRPr b="0" i="0" sz="1000" u="none" cap="none" strike="noStrike">
+                <a:solidFill>
+                  <a:schemeClr val="lt1"/>
+                </a:solidFill>
+                <a:latin typeface="Lato"/>
+                <a:ea typeface="Lato"/>
+                <a:cs typeface="Lato"/>
+                <a:sym typeface="Lato"/>
+              </a:defRPr>
             </a:lvl6pPr>
-            <a:lvl7pPr lvl="6">
-              <a:buNone/>
-              <a:defRPr/>
+            <a:lvl7pPr indent="0" lvl="6" marL="0" marR="0" algn="r">
+              <a:lnSpc>
+                <a:spcPct val="100000"/>
+              </a:lnSpc>
+              <a:spcBef>
+                <a:spcPts val="0"/>
+              </a:spcBef>
+              <a:spcAft>
+                <a:spcPts val="0"/>
+              </a:spcAft>
+              <a:buClr>
+                <a:srgbClr val="000000"/>
+              </a:buClr>
+              <a:buSzPts val="1000"/>
+              <a:buFont typeface="Arial"/>
+              <a:buNone/>
+              <a:defRPr b="0" i="0" sz="1000" u="none" cap="none" strike="noStrike">
+                <a:solidFill>
+                  <a:schemeClr val="lt1"/>
+                </a:solidFill>
+                <a:latin typeface="Lato"/>
+                <a:ea typeface="Lato"/>
+                <a:cs typeface="Lato"/>
+                <a:sym typeface="Lato"/>
+              </a:defRPr>
             </a:lvl7pPr>
-            <a:lvl8pPr lvl="7">
-              <a:buNone/>
-              <a:defRPr/>
+            <a:lvl8pPr indent="0" lvl="7" marL="0" marR="0" algn="r">
+              <a:lnSpc>
+                <a:spcPct val="100000"/>
+              </a:lnSpc>
+              <a:spcBef>
+                <a:spcPts val="0"/>
+              </a:spcBef>
+              <a:spcAft>
+                <a:spcPts val="0"/>
+              </a:spcAft>
+              <a:buClr>
+                <a:srgbClr val="000000"/>
+              </a:buClr>
+              <a:buSzPts val="1000"/>
+              <a:buFont typeface="Arial"/>
+              <a:buNone/>
+              <a:defRPr b="0" i="0" sz="1000" u="none" cap="none" strike="noStrike">
+                <a:solidFill>
+                  <a:schemeClr val="lt1"/>
+                </a:solidFill>
+                <a:latin typeface="Lato"/>
+                <a:ea typeface="Lato"/>
+                <a:cs typeface="Lato"/>
+                <a:sym typeface="Lato"/>
+              </a:defRPr>
             </a:lvl8pPr>
-            <a:lvl9pPr lvl="8">
-              <a:buNone/>
-              <a:defRPr/>
+            <a:lvl9pPr indent="0" lvl="8" marL="0" marR="0" algn="r">
+              <a:lnSpc>
+                <a:spcPct val="100000"/>
+              </a:lnSpc>
+              <a:spcBef>
+                <a:spcPts val="0"/>
+              </a:spcBef>
+              <a:spcAft>
+                <a:spcPts val="0"/>
+              </a:spcAft>
+              <a:buClr>
+                <a:srgbClr val="000000"/>
+              </a:buClr>
+              <a:buSzPts val="1000"/>
+              <a:buFont typeface="Arial"/>
+              <a:buNone/>
+              <a:defRPr b="0" i="0" sz="1000" u="none" cap="none" strike="noStrike">
+                <a:solidFill>
+                  <a:schemeClr val="lt1"/>
+                </a:solidFill>
+                <a:latin typeface="Lato"/>
+                <a:ea typeface="Lato"/>
+                <a:cs typeface="Lato"/>
+                <a:sym typeface="Lato"/>
+              </a:defRPr>
             </a:lvl9pPr>
           </a:lstStyle>
           <a:p>
@@ -3071,13 +4370,20 @@
           <a:prstGeom prst="rect">
             <a:avLst/>
           </a:prstGeom>
+          <a:noFill/>
+          <a:ln>
+            <a:noFill/>
+          </a:ln>
         </p:spPr>
         <p:txBody>
           <a:bodyPr anchorCtr="0" anchor="t" bIns="91425" lIns="91425" spcFirstLastPara="1" rIns="91425" wrap="square" tIns="91425">
             <a:normAutofit/>
           </a:bodyPr>
           <a:lstStyle>
-            <a:lvl1pPr lvl="0">
+            <a:lvl1pPr lvl="0" algn="l">
+              <a:lnSpc>
+                <a:spcPct val="100000"/>
+              </a:lnSpc>
               <a:spcBef>
                 <a:spcPts val="0"/>
               </a:spcBef>
@@ -3088,7 +4394,10 @@
               <a:buNone/>
               <a:defRPr/>
             </a:lvl1pPr>
-            <a:lvl2pPr lvl="1">
+            <a:lvl2pPr lvl="1" algn="l">
+              <a:lnSpc>
+                <a:spcPct val="100000"/>
+              </a:lnSpc>
               <a:spcBef>
                 <a:spcPts val="0"/>
               </a:spcBef>
@@ -3099,7 +4408,10 @@
               <a:buNone/>
               <a:defRPr/>
             </a:lvl2pPr>
-            <a:lvl3pPr lvl="2">
+            <a:lvl3pPr lvl="2" algn="l">
+              <a:lnSpc>
+                <a:spcPct val="100000"/>
+              </a:lnSpc>
               <a:spcBef>
                 <a:spcPts val="0"/>
               </a:spcBef>
@@ -3110,7 +4422,10 @@
               <a:buNone/>
               <a:defRPr/>
             </a:lvl3pPr>
-            <a:lvl4pPr lvl="3">
+            <a:lvl4pPr lvl="3" algn="l">
+              <a:lnSpc>
+                <a:spcPct val="100000"/>
+              </a:lnSpc>
               <a:spcBef>
                 <a:spcPts val="0"/>
               </a:spcBef>
@@ -3121,7 +4436,10 @@
               <a:buNone/>
               <a:defRPr/>
             </a:lvl4pPr>
-            <a:lvl5pPr lvl="4">
+            <a:lvl5pPr lvl="4" algn="l">
+              <a:lnSpc>
+                <a:spcPct val="100000"/>
+              </a:lnSpc>
               <a:spcBef>
                 <a:spcPts val="0"/>
               </a:spcBef>
@@ -3132,7 +4450,10 @@
               <a:buNone/>
               <a:defRPr/>
             </a:lvl5pPr>
-            <a:lvl6pPr lvl="5">
+            <a:lvl6pPr lvl="5" algn="l">
+              <a:lnSpc>
+                <a:spcPct val="100000"/>
+              </a:lnSpc>
               <a:spcBef>
                 <a:spcPts val="0"/>
               </a:spcBef>
@@ -3143,7 +4464,10 @@
               <a:buNone/>
               <a:defRPr/>
             </a:lvl6pPr>
-            <a:lvl7pPr lvl="6">
+            <a:lvl7pPr lvl="6" algn="l">
+              <a:lnSpc>
+                <a:spcPct val="100000"/>
+              </a:lnSpc>
               <a:spcBef>
                 <a:spcPts val="0"/>
               </a:spcBef>
@@ -3154,7 +4478,10 @@
               <a:buNone/>
               <a:defRPr/>
             </a:lvl7pPr>
-            <a:lvl8pPr lvl="7">
+            <a:lvl8pPr lvl="7" algn="l">
+              <a:lnSpc>
+                <a:spcPct val="100000"/>
+              </a:lnSpc>
               <a:spcBef>
                 <a:spcPts val="0"/>
               </a:spcBef>
@@ -3165,7 +4492,10 @@
               <a:buNone/>
               <a:defRPr/>
             </a:lvl8pPr>
-            <a:lvl9pPr lvl="8">
+            <a:lvl9pPr lvl="8" algn="l">
+              <a:lnSpc>
+                <a:spcPct val="100000"/>
+              </a:lnSpc>
               <a:spcBef>
                 <a:spcPts val="0"/>
               </a:spcBef>
@@ -3196,13 +4526,20 @@
           <a:prstGeom prst="rect">
             <a:avLst/>
           </a:prstGeom>
+          <a:noFill/>
+          <a:ln>
+            <a:noFill/>
+          </a:ln>
         </p:spPr>
         <p:txBody>
           <a:bodyPr anchorCtr="0" anchor="t" bIns="91425" lIns="91425" spcFirstLastPara="1" rIns="91425" wrap="square" tIns="91425">
             <a:normAutofit/>
           </a:bodyPr>
           <a:lstStyle>
-            <a:lvl1pPr indent="-317500" lvl="0" marL="457200">
+            <a:lvl1pPr indent="-317500" lvl="0" marL="457200" algn="l">
+              <a:lnSpc>
+                <a:spcPct val="115000"/>
+              </a:lnSpc>
               <a:spcBef>
                 <a:spcPts val="0"/>
               </a:spcBef>
@@ -3213,7 +4550,10 @@
               <a:buChar char="●"/>
               <a:defRPr sz="1400"/>
             </a:lvl1pPr>
-            <a:lvl2pPr indent="-304800" lvl="1" marL="914400">
+            <a:lvl2pPr indent="-304800" lvl="1" marL="914400" algn="l">
+              <a:lnSpc>
+                <a:spcPct val="115000"/>
+              </a:lnSpc>
               <a:spcBef>
                 <a:spcPts val="0"/>
               </a:spcBef>
@@ -3224,7 +4564,10 @@
               <a:buChar char="○"/>
               <a:defRPr sz="1200"/>
             </a:lvl2pPr>
-            <a:lvl3pPr indent="-304800" lvl="2" marL="1371600">
+            <a:lvl3pPr indent="-304800" lvl="2" marL="1371600" algn="l">
+              <a:lnSpc>
+                <a:spcPct val="115000"/>
+              </a:lnSpc>
               <a:spcBef>
                 <a:spcPts val="0"/>
               </a:spcBef>
@@ -3235,7 +4578,10 @@
               <a:buChar char="■"/>
               <a:defRPr sz="1200"/>
             </a:lvl3pPr>
-            <a:lvl4pPr indent="-304800" lvl="3" marL="1828800">
+            <a:lvl4pPr indent="-304800" lvl="3" marL="1828800" algn="l">
+              <a:lnSpc>
+                <a:spcPct val="115000"/>
+              </a:lnSpc>
               <a:spcBef>
                 <a:spcPts val="0"/>
               </a:spcBef>
@@ -3246,7 +4592,10 @@
               <a:buChar char="●"/>
               <a:defRPr sz="1200"/>
             </a:lvl4pPr>
-            <a:lvl5pPr indent="-304800" lvl="4" marL="2286000">
+            <a:lvl5pPr indent="-304800" lvl="4" marL="2286000" algn="l">
+              <a:lnSpc>
+                <a:spcPct val="115000"/>
+              </a:lnSpc>
               <a:spcBef>
                 <a:spcPts val="0"/>
               </a:spcBef>
@@ -3257,7 +4606,10 @@
               <a:buChar char="○"/>
               <a:defRPr sz="1200"/>
             </a:lvl5pPr>
-            <a:lvl6pPr indent="-304800" lvl="5" marL="2743200">
+            <a:lvl6pPr indent="-304800" lvl="5" marL="2743200" algn="l">
+              <a:lnSpc>
+                <a:spcPct val="115000"/>
+              </a:lnSpc>
               <a:spcBef>
                 <a:spcPts val="0"/>
               </a:spcBef>
@@ -3268,7 +4620,10 @@
               <a:buChar char="■"/>
               <a:defRPr sz="1200"/>
             </a:lvl6pPr>
-            <a:lvl7pPr indent="-304800" lvl="6" marL="3200400">
+            <a:lvl7pPr indent="-304800" lvl="6" marL="3200400" algn="l">
+              <a:lnSpc>
+                <a:spcPct val="115000"/>
+              </a:lnSpc>
               <a:spcBef>
                 <a:spcPts val="0"/>
               </a:spcBef>
@@ -3279,7 +4634,10 @@
               <a:buChar char="●"/>
               <a:defRPr sz="1200"/>
             </a:lvl7pPr>
-            <a:lvl8pPr indent="-304800" lvl="7" marL="3657600">
+            <a:lvl8pPr indent="-304800" lvl="7" marL="3657600" algn="l">
+              <a:lnSpc>
+                <a:spcPct val="115000"/>
+              </a:lnSpc>
               <a:spcBef>
                 <a:spcPts val="0"/>
               </a:spcBef>
@@ -3290,7 +4648,10 @@
               <a:buChar char="○"/>
               <a:defRPr sz="1200"/>
             </a:lvl8pPr>
-            <a:lvl9pPr indent="-304800" lvl="8" marL="4114800">
+            <a:lvl9pPr indent="-304800" lvl="8" marL="4114800" algn="l">
+              <a:lnSpc>
+                <a:spcPct val="115000"/>
+              </a:lnSpc>
               <a:spcBef>
                 <a:spcPts val="0"/>
               </a:spcBef>
@@ -3321,13 +4682,20 @@
           <a:prstGeom prst="rect">
             <a:avLst/>
           </a:prstGeom>
+          <a:noFill/>
+          <a:ln>
+            <a:noFill/>
+          </a:ln>
         </p:spPr>
         <p:txBody>
           <a:bodyPr anchorCtr="0" anchor="t" bIns="91425" lIns="91425" spcFirstLastPara="1" rIns="91425" wrap="square" tIns="91425">
             <a:normAutofit/>
           </a:bodyPr>
           <a:lstStyle>
-            <a:lvl1pPr indent="-317500" lvl="0" marL="457200">
+            <a:lvl1pPr indent="-317500" lvl="0" marL="457200" algn="l">
+              <a:lnSpc>
+                <a:spcPct val="115000"/>
+              </a:lnSpc>
               <a:spcBef>
                 <a:spcPts val="0"/>
               </a:spcBef>
@@ -3338,7 +4706,10 @@
               <a:buChar char="●"/>
               <a:defRPr sz="1400"/>
             </a:lvl1pPr>
-            <a:lvl2pPr indent="-304800" lvl="1" marL="914400">
+            <a:lvl2pPr indent="-304800" lvl="1" marL="914400" algn="l">
+              <a:lnSpc>
+                <a:spcPct val="115000"/>
+              </a:lnSpc>
               <a:spcBef>
                 <a:spcPts val="0"/>
               </a:spcBef>
@@ -3349,7 +4720,10 @@
               <a:buChar char="○"/>
               <a:defRPr sz="1200"/>
             </a:lvl2pPr>
-            <a:lvl3pPr indent="-304800" lvl="2" marL="1371600">
+            <a:lvl3pPr indent="-304800" lvl="2" marL="1371600" algn="l">
+              <a:lnSpc>
+                <a:spcPct val="115000"/>
+              </a:lnSpc>
               <a:spcBef>
                 <a:spcPts val="0"/>
               </a:spcBef>
@@ -3360,7 +4734,10 @@
               <a:buChar char="■"/>
               <a:defRPr sz="1200"/>
             </a:lvl3pPr>
-            <a:lvl4pPr indent="-304800" lvl="3" marL="1828800">
+            <a:lvl4pPr indent="-304800" lvl="3" marL="1828800" algn="l">
+              <a:lnSpc>
+                <a:spcPct val="115000"/>
+              </a:lnSpc>
               <a:spcBef>
                 <a:spcPts val="0"/>
               </a:spcBef>
@@ -3371,7 +4748,10 @@
               <a:buChar char="●"/>
               <a:defRPr sz="1200"/>
             </a:lvl4pPr>
-            <a:lvl5pPr indent="-304800" lvl="4" marL="2286000">
+            <a:lvl5pPr indent="-304800" lvl="4" marL="2286000" algn="l">
+              <a:lnSpc>
+                <a:spcPct val="115000"/>
+              </a:lnSpc>
               <a:spcBef>
                 <a:spcPts val="0"/>
               </a:spcBef>
@@ -3382,7 +4762,10 @@
               <a:buChar char="○"/>
               <a:defRPr sz="1200"/>
             </a:lvl5pPr>
-            <a:lvl6pPr indent="-304800" lvl="5" marL="2743200">
+            <a:lvl6pPr indent="-304800" lvl="5" marL="2743200" algn="l">
+              <a:lnSpc>
+                <a:spcPct val="115000"/>
+              </a:lnSpc>
               <a:spcBef>
                 <a:spcPts val="0"/>
               </a:spcBef>
@@ -3393,7 +4776,10 @@
               <a:buChar char="■"/>
               <a:defRPr sz="1200"/>
             </a:lvl6pPr>
-            <a:lvl7pPr indent="-304800" lvl="6" marL="3200400">
+            <a:lvl7pPr indent="-304800" lvl="6" marL="3200400" algn="l">
+              <a:lnSpc>
+                <a:spcPct val="115000"/>
+              </a:lnSpc>
               <a:spcBef>
                 <a:spcPts val="0"/>
               </a:spcBef>
@@ -3404,7 +4790,10 @@
               <a:buChar char="●"/>
               <a:defRPr sz="1200"/>
             </a:lvl7pPr>
-            <a:lvl8pPr indent="-304800" lvl="7" marL="3657600">
+            <a:lvl8pPr indent="-304800" lvl="7" marL="3657600" algn="l">
+              <a:lnSpc>
+                <a:spcPct val="115000"/>
+              </a:lnSpc>
               <a:spcBef>
                 <a:spcPts val="0"/>
               </a:spcBef>
@@ -3415,7 +4804,10 @@
               <a:buChar char="○"/>
               <a:defRPr sz="1200"/>
             </a:lvl8pPr>
-            <a:lvl9pPr indent="-304800" lvl="8" marL="4114800">
+            <a:lvl9pPr indent="-304800" lvl="8" marL="4114800" algn="l">
+              <a:lnSpc>
+                <a:spcPct val="115000"/>
+              </a:lnSpc>
               <a:spcBef>
                 <a:spcPts val="0"/>
               </a:spcBef>
@@ -3446,47 +4838,249 @@
           <a:prstGeom prst="rect">
             <a:avLst/>
           </a:prstGeom>
+          <a:noFill/>
+          <a:ln>
+            <a:noFill/>
+          </a:ln>
         </p:spPr>
         <p:txBody>
           <a:bodyPr anchorCtr="0" anchor="ctr" bIns="91425" lIns="91425" spcFirstLastPara="1" rIns="91425" wrap="square" tIns="91425">
             <a:normAutofit/>
           </a:bodyPr>
           <a:lstStyle>
-            <a:lvl1pPr lvl="0">
-              <a:buNone/>
-              <a:defRPr/>
+            <a:lvl1pPr indent="0" lvl="0" marL="0" marR="0" algn="r">
+              <a:lnSpc>
+                <a:spcPct val="100000"/>
+              </a:lnSpc>
+              <a:spcBef>
+                <a:spcPts val="0"/>
+              </a:spcBef>
+              <a:spcAft>
+                <a:spcPts val="0"/>
+              </a:spcAft>
+              <a:buClr>
+                <a:srgbClr val="000000"/>
+              </a:buClr>
+              <a:buSzPts val="1000"/>
+              <a:buFont typeface="Arial"/>
+              <a:buNone/>
+              <a:defRPr b="0" i="0" sz="1000" u="none" cap="none" strike="noStrike">
+                <a:solidFill>
+                  <a:schemeClr val="dk2"/>
+                </a:solidFill>
+                <a:latin typeface="Lato"/>
+                <a:ea typeface="Lato"/>
+                <a:cs typeface="Lato"/>
+                <a:sym typeface="Lato"/>
+              </a:defRPr>
             </a:lvl1pPr>
-            <a:lvl2pPr lvl="1">
-              <a:buNone/>
-              <a:defRPr/>
+            <a:lvl2pPr indent="0" lvl="1" marL="0" marR="0" algn="r">
+              <a:lnSpc>
+                <a:spcPct val="100000"/>
+              </a:lnSpc>
+              <a:spcBef>
+                <a:spcPts val="0"/>
+              </a:spcBef>
+              <a:spcAft>
+                <a:spcPts val="0"/>
+              </a:spcAft>
+              <a:buClr>
+                <a:srgbClr val="000000"/>
+              </a:buClr>
+              <a:buSzPts val="1000"/>
+              <a:buFont typeface="Arial"/>
+              <a:buNone/>
+              <a:defRPr b="0" i="0" sz="1000" u="none" cap="none" strike="noStrike">
+                <a:solidFill>
+                  <a:schemeClr val="dk2"/>
+                </a:solidFill>
+                <a:latin typeface="Lato"/>
+                <a:ea typeface="Lato"/>
+                <a:cs typeface="Lato"/>
+                <a:sym typeface="Lato"/>
+              </a:defRPr>
             </a:lvl2pPr>
-            <a:lvl3pPr lvl="2">
-              <a:buNone/>
-              <a:defRPr/>
+            <a:lvl3pPr indent="0" lvl="2" marL="0" marR="0" algn="r">
+              <a:lnSpc>
+                <a:spcPct val="100000"/>
+              </a:lnSpc>
+              <a:spcBef>
+                <a:spcPts val="0"/>
+              </a:spcBef>
+              <a:spcAft>
+                <a:spcPts val="0"/>
+              </a:spcAft>
+              <a:buClr>
+                <a:srgbClr val="000000"/>
+              </a:buClr>
+              <a:buSzPts val="1000"/>
+              <a:buFont typeface="Arial"/>
+              <a:buNone/>
+              <a:defRPr b="0" i="0" sz="1000" u="none" cap="none" strike="noStrike">
+                <a:solidFill>
+                  <a:schemeClr val="dk2"/>
+                </a:solidFill>
+                <a:latin typeface="Lato"/>
+                <a:ea typeface="Lato"/>
+                <a:cs typeface="Lato"/>
+                <a:sym typeface="Lato"/>
+              </a:defRPr>
             </a:lvl3pPr>
-            <a:lvl4pPr lvl="3">
-              <a:buNone/>
-              <a:defRPr/>
+            <a:lvl4pPr indent="0" lvl="3" marL="0" marR="0" algn="r">
+              <a:lnSpc>
+                <a:spcPct val="100000"/>
+              </a:lnSpc>
+              <a:spcBef>
+                <a:spcPts val="0"/>
+              </a:spcBef>
+              <a:spcAft>
+                <a:spcPts val="0"/>
+              </a:spcAft>
+              <a:buClr>
+                <a:srgbClr val="000000"/>
+              </a:buClr>
+              <a:buSzPts val="1000"/>
+              <a:buFont typeface="Arial"/>
+              <a:buNone/>
+              <a:defRPr b="0" i="0" sz="1000" u="none" cap="none" strike="noStrike">
+                <a:solidFill>
+                  <a:schemeClr val="dk2"/>
+                </a:solidFill>
+                <a:latin typeface="Lato"/>
+                <a:ea typeface="Lato"/>
+                <a:cs typeface="Lato"/>
+                <a:sym typeface="Lato"/>
+              </a:defRPr>
             </a:lvl4pPr>
-            <a:lvl5pPr lvl="4">
-              <a:buNone/>
-              <a:defRPr/>
+            <a:lvl5pPr indent="0" lvl="4" marL="0" marR="0" algn="r">
+              <a:lnSpc>
+                <a:spcPct val="100000"/>
+              </a:lnSpc>
+              <a:spcBef>
+                <a:spcPts val="0"/>
+              </a:spcBef>
+              <a:spcAft>
+                <a:spcPts val="0"/>
+              </a:spcAft>
+              <a:buClr>
+                <a:srgbClr val="000000"/>
+              </a:buClr>
+              <a:buSzPts val="1000"/>
+              <a:buFont typeface="Arial"/>
+              <a:buNone/>
+              <a:defRPr b="0" i="0" sz="1000" u="none" cap="none" strike="noStrike">
+                <a:solidFill>
+                  <a:schemeClr val="dk2"/>
+                </a:solidFill>
+                <a:latin typeface="Lato"/>
+                <a:ea typeface="Lato"/>
+                <a:cs typeface="Lato"/>
+                <a:sym typeface="Lato"/>
+              </a:defRPr>
             </a:lvl5pPr>
-            <a:lvl6pPr lvl="5">
-              <a:buNone/>
-              <a:defRPr/>
+            <a:lvl6pPr indent="0" lvl="5" marL="0" marR="0" algn="r">
+              <a:lnSpc>
+                <a:spcPct val="100000"/>
+              </a:lnSpc>
+              <a:spcBef>
+                <a:spcPts val="0"/>
+              </a:spcBef>
+              <a:spcAft>
+                <a:spcPts val="0"/>
+              </a:spcAft>
+              <a:buClr>
+                <a:srgbClr val="000000"/>
+              </a:buClr>
+              <a:buSzPts val="1000"/>
+              <a:buFont typeface="Arial"/>
+              <a:buNone/>
+              <a:defRPr b="0" i="0" sz="1000" u="none" cap="none" strike="noStrike">
+                <a:solidFill>
+                  <a:schemeClr val="dk2"/>
+                </a:solidFill>
+                <a:latin typeface="Lato"/>
+                <a:ea typeface="Lato"/>
+                <a:cs typeface="Lato"/>
+                <a:sym typeface="Lato"/>
+              </a:defRPr>
             </a:lvl6pPr>
-            <a:lvl7pPr lvl="6">
-              <a:buNone/>
-              <a:defRPr/>
+            <a:lvl7pPr indent="0" lvl="6" marL="0" marR="0" algn="r">
+              <a:lnSpc>
+                <a:spcPct val="100000"/>
+              </a:lnSpc>
+              <a:spcBef>
+                <a:spcPts val="0"/>
+              </a:spcBef>
+              <a:spcAft>
+                <a:spcPts val="0"/>
+              </a:spcAft>
+              <a:buClr>
+                <a:srgbClr val="000000"/>
+              </a:buClr>
+              <a:buSzPts val="1000"/>
+              <a:buFont typeface="Arial"/>
+              <a:buNone/>
+              <a:defRPr b="0" i="0" sz="1000" u="none" cap="none" strike="noStrike">
+                <a:solidFill>
+                  <a:schemeClr val="dk2"/>
+                </a:solidFill>
+                <a:latin typeface="Lato"/>
+                <a:ea typeface="Lato"/>
+                <a:cs typeface="Lato"/>
+                <a:sym typeface="Lato"/>
+              </a:defRPr>
             </a:lvl7pPr>
-            <a:lvl8pPr lvl="7">
-              <a:buNone/>
-              <a:defRPr/>
+            <a:lvl8pPr indent="0" lvl="7" marL="0" marR="0" algn="r">
+              <a:lnSpc>
+                <a:spcPct val="100000"/>
+              </a:lnSpc>
+              <a:spcBef>
+                <a:spcPts val="0"/>
+              </a:spcBef>
+              <a:spcAft>
+                <a:spcPts val="0"/>
+              </a:spcAft>
+              <a:buClr>
+                <a:srgbClr val="000000"/>
+              </a:buClr>
+              <a:buSzPts val="1000"/>
+              <a:buFont typeface="Arial"/>
+              <a:buNone/>
+              <a:defRPr b="0" i="0" sz="1000" u="none" cap="none" strike="noStrike">
+                <a:solidFill>
+                  <a:schemeClr val="dk2"/>
+                </a:solidFill>
+                <a:latin typeface="Lato"/>
+                <a:ea typeface="Lato"/>
+                <a:cs typeface="Lato"/>
+                <a:sym typeface="Lato"/>
+              </a:defRPr>
             </a:lvl8pPr>
-            <a:lvl9pPr lvl="8">
-              <a:buNone/>
-              <a:defRPr/>
+            <a:lvl9pPr indent="0" lvl="8" marL="0" marR="0" algn="r">
+              <a:lnSpc>
+                <a:spcPct val="100000"/>
+              </a:lnSpc>
+              <a:spcBef>
+                <a:spcPts val="0"/>
+              </a:spcBef>
+              <a:spcAft>
+                <a:spcPts val="0"/>
+              </a:spcAft>
+              <a:buClr>
+                <a:srgbClr val="000000"/>
+              </a:buClr>
+              <a:buSzPts val="1000"/>
+              <a:buFont typeface="Arial"/>
+              <a:buNone/>
+              <a:defRPr b="0" i="0" sz="1000" u="none" cap="none" strike="noStrike">
+                <a:solidFill>
+                  <a:schemeClr val="dk2"/>
+                </a:solidFill>
+                <a:latin typeface="Lato"/>
+                <a:ea typeface="Lato"/>
+                <a:cs typeface="Lato"/>
+                <a:sym typeface="Lato"/>
+              </a:defRPr>
             </a:lvl9pPr>
           </a:lstStyle>
           <a:p>
@@ -3548,13 +5142,20 @@
           <a:prstGeom prst="rect">
             <a:avLst/>
           </a:prstGeom>
+          <a:noFill/>
+          <a:ln>
+            <a:noFill/>
+          </a:ln>
         </p:spPr>
         <p:txBody>
           <a:bodyPr anchorCtr="0" anchor="t" bIns="91425" lIns="91425" spcFirstLastPara="1" rIns="91425" wrap="square" tIns="91425">
             <a:normAutofit/>
           </a:bodyPr>
           <a:lstStyle>
-            <a:lvl1pPr lvl="0">
+            <a:lvl1pPr lvl="0" algn="l">
+              <a:lnSpc>
+                <a:spcPct val="100000"/>
+              </a:lnSpc>
               <a:spcBef>
                 <a:spcPts val="0"/>
               </a:spcBef>
@@ -3565,7 +5166,10 @@
               <a:buNone/>
               <a:defRPr/>
             </a:lvl1pPr>
-            <a:lvl2pPr lvl="1">
+            <a:lvl2pPr lvl="1" algn="l">
+              <a:lnSpc>
+                <a:spcPct val="100000"/>
+              </a:lnSpc>
               <a:spcBef>
                 <a:spcPts val="0"/>
               </a:spcBef>
@@ -3576,7 +5180,10 @@
               <a:buNone/>
               <a:defRPr/>
             </a:lvl2pPr>
-            <a:lvl3pPr lvl="2">
+            <a:lvl3pPr lvl="2" algn="l">
+              <a:lnSpc>
+                <a:spcPct val="100000"/>
+              </a:lnSpc>
               <a:spcBef>
                 <a:spcPts val="0"/>
               </a:spcBef>
@@ -3587,7 +5194,10 @@
               <a:buNone/>
               <a:defRPr/>
             </a:lvl3pPr>
-            <a:lvl4pPr lvl="3">
+            <a:lvl4pPr lvl="3" algn="l">
+              <a:lnSpc>
+                <a:spcPct val="100000"/>
+              </a:lnSpc>
               <a:spcBef>
                 <a:spcPts val="0"/>
               </a:spcBef>
@@ -3598,7 +5208,10 @@
               <a:buNone/>
               <a:defRPr/>
             </a:lvl4pPr>
-            <a:lvl5pPr lvl="4">
+            <a:lvl5pPr lvl="4" algn="l">
+              <a:lnSpc>
+                <a:spcPct val="100000"/>
+              </a:lnSpc>
               <a:spcBef>
                 <a:spcPts val="0"/>
               </a:spcBef>
@@ -3609,7 +5222,10 @@
               <a:buNone/>
               <a:defRPr/>
             </a:lvl5pPr>
-            <a:lvl6pPr lvl="5">
+            <a:lvl6pPr lvl="5" algn="l">
+              <a:lnSpc>
+                <a:spcPct val="100000"/>
+              </a:lnSpc>
               <a:spcBef>
                 <a:spcPts val="0"/>
               </a:spcBef>
@@ -3620,7 +5236,10 @@
               <a:buNone/>
               <a:defRPr/>
             </a:lvl6pPr>
-            <a:lvl7pPr lvl="6">
+            <a:lvl7pPr lvl="6" algn="l">
+              <a:lnSpc>
+                <a:spcPct val="100000"/>
+              </a:lnSpc>
               <a:spcBef>
                 <a:spcPts val="0"/>
               </a:spcBef>
@@ -3631,7 +5250,10 @@
               <a:buNone/>
               <a:defRPr/>
             </a:lvl7pPr>
-            <a:lvl8pPr lvl="7">
+            <a:lvl8pPr lvl="7" algn="l">
+              <a:lnSpc>
+                <a:spcPct val="100000"/>
+              </a:lnSpc>
               <a:spcBef>
                 <a:spcPts val="0"/>
               </a:spcBef>
@@ -3642,7 +5264,10 @@
               <a:buNone/>
               <a:defRPr/>
             </a:lvl8pPr>
-            <a:lvl9pPr lvl="8">
+            <a:lvl9pPr lvl="8" algn="l">
+              <a:lnSpc>
+                <a:spcPct val="100000"/>
+              </a:lnSpc>
               <a:spcBef>
                 <a:spcPts val="0"/>
               </a:spcBef>
@@ -3673,47 +5298,249 @@
           <a:prstGeom prst="rect">
             <a:avLst/>
           </a:prstGeom>
+          <a:noFill/>
+          <a:ln>
+            <a:noFill/>
+          </a:ln>
         </p:spPr>
         <p:txBody>
           <a:bodyPr anchorCtr="0" anchor="ctr" bIns="91425" lIns="91425" spcFirstLastPara="1" rIns="91425" wrap="square" tIns="91425">
             <a:normAutofit/>
           </a:bodyPr>
           <a:lstStyle>
-            <a:lvl1pPr lvl="0">
-              <a:buNone/>
-              <a:defRPr/>
+            <a:lvl1pPr indent="0" lvl="0" marL="0" marR="0" algn="r">
+              <a:lnSpc>
+                <a:spcPct val="100000"/>
+              </a:lnSpc>
+              <a:spcBef>
+                <a:spcPts val="0"/>
+              </a:spcBef>
+              <a:spcAft>
+                <a:spcPts val="0"/>
+              </a:spcAft>
+              <a:buClr>
+                <a:srgbClr val="000000"/>
+              </a:buClr>
+              <a:buSzPts val="1000"/>
+              <a:buFont typeface="Arial"/>
+              <a:buNone/>
+              <a:defRPr b="0" i="0" sz="1000" u="none" cap="none" strike="noStrike">
+                <a:solidFill>
+                  <a:schemeClr val="dk2"/>
+                </a:solidFill>
+                <a:latin typeface="Lato"/>
+                <a:ea typeface="Lato"/>
+                <a:cs typeface="Lato"/>
+                <a:sym typeface="Lato"/>
+              </a:defRPr>
             </a:lvl1pPr>
-            <a:lvl2pPr lvl="1">
-              <a:buNone/>
-              <a:defRPr/>
+            <a:lvl2pPr indent="0" lvl="1" marL="0" marR="0" algn="r">
+              <a:lnSpc>
+                <a:spcPct val="100000"/>
+              </a:lnSpc>
+              <a:spcBef>
+                <a:spcPts val="0"/>
+              </a:spcBef>
+              <a:spcAft>
+                <a:spcPts val="0"/>
+              </a:spcAft>
+              <a:buClr>
+                <a:srgbClr val="000000"/>
+              </a:buClr>
+              <a:buSzPts val="1000"/>
+              <a:buFont typeface="Arial"/>
+              <a:buNone/>
+              <a:defRPr b="0" i="0" sz="1000" u="none" cap="none" strike="noStrike">
+                <a:solidFill>
+                  <a:schemeClr val="dk2"/>
+                </a:solidFill>
+                <a:latin typeface="Lato"/>
+                <a:ea typeface="Lato"/>
+                <a:cs typeface="Lato"/>
+                <a:sym typeface="Lato"/>
+              </a:defRPr>
             </a:lvl2pPr>
-            <a:lvl3pPr lvl="2">
-              <a:buNone/>
-              <a:defRPr/>
+            <a:lvl3pPr indent="0" lvl="2" marL="0" marR="0" algn="r">
+              <a:lnSpc>
+                <a:spcPct val="100000"/>
+              </a:lnSpc>
+              <a:spcBef>
+                <a:spcPts val="0"/>
+              </a:spcBef>
+              <a:spcAft>
+                <a:spcPts val="0"/>
+              </a:spcAft>
+              <a:buClr>
+                <a:srgbClr val="000000"/>
+              </a:buClr>
+              <a:buSzPts val="1000"/>
+              <a:buFont typeface="Arial"/>
+              <a:buNone/>
+              <a:defRPr b="0" i="0" sz="1000" u="none" cap="none" strike="noStrike">
+                <a:solidFill>
+                  <a:schemeClr val="dk2"/>
+                </a:solidFill>
+                <a:latin typeface="Lato"/>
+                <a:ea typeface="Lato"/>
+                <a:cs typeface="Lato"/>
+                <a:sym typeface="Lato"/>
+              </a:defRPr>
             </a:lvl3pPr>
-            <a:lvl4pPr lvl="3">
-              <a:buNone/>
-              <a:defRPr/>
+            <a:lvl4pPr indent="0" lvl="3" marL="0" marR="0" algn="r">
+              <a:lnSpc>
+                <a:spcPct val="100000"/>
+              </a:lnSpc>
+              <a:spcBef>
+                <a:spcPts val="0"/>
+              </a:spcBef>
+              <a:spcAft>
+                <a:spcPts val="0"/>
+              </a:spcAft>
+              <a:buClr>
+                <a:srgbClr val="000000"/>
+              </a:buClr>
+              <a:buSzPts val="1000"/>
+              <a:buFont typeface="Arial"/>
+              <a:buNone/>
+              <a:defRPr b="0" i="0" sz="1000" u="none" cap="none" strike="noStrike">
+                <a:solidFill>
+                  <a:schemeClr val="dk2"/>
+                </a:solidFill>
+                <a:latin typeface="Lato"/>
+                <a:ea typeface="Lato"/>
+                <a:cs typeface="Lato"/>
+                <a:sym typeface="Lato"/>
+              </a:defRPr>
             </a:lvl4pPr>
-            <a:lvl5pPr lvl="4">
-              <a:buNone/>
-              <a:defRPr/>
+            <a:lvl5pPr indent="0" lvl="4" marL="0" marR="0" algn="r">
+              <a:lnSpc>
+                <a:spcPct val="100000"/>
+              </a:lnSpc>
+              <a:spcBef>
+                <a:spcPts val="0"/>
+              </a:spcBef>
+              <a:spcAft>
+                <a:spcPts val="0"/>
+              </a:spcAft>
+              <a:buClr>
+                <a:srgbClr val="000000"/>
+              </a:buClr>
+              <a:buSzPts val="1000"/>
+              <a:buFont typeface="Arial"/>
+              <a:buNone/>
+              <a:defRPr b="0" i="0" sz="1000" u="none" cap="none" strike="noStrike">
+                <a:solidFill>
+                  <a:schemeClr val="dk2"/>
+                </a:solidFill>
+                <a:latin typeface="Lato"/>
+                <a:ea typeface="Lato"/>
+                <a:cs typeface="Lato"/>
+                <a:sym typeface="Lato"/>
+              </a:defRPr>
             </a:lvl5pPr>
-            <a:lvl6pPr lvl="5">
-              <a:buNone/>
-              <a:defRPr/>
+            <a:lvl6pPr indent="0" lvl="5" marL="0" marR="0" algn="r">
+              <a:lnSpc>
+                <a:spcPct val="100000"/>
+              </a:lnSpc>
+              <a:spcBef>
+                <a:spcPts val="0"/>
+              </a:spcBef>
+              <a:spcAft>
+                <a:spcPts val="0"/>
+              </a:spcAft>
+              <a:buClr>
+                <a:srgbClr val="000000"/>
+              </a:buClr>
+              <a:buSzPts val="1000"/>
+              <a:buFont typeface="Arial"/>
+              <a:buNone/>
+              <a:defRPr b="0" i="0" sz="1000" u="none" cap="none" strike="noStrike">
+                <a:solidFill>
+                  <a:schemeClr val="dk2"/>
+                </a:solidFill>
+                <a:latin typeface="Lato"/>
+                <a:ea typeface="Lato"/>
+                <a:cs typeface="Lato"/>
+                <a:sym typeface="Lato"/>
+              </a:defRPr>
             </a:lvl6pPr>
-            <a:lvl7pPr lvl="6">
-              <a:buNone/>
-              <a:defRPr/>
+            <a:lvl7pPr indent="0" lvl="6" marL="0" marR="0" algn="r">
+              <a:lnSpc>
+                <a:spcPct val="100000"/>
+              </a:lnSpc>
+              <a:spcBef>
+                <a:spcPts val="0"/>
+              </a:spcBef>
+              <a:spcAft>
+                <a:spcPts val="0"/>
+              </a:spcAft>
+              <a:buClr>
+                <a:srgbClr val="000000"/>
+              </a:buClr>
+              <a:buSzPts val="1000"/>
+              <a:buFont typeface="Arial"/>
+              <a:buNone/>
+              <a:defRPr b="0" i="0" sz="1000" u="none" cap="none" strike="noStrike">
+                <a:solidFill>
+                  <a:schemeClr val="dk2"/>
+                </a:solidFill>
+                <a:latin typeface="Lato"/>
+                <a:ea typeface="Lato"/>
+                <a:cs typeface="Lato"/>
+                <a:sym typeface="Lato"/>
+              </a:defRPr>
             </a:lvl7pPr>
-            <a:lvl8pPr lvl="7">
-              <a:buNone/>
-              <a:defRPr/>
+            <a:lvl8pPr indent="0" lvl="7" marL="0" marR="0" algn="r">
+              <a:lnSpc>
+                <a:spcPct val="100000"/>
+              </a:lnSpc>
+              <a:spcBef>
+                <a:spcPts val="0"/>
+              </a:spcBef>
+              <a:spcAft>
+                <a:spcPts val="0"/>
+              </a:spcAft>
+              <a:buClr>
+                <a:srgbClr val="000000"/>
+              </a:buClr>
+              <a:buSzPts val="1000"/>
+              <a:buFont typeface="Arial"/>
+              <a:buNone/>
+              <a:defRPr b="0" i="0" sz="1000" u="none" cap="none" strike="noStrike">
+                <a:solidFill>
+                  <a:schemeClr val="dk2"/>
+                </a:solidFill>
+                <a:latin typeface="Lato"/>
+                <a:ea typeface="Lato"/>
+                <a:cs typeface="Lato"/>
+                <a:sym typeface="Lato"/>
+              </a:defRPr>
             </a:lvl8pPr>
-            <a:lvl9pPr lvl="8">
-              <a:buNone/>
-              <a:defRPr/>
+            <a:lvl9pPr indent="0" lvl="8" marL="0" marR="0" algn="r">
+              <a:lnSpc>
+                <a:spcPct val="100000"/>
+              </a:lnSpc>
+              <a:spcBef>
+                <a:spcPts val="0"/>
+              </a:spcBef>
+              <a:spcAft>
+                <a:spcPts val="0"/>
+              </a:spcAft>
+              <a:buClr>
+                <a:srgbClr val="000000"/>
+              </a:buClr>
+              <a:buSzPts val="1000"/>
+              <a:buFont typeface="Arial"/>
+              <a:buNone/>
+              <a:defRPr b="0" i="0" sz="1000" u="none" cap="none" strike="noStrike">
+                <a:solidFill>
+                  <a:schemeClr val="dk2"/>
+                </a:solidFill>
+                <a:latin typeface="Lato"/>
+                <a:ea typeface="Lato"/>
+                <a:cs typeface="Lato"/>
+                <a:sym typeface="Lato"/>
+              </a:defRPr>
             </a:lvl9pPr>
           </a:lstStyle>
           <a:p>
@@ -3801,13 +5628,20 @@
           <a:prstGeom prst="rect">
             <a:avLst/>
           </a:prstGeom>
+          <a:noFill/>
+          <a:ln>
+            <a:noFill/>
+          </a:ln>
         </p:spPr>
         <p:txBody>
           <a:bodyPr anchorCtr="0" anchor="b" bIns="91425" lIns="91425" spcFirstLastPara="1" rIns="91425" wrap="square" tIns="91425">
             <a:normAutofit/>
           </a:bodyPr>
           <a:lstStyle>
-            <a:lvl1pPr lvl="0">
+            <a:lvl1pPr lvl="0" algn="l">
+              <a:lnSpc>
+                <a:spcPct val="100000"/>
+              </a:lnSpc>
               <a:spcBef>
                 <a:spcPts val="0"/>
               </a:spcBef>
@@ -3818,7 +5652,10 @@
               <a:buNone/>
               <a:defRPr sz="2400"/>
             </a:lvl1pPr>
-            <a:lvl2pPr lvl="1">
+            <a:lvl2pPr lvl="1" algn="l">
+              <a:lnSpc>
+                <a:spcPct val="100000"/>
+              </a:lnSpc>
               <a:spcBef>
                 <a:spcPts val="0"/>
               </a:spcBef>
@@ -3829,7 +5666,10 @@
               <a:buNone/>
               <a:defRPr sz="2400"/>
             </a:lvl2pPr>
-            <a:lvl3pPr lvl="2">
+            <a:lvl3pPr lvl="2" algn="l">
+              <a:lnSpc>
+                <a:spcPct val="100000"/>
+              </a:lnSpc>
               <a:spcBef>
                 <a:spcPts val="0"/>
               </a:spcBef>
@@ -3840,7 +5680,10 @@
               <a:buNone/>
               <a:defRPr sz="2400"/>
             </a:lvl3pPr>
-            <a:lvl4pPr lvl="3">
+            <a:lvl4pPr lvl="3" algn="l">
+              <a:lnSpc>
+                <a:spcPct val="100000"/>
+              </a:lnSpc>
               <a:spcBef>
                 <a:spcPts val="0"/>
               </a:spcBef>
@@ -3851,7 +5694,10 @@
               <a:buNone/>
               <a:defRPr sz="2400"/>
             </a:lvl4pPr>
-            <a:lvl5pPr lvl="4">
+            <a:lvl5pPr lvl="4" algn="l">
+              <a:lnSpc>
+                <a:spcPct val="100000"/>
+              </a:lnSpc>
               <a:spcBef>
                 <a:spcPts val="0"/>
               </a:spcBef>
@@ -3862,7 +5708,10 @@
               <a:buNone/>
               <a:defRPr sz="2400"/>
             </a:lvl5pPr>
-            <a:lvl6pPr lvl="5">
+            <a:lvl6pPr lvl="5" algn="l">
+              <a:lnSpc>
+                <a:spcPct val="100000"/>
+              </a:lnSpc>
               <a:spcBef>
                 <a:spcPts val="0"/>
               </a:spcBef>
@@ -3873,7 +5722,10 @@
               <a:buNone/>
               <a:defRPr sz="2400"/>
             </a:lvl6pPr>
-            <a:lvl7pPr lvl="6">
+            <a:lvl7pPr lvl="6" algn="l">
+              <a:lnSpc>
+                <a:spcPct val="100000"/>
+              </a:lnSpc>
               <a:spcBef>
                 <a:spcPts val="0"/>
               </a:spcBef>
@@ -3884,7 +5736,10 @@
               <a:buNone/>
               <a:defRPr sz="2400"/>
             </a:lvl7pPr>
-            <a:lvl8pPr lvl="7">
+            <a:lvl8pPr lvl="7" algn="l">
+              <a:lnSpc>
+                <a:spcPct val="100000"/>
+              </a:lnSpc>
               <a:spcBef>
                 <a:spcPts val="0"/>
               </a:spcBef>
@@ -3895,7 +5750,10 @@
               <a:buNone/>
               <a:defRPr sz="2400"/>
             </a:lvl8pPr>
-            <a:lvl9pPr lvl="8">
+            <a:lvl9pPr lvl="8" algn="l">
+              <a:lnSpc>
+                <a:spcPct val="100000"/>
+              </a:lnSpc>
               <a:spcBef>
                 <a:spcPts val="0"/>
               </a:spcBef>
@@ -3926,13 +5784,20 @@
           <a:prstGeom prst="rect">
             <a:avLst/>
           </a:prstGeom>
+          <a:noFill/>
+          <a:ln>
+            <a:noFill/>
+          </a:ln>
         </p:spPr>
         <p:txBody>
           <a:bodyPr anchorCtr="0" anchor="t" bIns="91425" lIns="91425" spcFirstLastPara="1" rIns="91425" wrap="square" tIns="91425">
             <a:normAutofit/>
           </a:bodyPr>
           <a:lstStyle>
-            <a:lvl1pPr indent="-304800" lvl="0" marL="457200">
+            <a:lvl1pPr indent="-304800" lvl="0" marL="457200" algn="l">
+              <a:lnSpc>
+                <a:spcPct val="115000"/>
+              </a:lnSpc>
               <a:spcBef>
                 <a:spcPts val="0"/>
               </a:spcBef>
@@ -3943,7 +5808,10 @@
               <a:buChar char="●"/>
               <a:defRPr sz="1200"/>
             </a:lvl1pPr>
-            <a:lvl2pPr indent="-304800" lvl="1" marL="914400">
+            <a:lvl2pPr indent="-304800" lvl="1" marL="914400" algn="l">
+              <a:lnSpc>
+                <a:spcPct val="115000"/>
+              </a:lnSpc>
               <a:spcBef>
                 <a:spcPts val="0"/>
               </a:spcBef>
@@ -3954,7 +5822,10 @@
               <a:buChar char="○"/>
               <a:defRPr sz="1200"/>
             </a:lvl2pPr>
-            <a:lvl3pPr indent="-304800" lvl="2" marL="1371600">
+            <a:lvl3pPr indent="-304800" lvl="2" marL="1371600" algn="l">
+              <a:lnSpc>
+                <a:spcPct val="115000"/>
+              </a:lnSpc>
               <a:spcBef>
                 <a:spcPts val="0"/>
               </a:spcBef>
@@ -3965,7 +5836,10 @@
               <a:buChar char="■"/>
               <a:defRPr sz="1200"/>
             </a:lvl3pPr>
-            <a:lvl4pPr indent="-304800" lvl="3" marL="1828800">
+            <a:lvl4pPr indent="-304800" lvl="3" marL="1828800" algn="l">
+              <a:lnSpc>
+                <a:spcPct val="115000"/>
+              </a:lnSpc>
               <a:spcBef>
                 <a:spcPts val="0"/>
               </a:spcBef>
@@ -3976,7 +5850,10 @@
               <a:buChar char="●"/>
               <a:defRPr sz="1200"/>
             </a:lvl4pPr>
-            <a:lvl5pPr indent="-304800" lvl="4" marL="2286000">
+            <a:lvl5pPr indent="-304800" lvl="4" marL="2286000" algn="l">
+              <a:lnSpc>
+                <a:spcPct val="115000"/>
+              </a:lnSpc>
               <a:spcBef>
                 <a:spcPts val="0"/>
               </a:spcBef>
@@ -3987,7 +5864,10 @@
               <a:buChar char="○"/>
               <a:defRPr sz="1200"/>
             </a:lvl5pPr>
-            <a:lvl6pPr indent="-304800" lvl="5" marL="2743200">
+            <a:lvl6pPr indent="-304800" lvl="5" marL="2743200" algn="l">
+              <a:lnSpc>
+                <a:spcPct val="115000"/>
+              </a:lnSpc>
               <a:spcBef>
                 <a:spcPts val="0"/>
               </a:spcBef>
@@ -3998,7 +5878,10 @@
               <a:buChar char="■"/>
               <a:defRPr sz="1200"/>
             </a:lvl6pPr>
-            <a:lvl7pPr indent="-304800" lvl="6" marL="3200400">
+            <a:lvl7pPr indent="-304800" lvl="6" marL="3200400" algn="l">
+              <a:lnSpc>
+                <a:spcPct val="115000"/>
+              </a:lnSpc>
               <a:spcBef>
                 <a:spcPts val="0"/>
               </a:spcBef>
@@ -4009,7 +5892,10 @@
               <a:buChar char="●"/>
               <a:defRPr sz="1200"/>
             </a:lvl7pPr>
-            <a:lvl8pPr indent="-304800" lvl="7" marL="3657600">
+            <a:lvl8pPr indent="-304800" lvl="7" marL="3657600" algn="l">
+              <a:lnSpc>
+                <a:spcPct val="115000"/>
+              </a:lnSpc>
               <a:spcBef>
                 <a:spcPts val="0"/>
               </a:spcBef>
@@ -4020,7 +5906,10 @@
               <a:buChar char="○"/>
               <a:defRPr sz="1200"/>
             </a:lvl8pPr>
-            <a:lvl9pPr indent="-304800" lvl="8" marL="4114800">
+            <a:lvl9pPr indent="-304800" lvl="8" marL="4114800" algn="l">
+              <a:lnSpc>
+                <a:spcPct val="115000"/>
+              </a:lnSpc>
               <a:spcBef>
                 <a:spcPts val="0"/>
               </a:spcBef>
@@ -4051,47 +5940,249 @@
           <a:prstGeom prst="rect">
             <a:avLst/>
           </a:prstGeom>
+          <a:noFill/>
+          <a:ln>
+            <a:noFill/>
+          </a:ln>
         </p:spPr>
         <p:txBody>
           <a:bodyPr anchorCtr="0" anchor="ctr" bIns="91425" lIns="91425" spcFirstLastPara="1" rIns="91425" wrap="square" tIns="91425">
             <a:normAutofit/>
           </a:bodyPr>
           <a:lstStyle>
-            <a:lvl1pPr lvl="0">
-              <a:buNone/>
-              <a:defRPr/>
+            <a:lvl1pPr indent="0" lvl="0" marL="0" marR="0" algn="r">
+              <a:lnSpc>
+                <a:spcPct val="100000"/>
+              </a:lnSpc>
+              <a:spcBef>
+                <a:spcPts val="0"/>
+              </a:spcBef>
+              <a:spcAft>
+                <a:spcPts val="0"/>
+              </a:spcAft>
+              <a:buClr>
+                <a:srgbClr val="000000"/>
+              </a:buClr>
+              <a:buSzPts val="1000"/>
+              <a:buFont typeface="Arial"/>
+              <a:buNone/>
+              <a:defRPr b="0" i="0" sz="1000" u="none" cap="none" strike="noStrike">
+                <a:solidFill>
+                  <a:schemeClr val="dk2"/>
+                </a:solidFill>
+                <a:latin typeface="Lato"/>
+                <a:ea typeface="Lato"/>
+                <a:cs typeface="Lato"/>
+                <a:sym typeface="Lato"/>
+              </a:defRPr>
             </a:lvl1pPr>
-            <a:lvl2pPr lvl="1">
-              <a:buNone/>
-              <a:defRPr/>
+            <a:lvl2pPr indent="0" lvl="1" marL="0" marR="0" algn="r">
+              <a:lnSpc>
+                <a:spcPct val="100000"/>
+              </a:lnSpc>
+              <a:spcBef>
+                <a:spcPts val="0"/>
+              </a:spcBef>
+              <a:spcAft>
+                <a:spcPts val="0"/>
+              </a:spcAft>
+              <a:buClr>
+                <a:srgbClr val="000000"/>
+              </a:buClr>
+              <a:buSzPts val="1000"/>
+              <a:buFont typeface="Arial"/>
+              <a:buNone/>
+              <a:defRPr b="0" i="0" sz="1000" u="none" cap="none" strike="noStrike">
+                <a:solidFill>
+                  <a:schemeClr val="dk2"/>
+                </a:solidFill>
+                <a:latin typeface="Lato"/>
+                <a:ea typeface="Lato"/>
+                <a:cs typeface="Lato"/>
+                <a:sym typeface="Lato"/>
+              </a:defRPr>
             </a:lvl2pPr>
-            <a:lvl3pPr lvl="2">
-              <a:buNone/>
-              <a:defRPr/>
+            <a:lvl3pPr indent="0" lvl="2" marL="0" marR="0" algn="r">
+              <a:lnSpc>
+                <a:spcPct val="100000"/>
+              </a:lnSpc>
+              <a:spcBef>
+                <a:spcPts val="0"/>
+              </a:spcBef>
+              <a:spcAft>
+                <a:spcPts val="0"/>
+              </a:spcAft>
+              <a:buClr>
+                <a:srgbClr val="000000"/>
+              </a:buClr>
+              <a:buSzPts val="1000"/>
+              <a:buFont typeface="Arial"/>
+              <a:buNone/>
+              <a:defRPr b="0" i="0" sz="1000" u="none" cap="none" strike="noStrike">
+                <a:solidFill>
+                  <a:schemeClr val="dk2"/>
+                </a:solidFill>
+                <a:latin typeface="Lato"/>
+                <a:ea typeface="Lato"/>
+                <a:cs typeface="Lato"/>
+                <a:sym typeface="Lato"/>
+              </a:defRPr>
             </a:lvl3pPr>
-            <a:lvl4pPr lvl="3">
-              <a:buNone/>
-              <a:defRPr/>
+            <a:lvl4pPr indent="0" lvl="3" marL="0" marR="0" algn="r">
+              <a:lnSpc>
+                <a:spcPct val="100000"/>
+              </a:lnSpc>
+              <a:spcBef>
+                <a:spcPts val="0"/>
+              </a:spcBef>
+              <a:spcAft>
+                <a:spcPts val="0"/>
+              </a:spcAft>
+              <a:buClr>
+                <a:srgbClr val="000000"/>
+              </a:buClr>
+              <a:buSzPts val="1000"/>
+              <a:buFont typeface="Arial"/>
+              <a:buNone/>
+              <a:defRPr b="0" i="0" sz="1000" u="none" cap="none" strike="noStrike">
+                <a:solidFill>
+                  <a:schemeClr val="dk2"/>
+                </a:solidFill>
+                <a:latin typeface="Lato"/>
+                <a:ea typeface="Lato"/>
+                <a:cs typeface="Lato"/>
+                <a:sym typeface="Lato"/>
+              </a:defRPr>
             </a:lvl4pPr>
-            <a:lvl5pPr lvl="4">
-              <a:buNone/>
-              <a:defRPr/>
+            <a:lvl5pPr indent="0" lvl="4" marL="0" marR="0" algn="r">
+              <a:lnSpc>
+                <a:spcPct val="100000"/>
+              </a:lnSpc>
+              <a:spcBef>
+                <a:spcPts val="0"/>
+              </a:spcBef>
+              <a:spcAft>
+                <a:spcPts val="0"/>
+              </a:spcAft>
+              <a:buClr>
+                <a:srgbClr val="000000"/>
+              </a:buClr>
+              <a:buSzPts val="1000"/>
+              <a:buFont typeface="Arial"/>
+              <a:buNone/>
+              <a:defRPr b="0" i="0" sz="1000" u="none" cap="none" strike="noStrike">
+                <a:solidFill>
+                  <a:schemeClr val="dk2"/>
+                </a:solidFill>
+                <a:latin typeface="Lato"/>
+                <a:ea typeface="Lato"/>
+                <a:cs typeface="Lato"/>
+                <a:sym typeface="Lato"/>
+              </a:defRPr>
             </a:lvl5pPr>
-            <a:lvl6pPr lvl="5">
-              <a:buNone/>
-              <a:defRPr/>
+            <a:lvl6pPr indent="0" lvl="5" marL="0" marR="0" algn="r">
+              <a:lnSpc>
+                <a:spcPct val="100000"/>
+              </a:lnSpc>
+              <a:spcBef>
+                <a:spcPts val="0"/>
+              </a:spcBef>
+              <a:spcAft>
+                <a:spcPts val="0"/>
+              </a:spcAft>
+              <a:buClr>
+                <a:srgbClr val="000000"/>
+              </a:buClr>
+              <a:buSzPts val="1000"/>
+              <a:buFont typeface="Arial"/>
+              <a:buNone/>
+              <a:defRPr b="0" i="0" sz="1000" u="none" cap="none" strike="noStrike">
+                <a:solidFill>
+                  <a:schemeClr val="dk2"/>
+                </a:solidFill>
+                <a:latin typeface="Lato"/>
+                <a:ea typeface="Lato"/>
+                <a:cs typeface="Lato"/>
+                <a:sym typeface="Lato"/>
+              </a:defRPr>
             </a:lvl6pPr>
-            <a:lvl7pPr lvl="6">
-              <a:buNone/>
-              <a:defRPr/>
+            <a:lvl7pPr indent="0" lvl="6" marL="0" marR="0" algn="r">
+              <a:lnSpc>
+                <a:spcPct val="100000"/>
+              </a:lnSpc>
+              <a:spcBef>
+                <a:spcPts val="0"/>
+              </a:spcBef>
+              <a:spcAft>
+                <a:spcPts val="0"/>
+              </a:spcAft>
+              <a:buClr>
+                <a:srgbClr val="000000"/>
+              </a:buClr>
+              <a:buSzPts val="1000"/>
+              <a:buFont typeface="Arial"/>
+              <a:buNone/>
+              <a:defRPr b="0" i="0" sz="1000" u="none" cap="none" strike="noStrike">
+                <a:solidFill>
+                  <a:schemeClr val="dk2"/>
+                </a:solidFill>
+                <a:latin typeface="Lato"/>
+                <a:ea typeface="Lato"/>
+                <a:cs typeface="Lato"/>
+                <a:sym typeface="Lato"/>
+              </a:defRPr>
             </a:lvl7pPr>
-            <a:lvl8pPr lvl="7">
-              <a:buNone/>
-              <a:defRPr/>
+            <a:lvl8pPr indent="0" lvl="7" marL="0" marR="0" algn="r">
+              <a:lnSpc>
+                <a:spcPct val="100000"/>
+              </a:lnSpc>
+              <a:spcBef>
+                <a:spcPts val="0"/>
+              </a:spcBef>
+              <a:spcAft>
+                <a:spcPts val="0"/>
+              </a:spcAft>
+              <a:buClr>
+                <a:srgbClr val="000000"/>
+              </a:buClr>
+              <a:buSzPts val="1000"/>
+              <a:buFont typeface="Arial"/>
+              <a:buNone/>
+              <a:defRPr b="0" i="0" sz="1000" u="none" cap="none" strike="noStrike">
+                <a:solidFill>
+                  <a:schemeClr val="dk2"/>
+                </a:solidFill>
+                <a:latin typeface="Lato"/>
+                <a:ea typeface="Lato"/>
+                <a:cs typeface="Lato"/>
+                <a:sym typeface="Lato"/>
+              </a:defRPr>
             </a:lvl8pPr>
-            <a:lvl9pPr lvl="8">
-              <a:buNone/>
-              <a:defRPr/>
+            <a:lvl9pPr indent="0" lvl="8" marL="0" marR="0" algn="r">
+              <a:lnSpc>
+                <a:spcPct val="100000"/>
+              </a:lnSpc>
+              <a:spcBef>
+                <a:spcPts val="0"/>
+              </a:spcBef>
+              <a:spcAft>
+                <a:spcPts val="0"/>
+              </a:spcAft>
+              <a:buClr>
+                <a:srgbClr val="000000"/>
+              </a:buClr>
+              <a:buSzPts val="1000"/>
+              <a:buFont typeface="Arial"/>
+              <a:buNone/>
+              <a:defRPr b="0" i="0" sz="1000" u="none" cap="none" strike="noStrike">
+                <a:solidFill>
+                  <a:schemeClr val="dk2"/>
+                </a:solidFill>
+                <a:latin typeface="Lato"/>
+                <a:ea typeface="Lato"/>
+                <a:cs typeface="Lato"/>
+                <a:sym typeface="Lato"/>
+              </a:defRPr>
             </a:lvl9pPr>
           </a:lstStyle>
           <a:p>
@@ -4186,13 +6277,20 @@
           <a:prstGeom prst="rect">
             <a:avLst/>
           </a:prstGeom>
+          <a:noFill/>
+          <a:ln>
+            <a:noFill/>
+          </a:ln>
         </p:spPr>
         <p:txBody>
           <a:bodyPr anchorCtr="0" anchor="ctr" bIns="91425" lIns="91425" spcFirstLastPara="1" rIns="91425" wrap="square" tIns="91425">
             <a:normAutofit/>
           </a:bodyPr>
           <a:lstStyle>
-            <a:lvl1pPr lvl="0">
+            <a:lvl1pPr lvl="0" algn="l">
+              <a:lnSpc>
+                <a:spcPct val="100000"/>
+              </a:lnSpc>
               <a:spcBef>
                 <a:spcPts val="0"/>
               </a:spcBef>
@@ -4210,7 +6308,10 @@
                 </a:solidFill>
               </a:defRPr>
             </a:lvl1pPr>
-            <a:lvl2pPr lvl="1">
+            <a:lvl2pPr lvl="1" algn="l">
+              <a:lnSpc>
+                <a:spcPct val="100000"/>
+              </a:lnSpc>
               <a:spcBef>
                 <a:spcPts val="0"/>
               </a:spcBef>
@@ -4228,7 +6329,10 @@
                 </a:solidFill>
               </a:defRPr>
             </a:lvl2pPr>
-            <a:lvl3pPr lvl="2">
+            <a:lvl3pPr lvl="2" algn="l">
+              <a:lnSpc>
+                <a:spcPct val="100000"/>
+              </a:lnSpc>
               <a:spcBef>
                 <a:spcPts val="0"/>
               </a:spcBef>
@@ -4246,7 +6350,10 @@
                 </a:solidFill>
               </a:defRPr>
             </a:lvl3pPr>
-            <a:lvl4pPr lvl="3">
+            <a:lvl4pPr lvl="3" algn="l">
+              <a:lnSpc>
+                <a:spcPct val="100000"/>
+              </a:lnSpc>
               <a:spcBef>
                 <a:spcPts val="0"/>
               </a:spcBef>
@@ -4264,7 +6371,10 @@
                 </a:solidFill>
               </a:defRPr>
             </a:lvl4pPr>
-            <a:lvl5pPr lvl="4">
+            <a:lvl5pPr lvl="4" algn="l">
+              <a:lnSpc>
+                <a:spcPct val="100000"/>
+              </a:lnSpc>
               <a:spcBef>
                 <a:spcPts val="0"/>
               </a:spcBef>
@@ -4282,7 +6392,10 @@
                 </a:solidFill>
               </a:defRPr>
             </a:lvl5pPr>
-            <a:lvl6pPr lvl="5">
+            <a:lvl6pPr lvl="5" algn="l">
+              <a:lnSpc>
+                <a:spcPct val="100000"/>
+              </a:lnSpc>
               <a:spcBef>
                 <a:spcPts val="0"/>
               </a:spcBef>
@@ -4300,7 +6413,10 @@
                 </a:solidFill>
               </a:defRPr>
             </a:lvl6pPr>
-            <a:lvl7pPr lvl="6">
+            <a:lvl7pPr lvl="6" algn="l">
+              <a:lnSpc>
+                <a:spcPct val="100000"/>
+              </a:lnSpc>
               <a:spcBef>
                 <a:spcPts val="0"/>
               </a:spcBef>
@@ -4318,7 +6434,10 @@
                 </a:solidFill>
               </a:defRPr>
             </a:lvl7pPr>
-            <a:lvl8pPr lvl="7">
+            <a:lvl8pPr lvl="7" algn="l">
+              <a:lnSpc>
+                <a:spcPct val="100000"/>
+              </a:lnSpc>
               <a:spcBef>
                 <a:spcPts val="0"/>
               </a:spcBef>
@@ -4336,7 +6455,10 @@
                 </a:solidFill>
               </a:defRPr>
             </a:lvl8pPr>
-            <a:lvl9pPr lvl="8">
+            <a:lvl9pPr lvl="8" algn="l">
+              <a:lnSpc>
+                <a:spcPct val="100000"/>
+              </a:lnSpc>
               <a:spcBef>
                 <a:spcPts val="0"/>
               </a:spcBef>
@@ -4374,82 +6496,248 @@
           <a:prstGeom prst="rect">
             <a:avLst/>
           </a:prstGeom>
+          <a:noFill/>
+          <a:ln>
+            <a:noFill/>
+          </a:ln>
         </p:spPr>
         <p:txBody>
           <a:bodyPr anchorCtr="0" anchor="ctr" bIns="91425" lIns="91425" spcFirstLastPara="1" rIns="91425" wrap="square" tIns="91425">
             <a:normAutofit/>
           </a:bodyPr>
           <a:lstStyle>
-            <a:lvl1pPr lvl="0">
-              <a:buNone/>
-              <a:defRPr>
+            <a:lvl1pPr indent="0" lvl="0" marL="0" marR="0" algn="r">
+              <a:lnSpc>
+                <a:spcPct val="100000"/>
+              </a:lnSpc>
+              <a:spcBef>
+                <a:spcPts val="0"/>
+              </a:spcBef>
+              <a:spcAft>
+                <a:spcPts val="0"/>
+              </a:spcAft>
+              <a:buClr>
+                <a:srgbClr val="000000"/>
+              </a:buClr>
+              <a:buSzPts val="1000"/>
+              <a:buFont typeface="Arial"/>
+              <a:buNone/>
+              <a:defRPr b="0" i="0" sz="1000" u="none" cap="none" strike="noStrike">
                 <a:solidFill>
                   <a:schemeClr val="lt1"/>
                 </a:solidFill>
+                <a:latin typeface="Lato"/>
+                <a:ea typeface="Lato"/>
+                <a:cs typeface="Lato"/>
+                <a:sym typeface="Lato"/>
               </a:defRPr>
             </a:lvl1pPr>
-            <a:lvl2pPr lvl="1">
-              <a:buNone/>
-              <a:defRPr>
+            <a:lvl2pPr indent="0" lvl="1" marL="0" marR="0" algn="r">
+              <a:lnSpc>
+                <a:spcPct val="100000"/>
+              </a:lnSpc>
+              <a:spcBef>
+                <a:spcPts val="0"/>
+              </a:spcBef>
+              <a:spcAft>
+                <a:spcPts val="0"/>
+              </a:spcAft>
+              <a:buClr>
+                <a:srgbClr val="000000"/>
+              </a:buClr>
+              <a:buSzPts val="1000"/>
+              <a:buFont typeface="Arial"/>
+              <a:buNone/>
+              <a:defRPr b="0" i="0" sz="1000" u="none" cap="none" strike="noStrike">
                 <a:solidFill>
                   <a:schemeClr val="lt1"/>
                 </a:solidFill>
+                <a:latin typeface="Lato"/>
+                <a:ea typeface="Lato"/>
+                <a:cs typeface="Lato"/>
+                <a:sym typeface="Lato"/>
               </a:defRPr>
             </a:lvl2pPr>
-            <a:lvl3pPr lvl="2">
-              <a:buNone/>
-              <a:defRPr>
+            <a:lvl3pPr indent="0" lvl="2" marL="0" marR="0" algn="r">
+              <a:lnSpc>
+                <a:spcPct val="100000"/>
+              </a:lnSpc>
+              <a:spcBef>
+                <a:spcPts val="0"/>
+              </a:spcBef>
+              <a:spcAft>
+                <a:spcPts val="0"/>
+              </a:spcAft>
+              <a:buClr>
+                <a:srgbClr val="000000"/>
+              </a:buClr>
+              <a:buSzPts val="1000"/>
+              <a:buFont typeface="Arial"/>
+              <a:buNone/>
+              <a:defRPr b="0" i="0" sz="1000" u="none" cap="none" strike="noStrike">
                 <a:solidFill>
                   <a:schemeClr val="lt1"/>
                 </a:solidFill>
+                <a:latin typeface="Lato"/>
+                <a:ea typeface="Lato"/>
+                <a:cs typeface="Lato"/>
+                <a:sym typeface="Lato"/>
               </a:defRPr>
             </a:lvl3pPr>
-            <a:lvl4pPr lvl="3">
-              <a:buNone/>
-              <a:defRPr>
+            <a:lvl4pPr indent="0" lvl="3" marL="0" marR="0" algn="r">
+              <a:lnSpc>
+                <a:spcPct val="100000"/>
+              </a:lnSpc>
+              <a:spcBef>
+                <a:spcPts val="0"/>
+              </a:spcBef>
+              <a:spcAft>
+                <a:spcPts val="0"/>
+              </a:spcAft>
+              <a:buClr>
+                <a:srgbClr val="000000"/>
+              </a:buClr>
+              <a:buSzPts val="1000"/>
+              <a:buFont typeface="Arial"/>
+              <a:buNone/>
+              <a:defRPr b="0" i="0" sz="1000" u="none" cap="none" strike="noStrike">
                 <a:solidFill>
                   <a:schemeClr val="lt1"/>
                 </a:solidFill>
+                <a:latin typeface="Lato"/>
+                <a:ea typeface="Lato"/>
+                <a:cs typeface="Lato"/>
+                <a:sym typeface="Lato"/>
               </a:defRPr>
             </a:lvl4pPr>
-            <a:lvl5pPr lvl="4">
-              <a:buNone/>
-              <a:defRPr>
+            <a:lvl5pPr indent="0" lvl="4" marL="0" marR="0" algn="r">
+              <a:lnSpc>
+                <a:spcPct val="100000"/>
+              </a:lnSpc>
+              <a:spcBef>
+                <a:spcPts val="0"/>
+              </a:spcBef>
+              <a:spcAft>
+                <a:spcPts val="0"/>
+              </a:spcAft>
+              <a:buClr>
+                <a:srgbClr val="000000"/>
+              </a:buClr>
+              <a:buSzPts val="1000"/>
+              <a:buFont typeface="Arial"/>
+              <a:buNone/>
+              <a:defRPr b="0" i="0" sz="1000" u="none" cap="none" strike="noStrike">
                 <a:solidFill>
                   <a:schemeClr val="lt1"/>
                 </a:solidFill>
+                <a:latin typeface="Lato"/>
+                <a:ea typeface="Lato"/>
+                <a:cs typeface="Lato"/>
+                <a:sym typeface="Lato"/>
               </a:defRPr>
             </a:lvl5pPr>
-            <a:lvl6pPr lvl="5">
-              <a:buNone/>
-              <a:defRPr>
+            <a:lvl6pPr indent="0" lvl="5" marL="0" marR="0" algn="r">
+              <a:lnSpc>
+                <a:spcPct val="100000"/>
+              </a:lnSpc>
+              <a:spcBef>
+                <a:spcPts val="0"/>
+              </a:spcBef>
+              <a:spcAft>
+                <a:spcPts val="0"/>
+              </a:spcAft>
+              <a:buClr>
+                <a:srgbClr val="000000"/>
+              </a:buClr>
+              <a:buSzPts val="1000"/>
+              <a:buFont typeface="Arial"/>
+              <a:buNone/>
+              <a:defRPr b="0" i="0" sz="1000" u="none" cap="none" strike="noStrike">
                 <a:solidFill>
                   <a:schemeClr val="lt1"/>
                 </a:solidFill>
+                <a:latin typeface="Lato"/>
+                <a:ea typeface="Lato"/>
+                <a:cs typeface="Lato"/>
+                <a:sym typeface="Lato"/>
               </a:defRPr>
             </a:lvl6pPr>
-            <a:lvl7pPr lvl="6">
-              <a:buNone/>
-              <a:defRPr>
+            <a:lvl7pPr indent="0" lvl="6" marL="0" marR="0" algn="r">
+              <a:lnSpc>
+                <a:spcPct val="100000"/>
+              </a:lnSpc>
+              <a:spcBef>
+                <a:spcPts val="0"/>
+              </a:spcBef>
+              <a:spcAft>
+                <a:spcPts val="0"/>
+              </a:spcAft>
+              <a:buClr>
+                <a:srgbClr val="000000"/>
+              </a:buClr>
+              <a:buSzPts val="1000"/>
+              <a:buFont typeface="Arial"/>
+              <a:buNone/>
+              <a:defRPr b="0" i="0" sz="1000" u="none" cap="none" strike="noStrike">
                 <a:solidFill>
                   <a:schemeClr val="lt1"/>
                 </a:solidFill>
+                <a:latin typeface="Lato"/>
+                <a:ea typeface="Lato"/>
+                <a:cs typeface="Lato"/>
+                <a:sym typeface="Lato"/>
               </a:defRPr>
             </a:lvl7pPr>
-            <a:lvl8pPr lvl="7">
-              <a:buNone/>
-              <a:defRPr>
+            <a:lvl8pPr indent="0" lvl="7" marL="0" marR="0" algn="r">
+              <a:lnSpc>
+                <a:spcPct val="100000"/>
+              </a:lnSpc>
+              <a:spcBef>
+                <a:spcPts val="0"/>
+              </a:spcBef>
+              <a:spcAft>
+                <a:spcPts val="0"/>
+              </a:spcAft>
+              <a:buClr>
+                <a:srgbClr val="000000"/>
+              </a:buClr>
+              <a:buSzPts val="1000"/>
+              <a:buFont typeface="Arial"/>
+              <a:buNone/>
+              <a:defRPr b="0" i="0" sz="1000" u="none" cap="none" strike="noStrike">
                 <a:solidFill>
                   <a:schemeClr val="lt1"/>
                 </a:solidFill>
+                <a:latin typeface="Lato"/>
+                <a:ea typeface="Lato"/>
+                <a:cs typeface="Lato"/>
+                <a:sym typeface="Lato"/>
               </a:defRPr>
             </a:lvl8pPr>
-            <a:lvl9pPr lvl="8">
-              <a:buNone/>
-              <a:defRPr>
+            <a:lvl9pPr indent="0" lvl="8" marL="0" marR="0" algn="r">
+              <a:lnSpc>
+                <a:spcPct val="100000"/>
+              </a:lnSpc>
+              <a:spcBef>
+                <a:spcPts val="0"/>
+              </a:spcBef>
+              <a:spcAft>
+                <a:spcPts val="0"/>
+              </a:spcAft>
+              <a:buClr>
+                <a:srgbClr val="000000"/>
+              </a:buClr>
+              <a:buSzPts val="1000"/>
+              <a:buFont typeface="Arial"/>
+              <a:buNone/>
+              <a:defRPr b="0" i="0" sz="1000" u="none" cap="none" strike="noStrike">
                 <a:solidFill>
                   <a:schemeClr val="lt1"/>
                 </a:solidFill>
+                <a:latin typeface="Lato"/>
+                <a:ea typeface="Lato"/>
+                <a:cs typeface="Lato"/>
+                <a:sym typeface="Lato"/>
               </a:defRPr>
             </a:lvl9pPr>
           </a:lstStyle>
@@ -4523,19 +6811,35 @@
           </a:bodyPr>
           <a:lstStyle/>
           <a:p>
-            <a:pPr indent="0" lvl="0" marL="0" rtl="0" algn="l">
-              <a:spcBef>
-                <a:spcPts val="0"/>
-              </a:spcBef>
-              <a:spcAft>
-                <a:spcPts val="0"/>
-              </a:spcAft>
+            <a:pPr indent="0" lvl="0" marL="0" marR="0" rtl="0" algn="l">
+              <a:lnSpc>
+                <a:spcPct val="100000"/>
+              </a:lnSpc>
+              <a:spcBef>
+                <a:spcPts val="0"/>
+              </a:spcBef>
+              <a:spcAft>
+                <a:spcPts val="0"/>
+              </a:spcAft>
+              <a:buClr>
+                <a:srgbClr val="000000"/>
+              </a:buClr>
+              <a:buSzPts val="1400"/>
+              <a:buFont typeface="Arial"/>
               <a:buNone/>
             </a:pPr>
             <a:r>
               <a:t/>
             </a:r>
-            <a:endParaRPr/>
+            <a:endParaRPr b="0" i="0" sz="1400" u="none" cap="none" strike="noStrike">
+              <a:solidFill>
+                <a:srgbClr val="000000"/>
+              </a:solidFill>
+              <a:latin typeface="Arial"/>
+              <a:ea typeface="Arial"/>
+              <a:cs typeface="Arial"/>
+              <a:sym typeface="Arial"/>
+            </a:endParaRPr>
           </a:p>
         </p:txBody>
       </p:sp>
@@ -4581,6 +6885,10 @@
           <a:prstGeom prst="rect">
             <a:avLst/>
           </a:prstGeom>
+          <a:noFill/>
+          <a:ln>
+            <a:noFill/>
+          </a:ln>
         </p:spPr>
         <p:txBody>
           <a:bodyPr anchorCtr="0" anchor="b" bIns="91425" lIns="91425" spcFirstLastPara="1" rIns="91425" wrap="square" tIns="91425">
@@ -4588,6 +6896,9 @@
           </a:bodyPr>
           <a:lstStyle>
             <a:lvl1pPr lvl="0" algn="ctr">
+              <a:lnSpc>
+                <a:spcPct val="100000"/>
+              </a:lnSpc>
               <a:spcBef>
                 <a:spcPts val="0"/>
               </a:spcBef>
@@ -4606,6 +6917,9 @@
               </a:defRPr>
             </a:lvl1pPr>
             <a:lvl2pPr lvl="1" algn="ctr">
+              <a:lnSpc>
+                <a:spcPct val="100000"/>
+              </a:lnSpc>
               <a:spcBef>
                 <a:spcPts val="0"/>
               </a:spcBef>
@@ -4624,6 +6938,9 @@
               </a:defRPr>
             </a:lvl2pPr>
             <a:lvl3pPr lvl="2" algn="ctr">
+              <a:lnSpc>
+                <a:spcPct val="100000"/>
+              </a:lnSpc>
               <a:spcBef>
                 <a:spcPts val="0"/>
               </a:spcBef>
@@ -4642,6 +6959,9 @@
               </a:defRPr>
             </a:lvl3pPr>
             <a:lvl4pPr lvl="3" algn="ctr">
+              <a:lnSpc>
+                <a:spcPct val="100000"/>
+              </a:lnSpc>
               <a:spcBef>
                 <a:spcPts val="0"/>
               </a:spcBef>
@@ -4660,6 +6980,9 @@
               </a:defRPr>
             </a:lvl4pPr>
             <a:lvl5pPr lvl="4" algn="ctr">
+              <a:lnSpc>
+                <a:spcPct val="100000"/>
+              </a:lnSpc>
               <a:spcBef>
                 <a:spcPts val="0"/>
               </a:spcBef>
@@ -4678,6 +7001,9 @@
               </a:defRPr>
             </a:lvl5pPr>
             <a:lvl6pPr lvl="5" algn="ctr">
+              <a:lnSpc>
+                <a:spcPct val="100000"/>
+              </a:lnSpc>
               <a:spcBef>
                 <a:spcPts val="0"/>
               </a:spcBef>
@@ -4696,6 +7022,9 @@
               </a:defRPr>
             </a:lvl6pPr>
             <a:lvl7pPr lvl="6" algn="ctr">
+              <a:lnSpc>
+                <a:spcPct val="100000"/>
+              </a:lnSpc>
               <a:spcBef>
                 <a:spcPts val="0"/>
               </a:spcBef>
@@ -4714,6 +7043,9 @@
               </a:defRPr>
             </a:lvl7pPr>
             <a:lvl8pPr lvl="7" algn="ctr">
+              <a:lnSpc>
+                <a:spcPct val="100000"/>
+              </a:lnSpc>
               <a:spcBef>
                 <a:spcPts val="0"/>
               </a:spcBef>
@@ -4732,6 +7064,9 @@
               </a:defRPr>
             </a:lvl8pPr>
             <a:lvl9pPr lvl="8" algn="ctr">
+              <a:lnSpc>
+                <a:spcPct val="100000"/>
+              </a:lnSpc>
               <a:spcBef>
                 <a:spcPts val="0"/>
               </a:spcBef>
@@ -4769,6 +7104,10 @@
           <a:prstGeom prst="rect">
             <a:avLst/>
           </a:prstGeom>
+          <a:noFill/>
+          <a:ln>
+            <a:noFill/>
+          </a:ln>
         </p:spPr>
         <p:txBody>
           <a:bodyPr anchorCtr="0" anchor="t" bIns="91425" lIns="91425" spcFirstLastPara="1" rIns="91425" wrap="square" tIns="91425">
@@ -4921,13 +7260,20 @@
           <a:prstGeom prst="rect">
             <a:avLst/>
           </a:prstGeom>
+          <a:noFill/>
+          <a:ln>
+            <a:noFill/>
+          </a:ln>
         </p:spPr>
         <p:txBody>
           <a:bodyPr anchorCtr="0" anchor="ctr" bIns="91425" lIns="91425" spcFirstLastPara="1" rIns="91425" wrap="square" tIns="91425">
             <a:normAutofit/>
           </a:bodyPr>
           <a:lstStyle>
-            <a:lvl1pPr indent="-342900" lvl="0" marL="457200">
+            <a:lvl1pPr indent="-342900" lvl="0" marL="457200" algn="l">
+              <a:lnSpc>
+                <a:spcPct val="115000"/>
+              </a:lnSpc>
               <a:spcBef>
                 <a:spcPts val="0"/>
               </a:spcBef>
@@ -4945,7 +7291,10 @@
                 </a:solidFill>
               </a:defRPr>
             </a:lvl1pPr>
-            <a:lvl2pPr indent="-317500" lvl="1" marL="914400">
+            <a:lvl2pPr indent="-317500" lvl="1" marL="914400" algn="l">
+              <a:lnSpc>
+                <a:spcPct val="115000"/>
+              </a:lnSpc>
               <a:spcBef>
                 <a:spcPts val="0"/>
               </a:spcBef>
@@ -4963,7 +7312,10 @@
                 </a:solidFill>
               </a:defRPr>
             </a:lvl2pPr>
-            <a:lvl3pPr indent="-317500" lvl="2" marL="1371600">
+            <a:lvl3pPr indent="-317500" lvl="2" marL="1371600" algn="l">
+              <a:lnSpc>
+                <a:spcPct val="115000"/>
+              </a:lnSpc>
               <a:spcBef>
                 <a:spcPts val="0"/>
               </a:spcBef>
@@ -4981,7 +7333,10 @@
                 </a:solidFill>
               </a:defRPr>
             </a:lvl3pPr>
-            <a:lvl4pPr indent="-317500" lvl="3" marL="1828800">
+            <a:lvl4pPr indent="-317500" lvl="3" marL="1828800" algn="l">
+              <a:lnSpc>
+                <a:spcPct val="115000"/>
+              </a:lnSpc>
               <a:spcBef>
                 <a:spcPts val="0"/>
               </a:spcBef>
@@ -4999,7 +7354,10 @@
                 </a:solidFill>
               </a:defRPr>
             </a:lvl4pPr>
-            <a:lvl5pPr indent="-317500" lvl="4" marL="2286000">
+            <a:lvl5pPr indent="-317500" lvl="4" marL="2286000" algn="l">
+              <a:lnSpc>
+                <a:spcPct val="115000"/>
+              </a:lnSpc>
               <a:spcBef>
                 <a:spcPts val="0"/>
               </a:spcBef>
@@ -5017,7 +7375,10 @@
                 </a:solidFill>
               </a:defRPr>
             </a:lvl5pPr>
-            <a:lvl6pPr indent="-317500" lvl="5" marL="2743200">
+            <a:lvl6pPr indent="-317500" lvl="5" marL="2743200" algn="l">
+              <a:lnSpc>
+                <a:spcPct val="115000"/>
+              </a:lnSpc>
               <a:spcBef>
                 <a:spcPts val="0"/>
               </a:spcBef>
@@ -5035,7 +7396,10 @@
                 </a:solidFill>
               </a:defRPr>
             </a:lvl6pPr>
-            <a:lvl7pPr indent="-317500" lvl="6" marL="3200400">
+            <a:lvl7pPr indent="-317500" lvl="6" marL="3200400" algn="l">
+              <a:lnSpc>
+                <a:spcPct val="115000"/>
+              </a:lnSpc>
               <a:spcBef>
                 <a:spcPts val="0"/>
               </a:spcBef>
@@ -5053,7 +7417,10 @@
                 </a:solidFill>
               </a:defRPr>
             </a:lvl7pPr>
-            <a:lvl8pPr indent="-317500" lvl="7" marL="3657600">
+            <a:lvl8pPr indent="-317500" lvl="7" marL="3657600" algn="l">
+              <a:lnSpc>
+                <a:spcPct val="115000"/>
+              </a:lnSpc>
               <a:spcBef>
                 <a:spcPts val="0"/>
               </a:spcBef>
@@ -5071,7 +7438,10 @@
                 </a:solidFill>
               </a:defRPr>
             </a:lvl8pPr>
-            <a:lvl9pPr indent="-317500" lvl="8" marL="4114800">
+            <a:lvl9pPr indent="-317500" lvl="8" marL="4114800" algn="l">
+              <a:lnSpc>
+                <a:spcPct val="115000"/>
+              </a:lnSpc>
               <a:spcBef>
                 <a:spcPts val="0"/>
               </a:spcBef>
@@ -5109,82 +7479,248 @@
           <a:prstGeom prst="rect">
             <a:avLst/>
           </a:prstGeom>
+          <a:noFill/>
+          <a:ln>
+            <a:noFill/>
+          </a:ln>
         </p:spPr>
         <p:txBody>
           <a:bodyPr anchorCtr="0" anchor="ctr" bIns="91425" lIns="91425" spcFirstLastPara="1" rIns="91425" wrap="square" tIns="91425">
             <a:normAutofit/>
           </a:bodyPr>
           <a:lstStyle>
-            <a:lvl1pPr lvl="0">
-              <a:buNone/>
-              <a:defRPr>
+            <a:lvl1pPr indent="0" lvl="0" marL="0" marR="0" algn="r">
+              <a:lnSpc>
+                <a:spcPct val="100000"/>
+              </a:lnSpc>
+              <a:spcBef>
+                <a:spcPts val="0"/>
+              </a:spcBef>
+              <a:spcAft>
+                <a:spcPts val="0"/>
+              </a:spcAft>
+              <a:buClr>
+                <a:srgbClr val="000000"/>
+              </a:buClr>
+              <a:buSzPts val="1000"/>
+              <a:buFont typeface="Arial"/>
+              <a:buNone/>
+              <a:defRPr b="0" i="0" sz="1000" u="none" cap="none" strike="noStrike">
                 <a:solidFill>
                   <a:schemeClr val="lt1"/>
                 </a:solidFill>
+                <a:latin typeface="Lato"/>
+                <a:ea typeface="Lato"/>
+                <a:cs typeface="Lato"/>
+                <a:sym typeface="Lato"/>
               </a:defRPr>
             </a:lvl1pPr>
-            <a:lvl2pPr lvl="1">
-              <a:buNone/>
-              <a:defRPr>
+            <a:lvl2pPr indent="0" lvl="1" marL="0" marR="0" algn="r">
+              <a:lnSpc>
+                <a:spcPct val="100000"/>
+              </a:lnSpc>
+              <a:spcBef>
+                <a:spcPts val="0"/>
+              </a:spcBef>
+              <a:spcAft>
+                <a:spcPts val="0"/>
+              </a:spcAft>
+              <a:buClr>
+                <a:srgbClr val="000000"/>
+              </a:buClr>
+              <a:buSzPts val="1000"/>
+              <a:buFont typeface="Arial"/>
+              <a:buNone/>
+              <a:defRPr b="0" i="0" sz="1000" u="none" cap="none" strike="noStrike">
                 <a:solidFill>
                   <a:schemeClr val="lt1"/>
                 </a:solidFill>
+                <a:latin typeface="Lato"/>
+                <a:ea typeface="Lato"/>
+                <a:cs typeface="Lato"/>
+                <a:sym typeface="Lato"/>
               </a:defRPr>
             </a:lvl2pPr>
-            <a:lvl3pPr lvl="2">
-              <a:buNone/>
-              <a:defRPr>
+            <a:lvl3pPr indent="0" lvl="2" marL="0" marR="0" algn="r">
+              <a:lnSpc>
+                <a:spcPct val="100000"/>
+              </a:lnSpc>
+              <a:spcBef>
+                <a:spcPts val="0"/>
+              </a:spcBef>
+              <a:spcAft>
+                <a:spcPts val="0"/>
+              </a:spcAft>
+              <a:buClr>
+                <a:srgbClr val="000000"/>
+              </a:buClr>
+              <a:buSzPts val="1000"/>
+              <a:buFont typeface="Arial"/>
+              <a:buNone/>
+              <a:defRPr b="0" i="0" sz="1000" u="none" cap="none" strike="noStrike">
                 <a:solidFill>
                   <a:schemeClr val="lt1"/>
                 </a:solidFill>
+                <a:latin typeface="Lato"/>
+                <a:ea typeface="Lato"/>
+                <a:cs typeface="Lato"/>
+                <a:sym typeface="Lato"/>
               </a:defRPr>
             </a:lvl3pPr>
-            <a:lvl4pPr lvl="3">
-              <a:buNone/>
-              <a:defRPr>
+            <a:lvl4pPr indent="0" lvl="3" marL="0" marR="0" algn="r">
+              <a:lnSpc>
+                <a:spcPct val="100000"/>
+              </a:lnSpc>
+              <a:spcBef>
+                <a:spcPts val="0"/>
+              </a:spcBef>
+              <a:spcAft>
+                <a:spcPts val="0"/>
+              </a:spcAft>
+              <a:buClr>
+                <a:srgbClr val="000000"/>
+              </a:buClr>
+              <a:buSzPts val="1000"/>
+              <a:buFont typeface="Arial"/>
+              <a:buNone/>
+              <a:defRPr b="0" i="0" sz="1000" u="none" cap="none" strike="noStrike">
                 <a:solidFill>
                   <a:schemeClr val="lt1"/>
                 </a:solidFill>
+                <a:latin typeface="Lato"/>
+                <a:ea typeface="Lato"/>
+                <a:cs typeface="Lato"/>
+                <a:sym typeface="Lato"/>
               </a:defRPr>
             </a:lvl4pPr>
-            <a:lvl5pPr lvl="4">
-              <a:buNone/>
-              <a:defRPr>
+            <a:lvl5pPr indent="0" lvl="4" marL="0" marR="0" algn="r">
+              <a:lnSpc>
+                <a:spcPct val="100000"/>
+              </a:lnSpc>
+              <a:spcBef>
+                <a:spcPts val="0"/>
+              </a:spcBef>
+              <a:spcAft>
+                <a:spcPts val="0"/>
+              </a:spcAft>
+              <a:buClr>
+                <a:srgbClr val="000000"/>
+              </a:buClr>
+              <a:buSzPts val="1000"/>
+              <a:buFont typeface="Arial"/>
+              <a:buNone/>
+              <a:defRPr b="0" i="0" sz="1000" u="none" cap="none" strike="noStrike">
                 <a:solidFill>
                   <a:schemeClr val="lt1"/>
                 </a:solidFill>
+                <a:latin typeface="Lato"/>
+                <a:ea typeface="Lato"/>
+                <a:cs typeface="Lato"/>
+                <a:sym typeface="Lato"/>
               </a:defRPr>
             </a:lvl5pPr>
-            <a:lvl6pPr lvl="5">
-              <a:buNone/>
-              <a:defRPr>
+            <a:lvl6pPr indent="0" lvl="5" marL="0" marR="0" algn="r">
+              <a:lnSpc>
+                <a:spcPct val="100000"/>
+              </a:lnSpc>
+              <a:spcBef>
+                <a:spcPts val="0"/>
+              </a:spcBef>
+              <a:spcAft>
+                <a:spcPts val="0"/>
+              </a:spcAft>
+              <a:buClr>
+                <a:srgbClr val="000000"/>
+              </a:buClr>
+              <a:buSzPts val="1000"/>
+              <a:buFont typeface="Arial"/>
+              <a:buNone/>
+              <a:defRPr b="0" i="0" sz="1000" u="none" cap="none" strike="noStrike">
                 <a:solidFill>
                   <a:schemeClr val="lt1"/>
                 </a:solidFill>
+                <a:latin typeface="Lato"/>
+                <a:ea typeface="Lato"/>
+                <a:cs typeface="Lato"/>
+                <a:sym typeface="Lato"/>
               </a:defRPr>
             </a:lvl6pPr>
-            <a:lvl7pPr lvl="6">
-              <a:buNone/>
-              <a:defRPr>
+            <a:lvl7pPr indent="0" lvl="6" marL="0" marR="0" algn="r">
+              <a:lnSpc>
+                <a:spcPct val="100000"/>
+              </a:lnSpc>
+              <a:spcBef>
+                <a:spcPts val="0"/>
+              </a:spcBef>
+              <a:spcAft>
+                <a:spcPts val="0"/>
+              </a:spcAft>
+              <a:buClr>
+                <a:srgbClr val="000000"/>
+              </a:buClr>
+              <a:buSzPts val="1000"/>
+              <a:buFont typeface="Arial"/>
+              <a:buNone/>
+              <a:defRPr b="0" i="0" sz="1000" u="none" cap="none" strike="noStrike">
                 <a:solidFill>
                   <a:schemeClr val="lt1"/>
                 </a:solidFill>
+                <a:latin typeface="Lato"/>
+                <a:ea typeface="Lato"/>
+                <a:cs typeface="Lato"/>
+                <a:sym typeface="Lato"/>
               </a:defRPr>
             </a:lvl7pPr>
-            <a:lvl8pPr lvl="7">
-              <a:buNone/>
-              <a:defRPr>
+            <a:lvl8pPr indent="0" lvl="7" marL="0" marR="0" algn="r">
+              <a:lnSpc>
+                <a:spcPct val="100000"/>
+              </a:lnSpc>
+              <a:spcBef>
+                <a:spcPts val="0"/>
+              </a:spcBef>
+              <a:spcAft>
+                <a:spcPts val="0"/>
+              </a:spcAft>
+              <a:buClr>
+                <a:srgbClr val="000000"/>
+              </a:buClr>
+              <a:buSzPts val="1000"/>
+              <a:buFont typeface="Arial"/>
+              <a:buNone/>
+              <a:defRPr b="0" i="0" sz="1000" u="none" cap="none" strike="noStrike">
                 <a:solidFill>
                   <a:schemeClr val="lt1"/>
                 </a:solidFill>
+                <a:latin typeface="Lato"/>
+                <a:ea typeface="Lato"/>
+                <a:cs typeface="Lato"/>
+                <a:sym typeface="Lato"/>
               </a:defRPr>
             </a:lvl8pPr>
-            <a:lvl9pPr lvl="8">
-              <a:buNone/>
-              <a:defRPr>
+            <a:lvl9pPr indent="0" lvl="8" marL="0" marR="0" algn="r">
+              <a:lnSpc>
+                <a:spcPct val="100000"/>
+              </a:lnSpc>
+              <a:spcBef>
+                <a:spcPts val="0"/>
+              </a:spcBef>
+              <a:spcAft>
+                <a:spcPts val="0"/>
+              </a:spcAft>
+              <a:buClr>
+                <a:srgbClr val="000000"/>
+              </a:buClr>
+              <a:buSzPts val="1000"/>
+              <a:buFont typeface="Arial"/>
+              <a:buNone/>
+              <a:defRPr b="0" i="0" sz="1000" u="none" cap="none" strike="noStrike">
                 <a:solidFill>
                   <a:schemeClr val="lt1"/>
                 </a:solidFill>
+                <a:latin typeface="Lato"/>
+                <a:ea typeface="Lato"/>
+                <a:cs typeface="Lato"/>
+                <a:sym typeface="Lato"/>
               </a:defRPr>
             </a:lvl9pPr>
           </a:lstStyle>
@@ -5299,13 +7835,17 @@
           <a:prstGeom prst="rect">
             <a:avLst/>
           </a:prstGeom>
+          <a:noFill/>
+          <a:ln>
+            <a:noFill/>
+          </a:ln>
         </p:spPr>
         <p:txBody>
           <a:bodyPr anchorCtr="0" anchor="ctr" bIns="91425" lIns="91425" spcFirstLastPara="1" rIns="91425" wrap="square" tIns="91425">
             <a:normAutofit/>
           </a:bodyPr>
           <a:lstStyle>
-            <a:lvl1pPr indent="-228600" lvl="0" marL="457200">
+            <a:lvl1pPr indent="-228600" lvl="0" marL="457200" algn="l">
               <a:lnSpc>
                 <a:spcPct val="100000"/>
               </a:lnSpc>
@@ -5339,47 +7879,249 @@
           <a:prstGeom prst="rect">
             <a:avLst/>
           </a:prstGeom>
+          <a:noFill/>
+          <a:ln>
+            <a:noFill/>
+          </a:ln>
         </p:spPr>
         <p:txBody>
           <a:bodyPr anchorCtr="0" anchor="ctr" bIns="91425" lIns="91425" spcFirstLastPara="1" rIns="91425" wrap="square" tIns="91425">
             <a:normAutofit/>
           </a:bodyPr>
           <a:lstStyle>
-            <a:lvl1pPr lvl="0">
-              <a:buNone/>
-              <a:defRPr/>
+            <a:lvl1pPr indent="0" lvl="0" marL="0" marR="0" algn="r">
+              <a:lnSpc>
+                <a:spcPct val="100000"/>
+              </a:lnSpc>
+              <a:spcBef>
+                <a:spcPts val="0"/>
+              </a:spcBef>
+              <a:spcAft>
+                <a:spcPts val="0"/>
+              </a:spcAft>
+              <a:buClr>
+                <a:srgbClr val="000000"/>
+              </a:buClr>
+              <a:buSzPts val="1000"/>
+              <a:buFont typeface="Arial"/>
+              <a:buNone/>
+              <a:defRPr b="0" i="0" sz="1000" u="none" cap="none" strike="noStrike">
+                <a:solidFill>
+                  <a:schemeClr val="dk2"/>
+                </a:solidFill>
+                <a:latin typeface="Lato"/>
+                <a:ea typeface="Lato"/>
+                <a:cs typeface="Lato"/>
+                <a:sym typeface="Lato"/>
+              </a:defRPr>
             </a:lvl1pPr>
-            <a:lvl2pPr lvl="1">
-              <a:buNone/>
-              <a:defRPr/>
+            <a:lvl2pPr indent="0" lvl="1" marL="0" marR="0" algn="r">
+              <a:lnSpc>
+                <a:spcPct val="100000"/>
+              </a:lnSpc>
+              <a:spcBef>
+                <a:spcPts val="0"/>
+              </a:spcBef>
+              <a:spcAft>
+                <a:spcPts val="0"/>
+              </a:spcAft>
+              <a:buClr>
+                <a:srgbClr val="000000"/>
+              </a:buClr>
+              <a:buSzPts val="1000"/>
+              <a:buFont typeface="Arial"/>
+              <a:buNone/>
+              <a:defRPr b="0" i="0" sz="1000" u="none" cap="none" strike="noStrike">
+                <a:solidFill>
+                  <a:schemeClr val="dk2"/>
+                </a:solidFill>
+                <a:latin typeface="Lato"/>
+                <a:ea typeface="Lato"/>
+                <a:cs typeface="Lato"/>
+                <a:sym typeface="Lato"/>
+              </a:defRPr>
             </a:lvl2pPr>
-            <a:lvl3pPr lvl="2">
-              <a:buNone/>
-              <a:defRPr/>
+            <a:lvl3pPr indent="0" lvl="2" marL="0" marR="0" algn="r">
+              <a:lnSpc>
+                <a:spcPct val="100000"/>
+              </a:lnSpc>
+              <a:spcBef>
+                <a:spcPts val="0"/>
+              </a:spcBef>
+              <a:spcAft>
+                <a:spcPts val="0"/>
+              </a:spcAft>
+              <a:buClr>
+                <a:srgbClr val="000000"/>
+              </a:buClr>
+              <a:buSzPts val="1000"/>
+              <a:buFont typeface="Arial"/>
+              <a:buNone/>
+              <a:defRPr b="0" i="0" sz="1000" u="none" cap="none" strike="noStrike">
+                <a:solidFill>
+                  <a:schemeClr val="dk2"/>
+                </a:solidFill>
+                <a:latin typeface="Lato"/>
+                <a:ea typeface="Lato"/>
+                <a:cs typeface="Lato"/>
+                <a:sym typeface="Lato"/>
+              </a:defRPr>
             </a:lvl3pPr>
-            <a:lvl4pPr lvl="3">
-              <a:buNone/>
-              <a:defRPr/>
+            <a:lvl4pPr indent="0" lvl="3" marL="0" marR="0" algn="r">
+              <a:lnSpc>
+                <a:spcPct val="100000"/>
+              </a:lnSpc>
+              <a:spcBef>
+                <a:spcPts val="0"/>
+              </a:spcBef>
+              <a:spcAft>
+                <a:spcPts val="0"/>
+              </a:spcAft>
+              <a:buClr>
+                <a:srgbClr val="000000"/>
+              </a:buClr>
+              <a:buSzPts val="1000"/>
+              <a:buFont typeface="Arial"/>
+              <a:buNone/>
+              <a:defRPr b="0" i="0" sz="1000" u="none" cap="none" strike="noStrike">
+                <a:solidFill>
+                  <a:schemeClr val="dk2"/>
+                </a:solidFill>
+                <a:latin typeface="Lato"/>
+                <a:ea typeface="Lato"/>
+                <a:cs typeface="Lato"/>
+                <a:sym typeface="Lato"/>
+              </a:defRPr>
             </a:lvl4pPr>
-            <a:lvl5pPr lvl="4">
-              <a:buNone/>
-              <a:defRPr/>
+            <a:lvl5pPr indent="0" lvl="4" marL="0" marR="0" algn="r">
+              <a:lnSpc>
+                <a:spcPct val="100000"/>
+              </a:lnSpc>
+              <a:spcBef>
+                <a:spcPts val="0"/>
+              </a:spcBef>
+              <a:spcAft>
+                <a:spcPts val="0"/>
+              </a:spcAft>
+              <a:buClr>
+                <a:srgbClr val="000000"/>
+              </a:buClr>
+              <a:buSzPts val="1000"/>
+              <a:buFont typeface="Arial"/>
+              <a:buNone/>
+              <a:defRPr b="0" i="0" sz="1000" u="none" cap="none" strike="noStrike">
+                <a:solidFill>
+                  <a:schemeClr val="dk2"/>
+                </a:solidFill>
+                <a:latin typeface="Lato"/>
+                <a:ea typeface="Lato"/>
+                <a:cs typeface="Lato"/>
+                <a:sym typeface="Lato"/>
+              </a:defRPr>
             </a:lvl5pPr>
-            <a:lvl6pPr lvl="5">
-              <a:buNone/>
-              <a:defRPr/>
+            <a:lvl6pPr indent="0" lvl="5" marL="0" marR="0" algn="r">
+              <a:lnSpc>
+                <a:spcPct val="100000"/>
+              </a:lnSpc>
+              <a:spcBef>
+                <a:spcPts val="0"/>
+              </a:spcBef>
+              <a:spcAft>
+                <a:spcPts val="0"/>
+              </a:spcAft>
+              <a:buClr>
+                <a:srgbClr val="000000"/>
+              </a:buClr>
+              <a:buSzPts val="1000"/>
+              <a:buFont typeface="Arial"/>
+              <a:buNone/>
+              <a:defRPr b="0" i="0" sz="1000" u="none" cap="none" strike="noStrike">
+                <a:solidFill>
+                  <a:schemeClr val="dk2"/>
+                </a:solidFill>
+                <a:latin typeface="Lato"/>
+                <a:ea typeface="Lato"/>
+                <a:cs typeface="Lato"/>
+                <a:sym typeface="Lato"/>
+              </a:defRPr>
             </a:lvl6pPr>
-            <a:lvl7pPr lvl="6">
-              <a:buNone/>
-              <a:defRPr/>
+            <a:lvl7pPr indent="0" lvl="6" marL="0" marR="0" algn="r">
+              <a:lnSpc>
+                <a:spcPct val="100000"/>
+              </a:lnSpc>
+              <a:spcBef>
+                <a:spcPts val="0"/>
+              </a:spcBef>
+              <a:spcAft>
+                <a:spcPts val="0"/>
+              </a:spcAft>
+              <a:buClr>
+                <a:srgbClr val="000000"/>
+              </a:buClr>
+              <a:buSzPts val="1000"/>
+              <a:buFont typeface="Arial"/>
+              <a:buNone/>
+              <a:defRPr b="0" i="0" sz="1000" u="none" cap="none" strike="noStrike">
+                <a:solidFill>
+                  <a:schemeClr val="dk2"/>
+                </a:solidFill>
+                <a:latin typeface="Lato"/>
+                <a:ea typeface="Lato"/>
+                <a:cs typeface="Lato"/>
+                <a:sym typeface="Lato"/>
+              </a:defRPr>
             </a:lvl7pPr>
-            <a:lvl8pPr lvl="7">
-              <a:buNone/>
-              <a:defRPr/>
+            <a:lvl8pPr indent="0" lvl="7" marL="0" marR="0" algn="r">
+              <a:lnSpc>
+                <a:spcPct val="100000"/>
+              </a:lnSpc>
+              <a:spcBef>
+                <a:spcPts val="0"/>
+              </a:spcBef>
+              <a:spcAft>
+                <a:spcPts val="0"/>
+              </a:spcAft>
+              <a:buClr>
+                <a:srgbClr val="000000"/>
+              </a:buClr>
+              <a:buSzPts val="1000"/>
+              <a:buFont typeface="Arial"/>
+              <a:buNone/>
+              <a:defRPr b="0" i="0" sz="1000" u="none" cap="none" strike="noStrike">
+                <a:solidFill>
+                  <a:schemeClr val="dk2"/>
+                </a:solidFill>
+                <a:latin typeface="Lato"/>
+                <a:ea typeface="Lato"/>
+                <a:cs typeface="Lato"/>
+                <a:sym typeface="Lato"/>
+              </a:defRPr>
             </a:lvl8pPr>
-            <a:lvl9pPr lvl="8">
-              <a:buNone/>
-              <a:defRPr/>
+            <a:lvl9pPr indent="0" lvl="8" marL="0" marR="0" algn="r">
+              <a:lnSpc>
+                <a:spcPct val="100000"/>
+              </a:lnSpc>
+              <a:spcBef>
+                <a:spcPts val="0"/>
+              </a:spcBef>
+              <a:spcAft>
+                <a:spcPts val="0"/>
+              </a:spcAft>
+              <a:buClr>
+                <a:srgbClr val="000000"/>
+              </a:buClr>
+              <a:buSzPts val="1000"/>
+              <a:buFont typeface="Arial"/>
+              <a:buNone/>
+              <a:defRPr b="0" i="0" sz="1000" u="none" cap="none" strike="noStrike">
+                <a:solidFill>
+                  <a:schemeClr val="dk2"/>
+                </a:solidFill>
+                <a:latin typeface="Lato"/>
+                <a:ea typeface="Lato"/>
+                <a:cs typeface="Lato"/>
+                <a:sym typeface="Lato"/>
+              </a:defRPr>
             </a:lvl9pPr>
           </a:lstStyle>
           <a:p>
@@ -5458,7 +8200,10 @@
             <a:normAutofit/>
           </a:bodyPr>
           <a:lstStyle>
-            <a:lvl1pPr lvl="0">
+            <a:lvl1pPr lvl="0" marR="0" rtl="0" algn="l">
+              <a:lnSpc>
+                <a:spcPct val="100000"/>
+              </a:lnSpc>
               <a:spcBef>
                 <a:spcPts val="0"/>
               </a:spcBef>
@@ -5471,7 +8216,7 @@
               <a:buSzPts val="3000"/>
               <a:buFont typeface="Raleway"/>
               <a:buNone/>
-              <a:defRPr b="1" sz="3000">
+              <a:defRPr b="1" i="0" sz="3000" u="none" cap="none" strike="noStrike">
                 <a:solidFill>
                   <a:schemeClr val="dk2"/>
                 </a:solidFill>
@@ -5481,7 +8226,10 @@
                 <a:sym typeface="Raleway"/>
               </a:defRPr>
             </a:lvl1pPr>
-            <a:lvl2pPr lvl="1">
+            <a:lvl2pPr lvl="1" marR="0" rtl="0" algn="l">
+              <a:lnSpc>
+                <a:spcPct val="100000"/>
+              </a:lnSpc>
               <a:spcBef>
                 <a:spcPts val="0"/>
               </a:spcBef>
@@ -5494,7 +8242,7 @@
               <a:buSzPts val="3000"/>
               <a:buFont typeface="Raleway"/>
               <a:buNone/>
-              <a:defRPr b="1" sz="3000">
+              <a:defRPr b="1" i="0" sz="3000" u="none" cap="none" strike="noStrike">
                 <a:solidFill>
                   <a:schemeClr val="dk2"/>
                 </a:solidFill>
@@ -5504,7 +8252,10 @@
                 <a:sym typeface="Raleway"/>
               </a:defRPr>
             </a:lvl2pPr>
-            <a:lvl3pPr lvl="2">
+            <a:lvl3pPr lvl="2" marR="0" rtl="0" algn="l">
+              <a:lnSpc>
+                <a:spcPct val="100000"/>
+              </a:lnSpc>
               <a:spcBef>
                 <a:spcPts val="0"/>
               </a:spcBef>
@@ -5517,7 +8268,7 @@
               <a:buSzPts val="3000"/>
               <a:buFont typeface="Raleway"/>
               <a:buNone/>
-              <a:defRPr b="1" sz="3000">
+              <a:defRPr b="1" i="0" sz="3000" u="none" cap="none" strike="noStrike">
                 <a:solidFill>
                   <a:schemeClr val="dk2"/>
                 </a:solidFill>
@@ -5527,7 +8278,10 @@
                 <a:sym typeface="Raleway"/>
               </a:defRPr>
             </a:lvl3pPr>
-            <a:lvl4pPr lvl="3">
+            <a:lvl4pPr lvl="3" marR="0" rtl="0" algn="l">
+              <a:lnSpc>
+                <a:spcPct val="100000"/>
+              </a:lnSpc>
               <a:spcBef>
                 <a:spcPts val="0"/>
               </a:spcBef>
@@ -5540,7 +8294,7 @@
               <a:buSzPts val="3000"/>
               <a:buFont typeface="Raleway"/>
               <a:buNone/>
-              <a:defRPr b="1" sz="3000">
+              <a:defRPr b="1" i="0" sz="3000" u="none" cap="none" strike="noStrike">
                 <a:solidFill>
                   <a:schemeClr val="dk2"/>
                 </a:solidFill>
@@ -5550,7 +8304,10 @@
                 <a:sym typeface="Raleway"/>
               </a:defRPr>
             </a:lvl4pPr>
-            <a:lvl5pPr lvl="4">
+            <a:lvl5pPr lvl="4" marR="0" rtl="0" algn="l">
+              <a:lnSpc>
+                <a:spcPct val="100000"/>
+              </a:lnSpc>
               <a:spcBef>
                 <a:spcPts val="0"/>
               </a:spcBef>
@@ -5563,7 +8320,7 @@
               <a:buSzPts val="3000"/>
               <a:buFont typeface="Raleway"/>
               <a:buNone/>
-              <a:defRPr b="1" sz="3000">
+              <a:defRPr b="1" i="0" sz="3000" u="none" cap="none" strike="noStrike">
                 <a:solidFill>
                   <a:schemeClr val="dk2"/>
                 </a:solidFill>
@@ -5573,7 +8330,10 @@
                 <a:sym typeface="Raleway"/>
               </a:defRPr>
             </a:lvl5pPr>
-            <a:lvl6pPr lvl="5">
+            <a:lvl6pPr lvl="5" marR="0" rtl="0" algn="l">
+              <a:lnSpc>
+                <a:spcPct val="100000"/>
+              </a:lnSpc>
               <a:spcBef>
                 <a:spcPts val="0"/>
               </a:spcBef>
@@ -5586,7 +8346,7 @@
               <a:buSzPts val="3000"/>
               <a:buFont typeface="Raleway"/>
               <a:buNone/>
-              <a:defRPr b="1" sz="3000">
+              <a:defRPr b="1" i="0" sz="3000" u="none" cap="none" strike="noStrike">
                 <a:solidFill>
                   <a:schemeClr val="dk2"/>
                 </a:solidFill>
@@ -5596,7 +8356,10 @@
                 <a:sym typeface="Raleway"/>
               </a:defRPr>
             </a:lvl6pPr>
-            <a:lvl7pPr lvl="6">
+            <a:lvl7pPr lvl="6" marR="0" rtl="0" algn="l">
+              <a:lnSpc>
+                <a:spcPct val="100000"/>
+              </a:lnSpc>
               <a:spcBef>
                 <a:spcPts val="0"/>
               </a:spcBef>
@@ -5609,7 +8372,7 @@
               <a:buSzPts val="3000"/>
               <a:buFont typeface="Raleway"/>
               <a:buNone/>
-              <a:defRPr b="1" sz="3000">
+              <a:defRPr b="1" i="0" sz="3000" u="none" cap="none" strike="noStrike">
                 <a:solidFill>
                   <a:schemeClr val="dk2"/>
                 </a:solidFill>
@@ -5619,7 +8382,10 @@
                 <a:sym typeface="Raleway"/>
               </a:defRPr>
             </a:lvl7pPr>
-            <a:lvl8pPr lvl="7">
+            <a:lvl8pPr lvl="7" marR="0" rtl="0" algn="l">
+              <a:lnSpc>
+                <a:spcPct val="100000"/>
+              </a:lnSpc>
               <a:spcBef>
                 <a:spcPts val="0"/>
               </a:spcBef>
@@ -5632,7 +8398,7 @@
               <a:buSzPts val="3000"/>
               <a:buFont typeface="Raleway"/>
               <a:buNone/>
-              <a:defRPr b="1" sz="3000">
+              <a:defRPr b="1" i="0" sz="3000" u="none" cap="none" strike="noStrike">
                 <a:solidFill>
                   <a:schemeClr val="dk2"/>
                 </a:solidFill>
@@ -5642,7 +8408,10 @@
                 <a:sym typeface="Raleway"/>
               </a:defRPr>
             </a:lvl8pPr>
-            <a:lvl9pPr lvl="8">
+            <a:lvl9pPr lvl="8" marR="0" rtl="0" algn="l">
+              <a:lnSpc>
+                <a:spcPct val="100000"/>
+              </a:lnSpc>
               <a:spcBef>
                 <a:spcPts val="0"/>
               </a:spcBef>
@@ -5655,7 +8424,7 @@
               <a:buSzPts val="3000"/>
               <a:buFont typeface="Raleway"/>
               <a:buNone/>
-              <a:defRPr b="1" sz="3000">
+              <a:defRPr b="1" i="0" sz="3000" u="none" cap="none" strike="noStrike">
                 <a:solidFill>
                   <a:schemeClr val="dk2"/>
                 </a:solidFill>
@@ -5695,7 +8464,7 @@
             <a:normAutofit/>
           </a:bodyPr>
           <a:lstStyle>
-            <a:lvl1pPr indent="-342900" lvl="0" marL="457200">
+            <a:lvl1pPr indent="-342900" lvl="0" marL="457200" marR="0" rtl="0" algn="l">
               <a:lnSpc>
                 <a:spcPct val="115000"/>
               </a:lnSpc>
@@ -5711,7 +8480,7 @@
               <a:buSzPts val="1800"/>
               <a:buFont typeface="Lato"/>
               <a:buChar char="●"/>
-              <a:defRPr sz="1800">
+              <a:defRPr b="0" i="0" sz="1800" u="none" cap="none" strike="noStrike">
                 <a:solidFill>
                   <a:schemeClr val="dk2"/>
                 </a:solidFill>
@@ -5721,7 +8490,7 @@
                 <a:sym typeface="Lato"/>
               </a:defRPr>
             </a:lvl1pPr>
-            <a:lvl2pPr indent="-317500" lvl="1" marL="914400">
+            <a:lvl2pPr indent="-317500" lvl="1" marL="914400" marR="0" rtl="0" algn="l">
               <a:lnSpc>
                 <a:spcPct val="115000"/>
               </a:lnSpc>
@@ -5737,7 +8506,7 @@
               <a:buSzPts val="1400"/>
               <a:buFont typeface="Lato"/>
               <a:buChar char="○"/>
-              <a:defRPr>
+              <a:defRPr b="0" i="0" sz="1400" u="none" cap="none" strike="noStrike">
                 <a:solidFill>
                   <a:schemeClr val="dk2"/>
                 </a:solidFill>
@@ -5747,7 +8516,7 @@
                 <a:sym typeface="Lato"/>
               </a:defRPr>
             </a:lvl2pPr>
-            <a:lvl3pPr indent="-317500" lvl="2" marL="1371600">
+            <a:lvl3pPr indent="-317500" lvl="2" marL="1371600" marR="0" rtl="0" algn="l">
               <a:lnSpc>
                 <a:spcPct val="115000"/>
               </a:lnSpc>
@@ -5763,7 +8532,7 @@
               <a:buSzPts val="1400"/>
               <a:buFont typeface="Lato"/>
               <a:buChar char="■"/>
-              <a:defRPr>
+              <a:defRPr b="0" i="0" sz="1400" u="none" cap="none" strike="noStrike">
                 <a:solidFill>
                   <a:schemeClr val="dk2"/>
                 </a:solidFill>
@@ -5773,7 +8542,7 @@
                 <a:sym typeface="Lato"/>
               </a:defRPr>
             </a:lvl3pPr>
-            <a:lvl4pPr indent="-317500" lvl="3" marL="1828800">
+            <a:lvl4pPr indent="-317500" lvl="3" marL="1828800" marR="0" rtl="0" algn="l">
               <a:lnSpc>
                 <a:spcPct val="115000"/>
               </a:lnSpc>
@@ -5789,7 +8558,7 @@
               <a:buSzPts val="1400"/>
               <a:buFont typeface="Lato"/>
               <a:buChar char="●"/>
-              <a:defRPr>
+              <a:defRPr b="0" i="0" sz="1400" u="none" cap="none" strike="noStrike">
                 <a:solidFill>
                   <a:schemeClr val="dk2"/>
                 </a:solidFill>
@@ -5799,7 +8568,7 @@
                 <a:sym typeface="Lato"/>
               </a:defRPr>
             </a:lvl4pPr>
-            <a:lvl5pPr indent="-317500" lvl="4" marL="2286000">
+            <a:lvl5pPr indent="-317500" lvl="4" marL="2286000" marR="0" rtl="0" algn="l">
               <a:lnSpc>
                 <a:spcPct val="115000"/>
               </a:lnSpc>
@@ -5815,7 +8584,7 @@
               <a:buSzPts val="1400"/>
               <a:buFont typeface="Lato"/>
               <a:buChar char="○"/>
-              <a:defRPr>
+              <a:defRPr b="0" i="0" sz="1400" u="none" cap="none" strike="noStrike">
                 <a:solidFill>
                   <a:schemeClr val="dk2"/>
                 </a:solidFill>
@@ -5825,7 +8594,7 @@
                 <a:sym typeface="Lato"/>
               </a:defRPr>
             </a:lvl5pPr>
-            <a:lvl6pPr indent="-317500" lvl="5" marL="2743200">
+            <a:lvl6pPr indent="-317500" lvl="5" marL="2743200" marR="0" rtl="0" algn="l">
               <a:lnSpc>
                 <a:spcPct val="115000"/>
               </a:lnSpc>
@@ -5841,7 +8610,7 @@
               <a:buSzPts val="1400"/>
               <a:buFont typeface="Lato"/>
               <a:buChar char="■"/>
-              <a:defRPr>
+              <a:defRPr b="0" i="0" sz="1400" u="none" cap="none" strike="noStrike">
                 <a:solidFill>
                   <a:schemeClr val="dk2"/>
                 </a:solidFill>
@@ -5851,7 +8620,7 @@
                 <a:sym typeface="Lato"/>
               </a:defRPr>
             </a:lvl6pPr>
-            <a:lvl7pPr indent="-317500" lvl="6" marL="3200400">
+            <a:lvl7pPr indent="-317500" lvl="6" marL="3200400" marR="0" rtl="0" algn="l">
               <a:lnSpc>
                 <a:spcPct val="115000"/>
               </a:lnSpc>
@@ -5867,7 +8636,7 @@
               <a:buSzPts val="1400"/>
               <a:buFont typeface="Lato"/>
               <a:buChar char="●"/>
-              <a:defRPr>
+              <a:defRPr b="0" i="0" sz="1400" u="none" cap="none" strike="noStrike">
                 <a:solidFill>
                   <a:schemeClr val="dk2"/>
                 </a:solidFill>
@@ -5877,7 +8646,7 @@
                 <a:sym typeface="Lato"/>
               </a:defRPr>
             </a:lvl7pPr>
-            <a:lvl8pPr indent="-317500" lvl="7" marL="3657600">
+            <a:lvl8pPr indent="-317500" lvl="7" marL="3657600" marR="0" rtl="0" algn="l">
               <a:lnSpc>
                 <a:spcPct val="115000"/>
               </a:lnSpc>
@@ -5893,7 +8662,7 @@
               <a:buSzPts val="1400"/>
               <a:buFont typeface="Lato"/>
               <a:buChar char="○"/>
-              <a:defRPr>
+              <a:defRPr b="0" i="0" sz="1400" u="none" cap="none" strike="noStrike">
                 <a:solidFill>
                   <a:schemeClr val="dk2"/>
                 </a:solidFill>
@@ -5903,7 +8672,7 @@
                 <a:sym typeface="Lato"/>
               </a:defRPr>
             </a:lvl8pPr>
-            <a:lvl9pPr indent="-317500" lvl="8" marL="4114800">
+            <a:lvl9pPr indent="-317500" lvl="8" marL="4114800" marR="0" rtl="0" algn="l">
               <a:lnSpc>
                 <a:spcPct val="115000"/>
               </a:lnSpc>
@@ -5919,7 +8688,7 @@
               <a:buSzPts val="1400"/>
               <a:buFont typeface="Lato"/>
               <a:buChar char="■"/>
-              <a:defRPr>
+              <a:defRPr b="0" i="0" sz="1400" u="none" cap="none" strike="noStrike">
                 <a:solidFill>
                   <a:schemeClr val="dk2"/>
                 </a:solidFill>
@@ -5959,9 +8728,23 @@
             <a:normAutofit/>
           </a:bodyPr>
           <a:lstStyle>
-            <a:lvl1pPr lvl="0" algn="r">
-              <a:buNone/>
-              <a:defRPr sz="1000">
+            <a:lvl1pPr indent="0" lvl="0" marL="0" marR="0" rtl="0" algn="r">
+              <a:lnSpc>
+                <a:spcPct val="100000"/>
+              </a:lnSpc>
+              <a:spcBef>
+                <a:spcPts val="0"/>
+              </a:spcBef>
+              <a:spcAft>
+                <a:spcPts val="0"/>
+              </a:spcAft>
+              <a:buClr>
+                <a:srgbClr val="000000"/>
+              </a:buClr>
+              <a:buSzPts val="1000"/>
+              <a:buFont typeface="Arial"/>
+              <a:buNone/>
+              <a:defRPr b="0" i="0" sz="1000" u="none" cap="none" strike="noStrike">
                 <a:solidFill>
                   <a:schemeClr val="dk2"/>
                 </a:solidFill>
@@ -5971,9 +8754,23 @@
                 <a:sym typeface="Lato"/>
               </a:defRPr>
             </a:lvl1pPr>
-            <a:lvl2pPr lvl="1" algn="r">
-              <a:buNone/>
-              <a:defRPr sz="1000">
+            <a:lvl2pPr indent="0" lvl="1" marL="0" marR="0" rtl="0" algn="r">
+              <a:lnSpc>
+                <a:spcPct val="100000"/>
+              </a:lnSpc>
+              <a:spcBef>
+                <a:spcPts val="0"/>
+              </a:spcBef>
+              <a:spcAft>
+                <a:spcPts val="0"/>
+              </a:spcAft>
+              <a:buClr>
+                <a:srgbClr val="000000"/>
+              </a:buClr>
+              <a:buSzPts val="1000"/>
+              <a:buFont typeface="Arial"/>
+              <a:buNone/>
+              <a:defRPr b="0" i="0" sz="1000" u="none" cap="none" strike="noStrike">
                 <a:solidFill>
                   <a:schemeClr val="dk2"/>
                 </a:solidFill>
@@ -5983,9 +8780,23 @@
                 <a:sym typeface="Lato"/>
               </a:defRPr>
             </a:lvl2pPr>
-            <a:lvl3pPr lvl="2" algn="r">
-              <a:buNone/>
-              <a:defRPr sz="1000">
+            <a:lvl3pPr indent="0" lvl="2" marL="0" marR="0" rtl="0" algn="r">
+              <a:lnSpc>
+                <a:spcPct val="100000"/>
+              </a:lnSpc>
+              <a:spcBef>
+                <a:spcPts val="0"/>
+              </a:spcBef>
+              <a:spcAft>
+                <a:spcPts val="0"/>
+              </a:spcAft>
+              <a:buClr>
+                <a:srgbClr val="000000"/>
+              </a:buClr>
+              <a:buSzPts val="1000"/>
+              <a:buFont typeface="Arial"/>
+              <a:buNone/>
+              <a:defRPr b="0" i="0" sz="1000" u="none" cap="none" strike="noStrike">
                 <a:solidFill>
                   <a:schemeClr val="dk2"/>
                 </a:solidFill>
@@ -5995,9 +8806,23 @@
                 <a:sym typeface="Lato"/>
               </a:defRPr>
             </a:lvl3pPr>
-            <a:lvl4pPr lvl="3" algn="r">
-              <a:buNone/>
-              <a:defRPr sz="1000">
+            <a:lvl4pPr indent="0" lvl="3" marL="0" marR="0" rtl="0" algn="r">
+              <a:lnSpc>
+                <a:spcPct val="100000"/>
+              </a:lnSpc>
+              <a:spcBef>
+                <a:spcPts val="0"/>
+              </a:spcBef>
+              <a:spcAft>
+                <a:spcPts val="0"/>
+              </a:spcAft>
+              <a:buClr>
+                <a:srgbClr val="000000"/>
+              </a:buClr>
+              <a:buSzPts val="1000"/>
+              <a:buFont typeface="Arial"/>
+              <a:buNone/>
+              <a:defRPr b="0" i="0" sz="1000" u="none" cap="none" strike="noStrike">
                 <a:solidFill>
                   <a:schemeClr val="dk2"/>
                 </a:solidFill>
@@ -6007,9 +8832,23 @@
                 <a:sym typeface="Lato"/>
               </a:defRPr>
             </a:lvl4pPr>
-            <a:lvl5pPr lvl="4" algn="r">
-              <a:buNone/>
-              <a:defRPr sz="1000">
+            <a:lvl5pPr indent="0" lvl="4" marL="0" marR="0" rtl="0" algn="r">
+              <a:lnSpc>
+                <a:spcPct val="100000"/>
+              </a:lnSpc>
+              <a:spcBef>
+                <a:spcPts val="0"/>
+              </a:spcBef>
+              <a:spcAft>
+                <a:spcPts val="0"/>
+              </a:spcAft>
+              <a:buClr>
+                <a:srgbClr val="000000"/>
+              </a:buClr>
+              <a:buSzPts val="1000"/>
+              <a:buFont typeface="Arial"/>
+              <a:buNone/>
+              <a:defRPr b="0" i="0" sz="1000" u="none" cap="none" strike="noStrike">
                 <a:solidFill>
                   <a:schemeClr val="dk2"/>
                 </a:solidFill>
@@ -6019,9 +8858,23 @@
                 <a:sym typeface="Lato"/>
               </a:defRPr>
             </a:lvl5pPr>
-            <a:lvl6pPr lvl="5" algn="r">
-              <a:buNone/>
-              <a:defRPr sz="1000">
+            <a:lvl6pPr indent="0" lvl="5" marL="0" marR="0" rtl="0" algn="r">
+              <a:lnSpc>
+                <a:spcPct val="100000"/>
+              </a:lnSpc>
+              <a:spcBef>
+                <a:spcPts val="0"/>
+              </a:spcBef>
+              <a:spcAft>
+                <a:spcPts val="0"/>
+              </a:spcAft>
+              <a:buClr>
+                <a:srgbClr val="000000"/>
+              </a:buClr>
+              <a:buSzPts val="1000"/>
+              <a:buFont typeface="Arial"/>
+              <a:buNone/>
+              <a:defRPr b="0" i="0" sz="1000" u="none" cap="none" strike="noStrike">
                 <a:solidFill>
                   <a:schemeClr val="dk2"/>
                 </a:solidFill>
@@ -6031,9 +8884,23 @@
                 <a:sym typeface="Lato"/>
               </a:defRPr>
             </a:lvl6pPr>
-            <a:lvl7pPr lvl="6" algn="r">
-              <a:buNone/>
-              <a:defRPr sz="1000">
+            <a:lvl7pPr indent="0" lvl="6" marL="0" marR="0" rtl="0" algn="r">
+              <a:lnSpc>
+                <a:spcPct val="100000"/>
+              </a:lnSpc>
+              <a:spcBef>
+                <a:spcPts val="0"/>
+              </a:spcBef>
+              <a:spcAft>
+                <a:spcPts val="0"/>
+              </a:spcAft>
+              <a:buClr>
+                <a:srgbClr val="000000"/>
+              </a:buClr>
+              <a:buSzPts val="1000"/>
+              <a:buFont typeface="Arial"/>
+              <a:buNone/>
+              <a:defRPr b="0" i="0" sz="1000" u="none" cap="none" strike="noStrike">
                 <a:solidFill>
                   <a:schemeClr val="dk2"/>
                 </a:solidFill>
@@ -6043,9 +8910,23 @@
                 <a:sym typeface="Lato"/>
               </a:defRPr>
             </a:lvl7pPr>
-            <a:lvl8pPr lvl="7" algn="r">
-              <a:buNone/>
-              <a:defRPr sz="1000">
+            <a:lvl8pPr indent="0" lvl="7" marL="0" marR="0" rtl="0" algn="r">
+              <a:lnSpc>
+                <a:spcPct val="100000"/>
+              </a:lnSpc>
+              <a:spcBef>
+                <a:spcPts val="0"/>
+              </a:spcBef>
+              <a:spcAft>
+                <a:spcPts val="0"/>
+              </a:spcAft>
+              <a:buClr>
+                <a:srgbClr val="000000"/>
+              </a:buClr>
+              <a:buSzPts val="1000"/>
+              <a:buFont typeface="Arial"/>
+              <a:buNone/>
+              <a:defRPr b="0" i="0" sz="1000" u="none" cap="none" strike="noStrike">
                 <a:solidFill>
                   <a:schemeClr val="dk2"/>
                 </a:solidFill>
@@ -6055,9 +8936,23 @@
                 <a:sym typeface="Lato"/>
               </a:defRPr>
             </a:lvl8pPr>
-            <a:lvl9pPr lvl="8" algn="r">
-              <a:buNone/>
-              <a:defRPr sz="1000">
+            <a:lvl9pPr indent="0" lvl="8" marL="0" marR="0" rtl="0" algn="r">
+              <a:lnSpc>
+                <a:spcPct val="100000"/>
+              </a:lnSpc>
+              <a:spcBef>
+                <a:spcPts val="0"/>
+              </a:spcBef>
+              <a:spcAft>
+                <a:spcPts val="0"/>
+              </a:spcAft>
+              <a:buClr>
+                <a:srgbClr val="000000"/>
+              </a:buClr>
+              <a:buSzPts val="1000"/>
+              <a:buFont typeface="Arial"/>
+              <a:buNone/>
+              <a:defRPr b="0" i="0" sz="1000" u="none" cap="none" strike="noStrike">
                 <a:solidFill>
                   <a:schemeClr val="dk2"/>
                 </a:solidFill>
@@ -6828,6 +9723,10 @@
           <a:prstGeom prst="rect">
             <a:avLst/>
           </a:prstGeom>
+          <a:noFill/>
+          <a:ln>
+            <a:noFill/>
+          </a:ln>
         </p:spPr>
         <p:txBody>
           <a:bodyPr anchorCtr="0" anchor="t" bIns="91425" lIns="91425" spcFirstLastPara="1" rIns="91425" wrap="square" tIns="91425">
@@ -6836,12 +9735,16 @@
           <a:lstStyle/>
           <a:p>
             <a:pPr indent="0" lvl="0" marL="0" rtl="0" algn="l">
-              <a:spcBef>
-                <a:spcPts val="0"/>
-              </a:spcBef>
-              <a:spcAft>
-                <a:spcPts val="0"/>
-              </a:spcAft>
+              <a:lnSpc>
+                <a:spcPct val="100000"/>
+              </a:lnSpc>
+              <a:spcBef>
+                <a:spcPts val="0"/>
+              </a:spcBef>
+              <a:spcAft>
+                <a:spcPts val="0"/>
+              </a:spcAft>
+              <a:buSzPct val="111111"/>
               <a:buNone/>
             </a:pPr>
             <a:r>
@@ -6872,26 +9775,34 @@
         </p:nvSpPr>
         <p:spPr>
           <a:xfrm>
-            <a:off x="2422892" y="1950900"/>
+            <a:off x="2422892" y="2119550"/>
             <a:ext cx="6331500" cy="1241700"/>
           </a:xfrm>
           <a:prstGeom prst="rect">
             <a:avLst/>
           </a:prstGeom>
+          <a:noFill/>
+          <a:ln>
+            <a:noFill/>
+          </a:ln>
         </p:spPr>
         <p:txBody>
-          <a:bodyPr anchorCtr="0" anchor="b" bIns="91425" lIns="91425" spcFirstLastPara="1" rIns="91425" wrap="square" tIns="91425">
+          <a:bodyPr anchorCtr="0" anchor="t" bIns="91425" lIns="91425" spcFirstLastPara="1" rIns="91425" wrap="square" tIns="91425">
             <a:normAutofit/>
           </a:bodyPr>
           <a:lstStyle/>
           <a:p>
             <a:pPr indent="0" lvl="0" marL="0" rtl="0" algn="l">
-              <a:spcBef>
-                <a:spcPts val="0"/>
-              </a:spcBef>
-              <a:spcAft>
-                <a:spcPts val="0"/>
-              </a:spcAft>
+              <a:lnSpc>
+                <a:spcPct val="100000"/>
+              </a:lnSpc>
+              <a:spcBef>
+                <a:spcPts val="0"/>
+              </a:spcBef>
+              <a:spcAft>
+                <a:spcPts val="0"/>
+              </a:spcAft>
+              <a:buSzPts val="1800"/>
               <a:buNone/>
             </a:pPr>
             <a:r>
@@ -6912,56 +9823,6 @@
           </a:p>
         </p:txBody>
       </p:sp>
-      <p:sp>
-        <p:nvSpPr>
-          <p:cNvPr id="74" name="Google Shape;74;p13"/>
-          <p:cNvSpPr txBox="1"/>
-          <p:nvPr/>
-        </p:nvSpPr>
-        <p:spPr>
-          <a:xfrm>
-            <a:off x="6093100" y="3957875"/>
-            <a:ext cx="2661300" cy="415500"/>
-          </a:xfrm>
-          <a:prstGeom prst="rect">
-            <a:avLst/>
-          </a:prstGeom>
-          <a:noFill/>
-          <a:ln>
-            <a:noFill/>
-          </a:ln>
-        </p:spPr>
-        <p:txBody>
-          <a:bodyPr anchorCtr="0" anchor="t" bIns="91425" lIns="91425" spcFirstLastPara="1" rIns="91425" wrap="square" tIns="91425">
-            <a:spAutoFit/>
-          </a:bodyPr>
-          <a:lstStyle/>
-          <a:p>
-            <a:pPr indent="0" lvl="0" marL="0" rtl="0" algn="l">
-              <a:spcBef>
-                <a:spcPts val="0"/>
-              </a:spcBef>
-              <a:spcAft>
-                <a:spcPts val="0"/>
-              </a:spcAft>
-              <a:buNone/>
-            </a:pPr>
-            <a:r>
-              <a:rPr lang="en-GB" sz="1500">
-                <a:solidFill>
-                  <a:schemeClr val="lt1"/>
-                </a:solidFill>
-              </a:rPr>
-              <a:t>Your Name</a:t>
-            </a:r>
-            <a:endParaRPr sz="1500">
-              <a:solidFill>
-                <a:schemeClr val="lt1"/>
-              </a:solidFill>
-            </a:endParaRPr>
-          </a:p>
-        </p:txBody>
-      </p:sp>
     </p:spTree>
   </p:cSld>
   <p:clrMapOvr>
@@ -6975,7 +9836,7 @@
   <p:cSld>
     <p:spTree>
       <p:nvGrpSpPr>
-        <p:cNvPr id="78" name="Shape 78"/>
+        <p:cNvPr id="77" name="Shape 77"/>
         <p:cNvGrpSpPr/>
         <p:nvPr/>
       </p:nvGrpSpPr>
@@ -6989,7 +9850,7 @@
       </p:grpSpPr>
       <p:sp>
         <p:nvSpPr>
-          <p:cNvPr id="79" name="Google Shape;79;p14"/>
+          <p:cNvPr id="78" name="Google Shape;78;p14"/>
           <p:cNvSpPr txBox="1"/>
           <p:nvPr>
             <p:ph type="title"/>
@@ -6997,12 +9858,16 @@
         </p:nvSpPr>
         <p:spPr>
           <a:xfrm>
-            <a:off x="2400250" y="575950"/>
-            <a:ext cx="6321600" cy="635400"/>
+            <a:off x="2360950" y="575950"/>
+            <a:ext cx="6259800" cy="635400"/>
           </a:xfrm>
           <a:prstGeom prst="rect">
             <a:avLst/>
           </a:prstGeom>
+          <a:noFill/>
+          <a:ln>
+            <a:noFill/>
+          </a:ln>
         </p:spPr>
         <p:txBody>
           <a:bodyPr anchorCtr="0" anchor="t" bIns="91425" lIns="91425" spcFirstLastPara="1" rIns="91425" wrap="square" tIns="91425">
@@ -7011,12 +9876,16 @@
           <a:lstStyle/>
           <a:p>
             <a:pPr indent="0" lvl="0" marL="0" rtl="0" algn="l">
-              <a:spcBef>
-                <a:spcPts val="0"/>
-              </a:spcBef>
-              <a:spcAft>
-                <a:spcPts val="0"/>
-              </a:spcAft>
+              <a:lnSpc>
+                <a:spcPct val="100000"/>
+              </a:lnSpc>
+              <a:spcBef>
+                <a:spcPts val="0"/>
+              </a:spcBef>
+              <a:spcAft>
+                <a:spcPts val="0"/>
+              </a:spcAft>
+              <a:buSzPct val="111111"/>
               <a:buNone/>
             </a:pPr>
             <a:r>
@@ -7039,7 +9908,7 @@
       </p:sp>
       <p:sp>
         <p:nvSpPr>
-          <p:cNvPr id="80" name="Google Shape;80;p14"/>
+          <p:cNvPr id="79" name="Google Shape;79;p14"/>
           <p:cNvSpPr txBox="1"/>
           <p:nvPr>
             <p:ph idx="1" type="body"/>
@@ -7047,12 +9916,16 @@
         </p:nvSpPr>
         <p:spPr>
           <a:xfrm>
-            <a:off x="2410112" y="1595776"/>
-            <a:ext cx="6321600" cy="3002400"/>
+            <a:off x="2317950" y="1211350"/>
+            <a:ext cx="6531300" cy="3257700"/>
           </a:xfrm>
           <a:prstGeom prst="rect">
             <a:avLst/>
           </a:prstGeom>
+          <a:noFill/>
+          <a:ln>
+            <a:noFill/>
+          </a:ln>
         </p:spPr>
         <p:txBody>
           <a:bodyPr anchorCtr="0" anchor="t" bIns="91425" lIns="91425" spcFirstLastPara="1" rIns="91425" wrap="square" tIns="91425">
@@ -7061,6 +9934,9 @@
           <a:lstStyle/>
           <a:p>
             <a:pPr indent="-336550" lvl="0" marL="457200" rtl="0" algn="l">
+              <a:lnSpc>
+                <a:spcPct val="115000"/>
+              </a:lnSpc>
               <a:spcBef>
                 <a:spcPts val="1800"/>
               </a:spcBef>
@@ -7125,6 +10001,9 @@
           </a:p>
           <a:p>
             <a:pPr indent="-336550" lvl="0" marL="457200" rtl="0" algn="l">
+              <a:lnSpc>
+                <a:spcPct val="115000"/>
+              </a:lnSpc>
               <a:spcBef>
                 <a:spcPts val="0"/>
               </a:spcBef>
@@ -7162,6 +10041,9 @@
           </a:p>
           <a:p>
             <a:pPr indent="-336550" lvl="0" marL="457200" rtl="0" algn="l">
+              <a:lnSpc>
+                <a:spcPct val="115000"/>
+              </a:lnSpc>
               <a:spcBef>
                 <a:spcPts val="0"/>
               </a:spcBef>
@@ -7199,12 +10081,16 @@
           </a:p>
           <a:p>
             <a:pPr indent="0" lvl="0" marL="0" rtl="0" algn="l">
+              <a:lnSpc>
+                <a:spcPct val="115000"/>
+              </a:lnSpc>
               <a:spcBef>
                 <a:spcPts val="400"/>
               </a:spcBef>
               <a:spcAft>
                 <a:spcPts val="1200"/>
               </a:spcAft>
+              <a:buSzPts val="1800"/>
               <a:buNone/>
             </a:pPr>
             <a:r>
@@ -7223,6 +10109,285 @@
 </file>
 
 <file path=ppt/theme/theme1.xml><?xml version="1.0" encoding="utf-8"?>
+<a:theme xmlns:a="http://schemas.openxmlformats.org/drawingml/2006/main" xmlns:r="http://schemas.openxmlformats.org/officeDocument/2006/relationships">
+  <a:themeElements>
+    <a:clrScheme name="Default">
+      <a:dk1>
+        <a:srgbClr val="000000"/>
+      </a:dk1>
+      <a:lt1>
+        <a:srgbClr val="FFFFFF"/>
+      </a:lt1>
+      <a:dk2>
+        <a:srgbClr val="158158"/>
+      </a:dk2>
+      <a:lt2>
+        <a:srgbClr val="F3F3F3"/>
+      </a:lt2>
+      <a:accent1>
+        <a:srgbClr val="058DC7"/>
+      </a:accent1>
+      <a:accent2>
+        <a:srgbClr val="50B432"/>
+      </a:accent2>
+      <a:accent3>
+        <a:srgbClr val="ED561B"/>
+      </a:accent3>
+      <a:accent4>
+        <a:srgbClr val="EDEF00"/>
+      </a:accent4>
+      <a:accent5>
+        <a:srgbClr val="24CBE5"/>
+      </a:accent5>
+      <a:accent6>
+        <a:srgbClr val="64E572"/>
+      </a:accent6>
+      <a:hlink>
+        <a:srgbClr val="2200CC"/>
+      </a:hlink>
+      <a:folHlink>
+        <a:srgbClr val="551A8B"/>
+      </a:folHlink>
+    </a:clrScheme>
+    <a:fontScheme name="Office">
+      <a:majorFont>
+        <a:latin typeface="Arial"/>
+        <a:ea typeface=""/>
+        <a:cs typeface=""/>
+        <a:font script="Jpan" typeface="ＭＳ Ｐゴシック"/>
+        <a:font script="Hang" typeface="맑은 고딕"/>
+        <a:font script="Hans" typeface="宋体"/>
+        <a:font script="Hant" typeface="新細明體"/>
+        <a:font script="Arab" typeface="Times New Roman"/>
+        <a:font script="Hebr" typeface="Times New Roman"/>
+        <a:font script="Thai" typeface="Angsana New"/>
+        <a:font script="Ethi" typeface="Nyala"/>
+        <a:font script="Beng" typeface="Vrinda"/>
+        <a:font script="Gujr" typeface="Shruti"/>
+        <a:font script="Khmr" typeface="MoolBoran"/>
+        <a:font script="Knda" typeface="Tunga"/>
+        <a:font script="Guru" typeface="Raavi"/>
+        <a:font script="Cans" typeface="Euphemia"/>
+        <a:font script="Cher" typeface="Plantagenet Cherokee"/>
+        <a:font script="Yiii" typeface="Microsoft Yi Baiti"/>
+        <a:font script="Tibt" typeface="Microsoft Himalaya"/>
+        <a:font script="Thaa" typeface="MV Boli"/>
+        <a:font script="Deva" typeface="Mangal"/>
+        <a:font script="Telu" typeface="Gautami"/>
+        <a:font script="Taml" typeface="Latha"/>
+        <a:font script="Syrc" typeface="Estrangelo Edessa"/>
+        <a:font script="Orya" typeface="Kalinga"/>
+        <a:font script="Mlym" typeface="Kartika"/>
+        <a:font script="Laoo" typeface="DokChampa"/>
+        <a:font script="Sinh" typeface="Iskoola Pota"/>
+        <a:font script="Mong" typeface="Mongolian Baiti"/>
+        <a:font script="Viet" typeface="Times New Roman"/>
+        <a:font script="Uigh" typeface="Microsoft Uighur"/>
+        <a:font script="Geor" typeface="Sylfaen"/>
+      </a:majorFont>
+      <a:minorFont>
+        <a:latin typeface="Arial"/>
+        <a:ea typeface=""/>
+        <a:cs typeface=""/>
+        <a:font script="Jpan" typeface="ＭＳ Ｐゴシック"/>
+        <a:font script="Hang" typeface="맑은 고딕"/>
+        <a:font script="Hans" typeface="宋体"/>
+        <a:font script="Hant" typeface="新細明體"/>
+        <a:font script="Arab" typeface="Arial"/>
+        <a:font script="Hebr" typeface="Arial"/>
+        <a:font script="Thai" typeface="Cordia New"/>
+        <a:font script="Ethi" typeface="Nyala"/>
+        <a:font script="Beng" typeface="Vrinda"/>
+        <a:font script="Gujr" typeface="Shruti"/>
+        <a:font script="Khmr" typeface="DaunPenh"/>
+        <a:font script="Knda" typeface="Tunga"/>
+        <a:font script="Guru" typeface="Raavi"/>
+        <a:font script="Cans" typeface="Euphemia"/>
+        <a:font script="Cher" typeface="Plantagenet Cherokee"/>
+        <a:font script="Yiii" typeface="Microsoft Yi Baiti"/>
+        <a:font script="Tibt" typeface="Microsoft Himalaya"/>
+        <a:font script="Thaa" typeface="MV Boli"/>
+        <a:font script="Deva" typeface="Mangal"/>
+        <a:font script="Telu" typeface="Gautami"/>
+        <a:font script="Taml" typeface="Latha"/>
+        <a:font script="Syrc" typeface="Estrangelo Edessa"/>
+        <a:font script="Orya" typeface="Kalinga"/>
+        <a:font script="Mlym" typeface="Kartika"/>
+        <a:font script="Laoo" typeface="DokChampa"/>
+        <a:font script="Sinh" typeface="Iskoola Pota"/>
+        <a:font script="Mong" typeface="Mongolian Baiti"/>
+        <a:font script="Viet" typeface="Arial"/>
+        <a:font script="Uigh" typeface="Microsoft Uighur"/>
+        <a:font script="Geor" typeface="Sylfaen"/>
+      </a:minorFont>
+    </a:fontScheme>
+    <a:fmtScheme name="Office">
+      <a:fillStyleLst>
+        <a:solidFill>
+          <a:schemeClr val="phClr"/>
+        </a:solidFill>
+        <a:gradFill rotWithShape="1">
+          <a:gsLst>
+            <a:gs pos="0">
+              <a:schemeClr val="phClr">
+                <a:tint val="50000"/>
+                <a:satMod val="300000"/>
+              </a:schemeClr>
+            </a:gs>
+            <a:gs pos="35000">
+              <a:schemeClr val="phClr">
+                <a:tint val="37000"/>
+                <a:satMod val="300000"/>
+              </a:schemeClr>
+            </a:gs>
+            <a:gs pos="100000">
+              <a:schemeClr val="phClr">
+                <a:tint val="15000"/>
+                <a:satMod val="350000"/>
+              </a:schemeClr>
+            </a:gs>
+          </a:gsLst>
+          <a:lin ang="16200000" scaled="1"/>
+        </a:gradFill>
+        <a:gradFill rotWithShape="1">
+          <a:gsLst>
+            <a:gs pos="0">
+              <a:schemeClr val="phClr">
+                <a:tint val="100000"/>
+                <a:shade val="100000"/>
+                <a:satMod val="130000"/>
+              </a:schemeClr>
+            </a:gs>
+            <a:gs pos="100000">
+              <a:schemeClr val="phClr">
+                <a:tint val="50000"/>
+                <a:shade val="100000"/>
+                <a:satMod val="350000"/>
+              </a:schemeClr>
+            </a:gs>
+          </a:gsLst>
+          <a:lin ang="16200000" scaled="0"/>
+        </a:gradFill>
+      </a:fillStyleLst>
+      <a:lnStyleLst>
+        <a:ln w="9525" cap="flat" cmpd="sng" algn="ctr">
+          <a:solidFill>
+            <a:schemeClr val="phClr">
+              <a:shade val="95000"/>
+              <a:satMod val="105000"/>
+            </a:schemeClr>
+          </a:solidFill>
+          <a:prstDash val="solid"/>
+        </a:ln>
+        <a:ln w="25400" cap="flat" cmpd="sng" algn="ctr">
+          <a:solidFill>
+            <a:schemeClr val="phClr"/>
+          </a:solidFill>
+          <a:prstDash val="solid"/>
+        </a:ln>
+        <a:ln w="38100" cap="flat" cmpd="sng" algn="ctr">
+          <a:solidFill>
+            <a:schemeClr val="phClr"/>
+          </a:solidFill>
+          <a:prstDash val="solid"/>
+        </a:ln>
+      </a:lnStyleLst>
+      <a:effectStyleLst>
+        <a:effectStyle>
+          <a:effectLst>
+            <a:outerShdw blurRad="40000" dist="20000" dir="5400000" rotWithShape="0">
+              <a:srgbClr val="000000">
+                <a:alpha val="38000"/>
+              </a:srgbClr>
+            </a:outerShdw>
+          </a:effectLst>
+        </a:effectStyle>
+        <a:effectStyle>
+          <a:effectLst>
+            <a:outerShdw blurRad="40000" dist="23000" dir="5400000" rotWithShape="0">
+              <a:srgbClr val="000000">
+                <a:alpha val="35000"/>
+              </a:srgbClr>
+            </a:outerShdw>
+          </a:effectLst>
+        </a:effectStyle>
+        <a:effectStyle>
+          <a:effectLst>
+            <a:outerShdw blurRad="40000" dist="23000" dir="5400000" rotWithShape="0">
+              <a:srgbClr val="000000">
+                <a:alpha val="35000"/>
+              </a:srgbClr>
+            </a:outerShdw>
+          </a:effectLst>
+          <a:scene3d>
+            <a:camera prst="orthographicFront">
+              <a:rot lat="0" lon="0" rev="0"/>
+            </a:camera>
+            <a:lightRig rig="threePt" dir="t">
+              <a:rot lat="0" lon="0" rev="1200000"/>
+            </a:lightRig>
+          </a:scene3d>
+          <a:sp3d>
+            <a:bevelT w="63500" h="25400"/>
+          </a:sp3d>
+        </a:effectStyle>
+      </a:effectStyleLst>
+      <a:bgFillStyleLst>
+        <a:solidFill>
+          <a:schemeClr val="phClr"/>
+        </a:solidFill>
+        <a:gradFill rotWithShape="1">
+          <a:gsLst>
+            <a:gs pos="0">
+              <a:schemeClr val="phClr">
+                <a:tint val="40000"/>
+                <a:satMod val="350000"/>
+              </a:schemeClr>
+            </a:gs>
+            <a:gs pos="40000">
+              <a:schemeClr val="phClr">
+                <a:tint val="45000"/>
+                <a:shade val="99000"/>
+                <a:satMod val="350000"/>
+              </a:schemeClr>
+            </a:gs>
+            <a:gs pos="100000">
+              <a:schemeClr val="phClr">
+                <a:shade val="20000"/>
+                <a:satMod val="255000"/>
+              </a:schemeClr>
+            </a:gs>
+          </a:gsLst>
+          <a:path path="circle">
+            <a:fillToRect l="50000" t="-80000" r="50000" b="180000"/>
+          </a:path>
+        </a:gradFill>
+        <a:gradFill rotWithShape="1">
+          <a:gsLst>
+            <a:gs pos="0">
+              <a:schemeClr val="phClr">
+                <a:tint val="80000"/>
+                <a:satMod val="300000"/>
+              </a:schemeClr>
+            </a:gs>
+            <a:gs pos="100000">
+              <a:schemeClr val="phClr">
+                <a:shade val="30000"/>
+                <a:satMod val="200000"/>
+              </a:schemeClr>
+            </a:gs>
+          </a:gsLst>
+          <a:path path="circle">
+            <a:fillToRect l="50000" t="50000" r="50000" b="50000"/>
+          </a:path>
+        </a:gradFill>
+      </a:bgFillStyleLst>
+    </a:fmtScheme>
+  </a:themeElements>
+</a:theme>
+</file>
+
+<file path=ppt/theme/theme2.xml><?xml version="1.0" encoding="utf-8"?>
 <a:theme xmlns:a="http://schemas.openxmlformats.org/drawingml/2006/main" xmlns:r="http://schemas.openxmlformats.org/officeDocument/2006/relationships" name="Swiss">
   <a:themeElements>
     <a:clrScheme name="Swiss">
@@ -7499,283 +10664,4 @@
     </a:fmtScheme>
   </a:themeElements>
 </a:theme>
-</file>
-
-<file path=ppt/theme/theme2.xml><?xml version="1.0" encoding="utf-8"?>
-<a:theme xmlns:a="http://schemas.openxmlformats.org/drawingml/2006/main" xmlns:r="http://schemas.openxmlformats.org/officeDocument/2006/relationships">
-  <a:themeElements>
-    <a:clrScheme name="Default">
-      <a:dk1>
-        <a:srgbClr val="000000"/>
-      </a:dk1>
-      <a:lt1>
-        <a:srgbClr val="FFFFFF"/>
-      </a:lt1>
-      <a:dk2>
-        <a:srgbClr val="158158"/>
-      </a:dk2>
-      <a:lt2>
-        <a:srgbClr val="F3F3F3"/>
-      </a:lt2>
-      <a:accent1>
-        <a:srgbClr val="058DC7"/>
-      </a:accent1>
-      <a:accent2>
-        <a:srgbClr val="50B432"/>
-      </a:accent2>
-      <a:accent3>
-        <a:srgbClr val="ED561B"/>
-      </a:accent3>
-      <a:accent4>
-        <a:srgbClr val="EDEF00"/>
-      </a:accent4>
-      <a:accent5>
-        <a:srgbClr val="24CBE5"/>
-      </a:accent5>
-      <a:accent6>
-        <a:srgbClr val="64E572"/>
-      </a:accent6>
-      <a:hlink>
-        <a:srgbClr val="2200CC"/>
-      </a:hlink>
-      <a:folHlink>
-        <a:srgbClr val="551A8B"/>
-      </a:folHlink>
-    </a:clrScheme>
-    <a:fontScheme name="Office">
-      <a:majorFont>
-        <a:latin typeface="Arial"/>
-        <a:ea typeface=""/>
-        <a:cs typeface=""/>
-        <a:font script="Jpan" typeface="ＭＳ Ｐゴシック"/>
-        <a:font script="Hang" typeface="맑은 고딕"/>
-        <a:font script="Hans" typeface="宋体"/>
-        <a:font script="Hant" typeface="新細明體"/>
-        <a:font script="Arab" typeface="Times New Roman"/>
-        <a:font script="Hebr" typeface="Times New Roman"/>
-        <a:font script="Thai" typeface="Angsana New"/>
-        <a:font script="Ethi" typeface="Nyala"/>
-        <a:font script="Beng" typeface="Vrinda"/>
-        <a:font script="Gujr" typeface="Shruti"/>
-        <a:font script="Khmr" typeface="MoolBoran"/>
-        <a:font script="Knda" typeface="Tunga"/>
-        <a:font script="Guru" typeface="Raavi"/>
-        <a:font script="Cans" typeface="Euphemia"/>
-        <a:font script="Cher" typeface="Plantagenet Cherokee"/>
-        <a:font script="Yiii" typeface="Microsoft Yi Baiti"/>
-        <a:font script="Tibt" typeface="Microsoft Himalaya"/>
-        <a:font script="Thaa" typeface="MV Boli"/>
-        <a:font script="Deva" typeface="Mangal"/>
-        <a:font script="Telu" typeface="Gautami"/>
-        <a:font script="Taml" typeface="Latha"/>
-        <a:font script="Syrc" typeface="Estrangelo Edessa"/>
-        <a:font script="Orya" typeface="Kalinga"/>
-        <a:font script="Mlym" typeface="Kartika"/>
-        <a:font script="Laoo" typeface="DokChampa"/>
-        <a:font script="Sinh" typeface="Iskoola Pota"/>
-        <a:font script="Mong" typeface="Mongolian Baiti"/>
-        <a:font script="Viet" typeface="Times New Roman"/>
-        <a:font script="Uigh" typeface="Microsoft Uighur"/>
-        <a:font script="Geor" typeface="Sylfaen"/>
-      </a:majorFont>
-      <a:minorFont>
-        <a:latin typeface="Arial"/>
-        <a:ea typeface=""/>
-        <a:cs typeface=""/>
-        <a:font script="Jpan" typeface="ＭＳ Ｐゴシック"/>
-        <a:font script="Hang" typeface="맑은 고딕"/>
-        <a:font script="Hans" typeface="宋体"/>
-        <a:font script="Hant" typeface="新細明體"/>
-        <a:font script="Arab" typeface="Arial"/>
-        <a:font script="Hebr" typeface="Arial"/>
-        <a:font script="Thai" typeface="Cordia New"/>
-        <a:font script="Ethi" typeface="Nyala"/>
-        <a:font script="Beng" typeface="Vrinda"/>
-        <a:font script="Gujr" typeface="Shruti"/>
-        <a:font script="Khmr" typeface="DaunPenh"/>
-        <a:font script="Knda" typeface="Tunga"/>
-        <a:font script="Guru" typeface="Raavi"/>
-        <a:font script="Cans" typeface="Euphemia"/>
-        <a:font script="Cher" typeface="Plantagenet Cherokee"/>
-        <a:font script="Yiii" typeface="Microsoft Yi Baiti"/>
-        <a:font script="Tibt" typeface="Microsoft Himalaya"/>
-        <a:font script="Thaa" typeface="MV Boli"/>
-        <a:font script="Deva" typeface="Mangal"/>
-        <a:font script="Telu" typeface="Gautami"/>
-        <a:font script="Taml" typeface="Latha"/>
-        <a:font script="Syrc" typeface="Estrangelo Edessa"/>
-        <a:font script="Orya" typeface="Kalinga"/>
-        <a:font script="Mlym" typeface="Kartika"/>
-        <a:font script="Laoo" typeface="DokChampa"/>
-        <a:font script="Sinh" typeface="Iskoola Pota"/>
-        <a:font script="Mong" typeface="Mongolian Baiti"/>
-        <a:font script="Viet" typeface="Arial"/>
-        <a:font script="Uigh" typeface="Microsoft Uighur"/>
-        <a:font script="Geor" typeface="Sylfaen"/>
-      </a:minorFont>
-    </a:fontScheme>
-    <a:fmtScheme name="Office">
-      <a:fillStyleLst>
-        <a:solidFill>
-          <a:schemeClr val="phClr"/>
-        </a:solidFill>
-        <a:gradFill rotWithShape="1">
-          <a:gsLst>
-            <a:gs pos="0">
-              <a:schemeClr val="phClr">
-                <a:tint val="50000"/>
-                <a:satMod val="300000"/>
-              </a:schemeClr>
-            </a:gs>
-            <a:gs pos="35000">
-              <a:schemeClr val="phClr">
-                <a:tint val="37000"/>
-                <a:satMod val="300000"/>
-              </a:schemeClr>
-            </a:gs>
-            <a:gs pos="100000">
-              <a:schemeClr val="phClr">
-                <a:tint val="15000"/>
-                <a:satMod val="350000"/>
-              </a:schemeClr>
-            </a:gs>
-          </a:gsLst>
-          <a:lin ang="16200000" scaled="1"/>
-        </a:gradFill>
-        <a:gradFill rotWithShape="1">
-          <a:gsLst>
-            <a:gs pos="0">
-              <a:schemeClr val="phClr">
-                <a:tint val="100000"/>
-                <a:shade val="100000"/>
-                <a:satMod val="130000"/>
-              </a:schemeClr>
-            </a:gs>
-            <a:gs pos="100000">
-              <a:schemeClr val="phClr">
-                <a:tint val="50000"/>
-                <a:shade val="100000"/>
-                <a:satMod val="350000"/>
-              </a:schemeClr>
-            </a:gs>
-          </a:gsLst>
-          <a:lin ang="16200000" scaled="0"/>
-        </a:gradFill>
-      </a:fillStyleLst>
-      <a:lnStyleLst>
-        <a:ln w="9525" cap="flat" cmpd="sng" algn="ctr">
-          <a:solidFill>
-            <a:schemeClr val="phClr">
-              <a:shade val="95000"/>
-              <a:satMod val="105000"/>
-            </a:schemeClr>
-          </a:solidFill>
-          <a:prstDash val="solid"/>
-        </a:ln>
-        <a:ln w="25400" cap="flat" cmpd="sng" algn="ctr">
-          <a:solidFill>
-            <a:schemeClr val="phClr"/>
-          </a:solidFill>
-          <a:prstDash val="solid"/>
-        </a:ln>
-        <a:ln w="38100" cap="flat" cmpd="sng" algn="ctr">
-          <a:solidFill>
-            <a:schemeClr val="phClr"/>
-          </a:solidFill>
-          <a:prstDash val="solid"/>
-        </a:ln>
-      </a:lnStyleLst>
-      <a:effectStyleLst>
-        <a:effectStyle>
-          <a:effectLst>
-            <a:outerShdw blurRad="40000" dist="20000" dir="5400000" rotWithShape="0">
-              <a:srgbClr val="000000">
-                <a:alpha val="38000"/>
-              </a:srgbClr>
-            </a:outerShdw>
-          </a:effectLst>
-        </a:effectStyle>
-        <a:effectStyle>
-          <a:effectLst>
-            <a:outerShdw blurRad="40000" dist="23000" dir="5400000" rotWithShape="0">
-              <a:srgbClr val="000000">
-                <a:alpha val="35000"/>
-              </a:srgbClr>
-            </a:outerShdw>
-          </a:effectLst>
-        </a:effectStyle>
-        <a:effectStyle>
-          <a:effectLst>
-            <a:outerShdw blurRad="40000" dist="23000" dir="5400000" rotWithShape="0">
-              <a:srgbClr val="000000">
-                <a:alpha val="35000"/>
-              </a:srgbClr>
-            </a:outerShdw>
-          </a:effectLst>
-          <a:scene3d>
-            <a:camera prst="orthographicFront">
-              <a:rot lat="0" lon="0" rev="0"/>
-            </a:camera>
-            <a:lightRig rig="threePt" dir="t">
-              <a:rot lat="0" lon="0" rev="1200000"/>
-            </a:lightRig>
-          </a:scene3d>
-          <a:sp3d>
-            <a:bevelT w="63500" h="25400"/>
-          </a:sp3d>
-        </a:effectStyle>
-      </a:effectStyleLst>
-      <a:bgFillStyleLst>
-        <a:solidFill>
-          <a:schemeClr val="phClr"/>
-        </a:solidFill>
-        <a:gradFill rotWithShape="1">
-          <a:gsLst>
-            <a:gs pos="0">
-              <a:schemeClr val="phClr">
-                <a:tint val="40000"/>
-                <a:satMod val="350000"/>
-              </a:schemeClr>
-            </a:gs>
-            <a:gs pos="40000">
-              <a:schemeClr val="phClr">
-                <a:tint val="45000"/>
-                <a:shade val="99000"/>
-                <a:satMod val="350000"/>
-              </a:schemeClr>
-            </a:gs>
-            <a:gs pos="100000">
-              <a:schemeClr val="phClr">
-                <a:shade val="20000"/>
-                <a:satMod val="255000"/>
-              </a:schemeClr>
-            </a:gs>
-          </a:gsLst>
-          <a:path path="circle">
-            <a:fillToRect l="50000" t="-80000" r="50000" b="180000"/>
-          </a:path>
-        </a:gradFill>
-        <a:gradFill rotWithShape="1">
-          <a:gsLst>
-            <a:gs pos="0">
-              <a:schemeClr val="phClr">
-                <a:tint val="80000"/>
-                <a:satMod val="300000"/>
-              </a:schemeClr>
-            </a:gs>
-            <a:gs pos="100000">
-              <a:schemeClr val="phClr">
-                <a:shade val="30000"/>
-                <a:satMod val="200000"/>
-              </a:schemeClr>
-            </a:gs>
-          </a:gsLst>
-          <a:path path="circle">
-            <a:fillToRect l="50000" t="50000" r="50000" b="50000"/>
-          </a:path>
-        </a:gradFill>
-      </a:bgFillStyleLst>
-    </a:fmtScheme>
-  </a:themeElements>
-</a:theme>
 </file>